--- a/MicroservicesITWeek2017.pptx
+++ b/MicroservicesITWeek2017.pptx
@@ -5,10 +5,10 @@
     <p:sldMasterId id="2147483730" r:id="rId4"/>
   </p:sldMasterIdLst>
   <p:notesMasterIdLst>
-    <p:notesMasterId r:id="rId36"/>
+    <p:notesMasterId r:id="rId39"/>
   </p:notesMasterIdLst>
   <p:handoutMasterIdLst>
-    <p:handoutMasterId r:id="rId37"/>
+    <p:handoutMasterId r:id="rId40"/>
   </p:handoutMasterIdLst>
   <p:sldIdLst>
     <p:sldId id="478" r:id="rId5"/>
@@ -39,9 +39,12 @@
     <p:sldId id="523" r:id="rId30"/>
     <p:sldId id="521" r:id="rId31"/>
     <p:sldId id="524" r:id="rId32"/>
-    <p:sldId id="503" r:id="rId33"/>
-    <p:sldId id="496" r:id="rId34"/>
-    <p:sldId id="446" r:id="rId35"/>
+    <p:sldId id="525" r:id="rId33"/>
+    <p:sldId id="526" r:id="rId34"/>
+    <p:sldId id="527" r:id="rId35"/>
+    <p:sldId id="503" r:id="rId36"/>
+    <p:sldId id="496" r:id="rId37"/>
+    <p:sldId id="446" r:id="rId38"/>
   </p:sldIdLst>
   <p:sldSz cx="6858000" cy="5143500"/>
   <p:notesSz cx="6858000" cy="9144000"/>
@@ -436,6 +439,34 @@
 </p:cmLst>
 </file>
 
+<file path=ppt/comments/comment3.xml><?xml version="1.0" encoding="utf-8"?>
+<p:cmLst xmlns:a="http://schemas.openxmlformats.org/drawingml/2006/main" xmlns:r="http://schemas.openxmlformats.org/officeDocument/2006/relationships" xmlns:p="http://schemas.openxmlformats.org/presentationml/2006/main">
+  <p:cm authorId="3" dt="2017-03-11T20:52:15.577" idx="2">
+    <p:pos x="10" y="10"/>
+    <p:text>revisit</p:text>
+    <p:extLst>
+      <p:ext uri="{C676402C-5697-4E1C-873F-D02D1690AC5C}">
+        <p15:threadingInfo xmlns:p15="http://schemas.microsoft.com/office/powerpoint/2012/main" timeZoneBias="-180"/>
+      </p:ext>
+    </p:extLst>
+  </p:cm>
+</p:cmLst>
+</file>
+
+<file path=ppt/comments/comment4.xml><?xml version="1.0" encoding="utf-8"?>
+<p:cmLst xmlns:a="http://schemas.openxmlformats.org/drawingml/2006/main" xmlns:r="http://schemas.openxmlformats.org/officeDocument/2006/relationships" xmlns:p="http://schemas.openxmlformats.org/presentationml/2006/main">
+  <p:cm authorId="3" dt="2017-03-11T20:52:15.577" idx="2">
+    <p:pos x="10" y="10"/>
+    <p:text>revisit</p:text>
+    <p:extLst>
+      <p:ext uri="{C676402C-5697-4E1C-873F-D02D1690AC5C}">
+        <p15:threadingInfo xmlns:p15="http://schemas.microsoft.com/office/powerpoint/2012/main" timeZoneBias="-180"/>
+      </p:ext>
+    </p:extLst>
+  </p:cm>
+</p:cmLst>
+</file>
+
 <file path=ppt/handoutMasters/handoutMaster1.xml><?xml version="1.0" encoding="utf-8"?>
 <p:handoutMaster xmlns:a="http://schemas.openxmlformats.org/drawingml/2006/main" xmlns:r="http://schemas.openxmlformats.org/officeDocument/2006/relationships" xmlns:p="http://schemas.openxmlformats.org/presentationml/2006/main">
   <p:cSld>
@@ -519,7 +550,7 @@
             <a:fld id="{7F5E9BF7-95E4-A242-BA1D-05FDCF603BE6}" type="datetime1">
               <a:rPr lang="en-US" smtClean="0"/>
               <a:pPr/>
-              <a:t>3/11/2017</a:t>
+              <a:t>3/14/2017</a:t>
             </a:fld>
             <a:endParaRPr lang="en-US"/>
           </a:p>
@@ -687,7 +718,7 @@
             <a:fld id="{165DBCB1-0306-AD41-9452-11E7C08D5C04}" type="datetime1">
               <a:rPr lang="en-US" smtClean="0"/>
               <a:pPr/>
-              <a:t>3/11/2017</a:t>
+              <a:t>3/14/2017</a:t>
             </a:fld>
             <a:endParaRPr lang="en-US"/>
           </a:p>
@@ -3499,86 +3530,53 @@
           <a:p>
             <a:r>
               <a:rPr lang="en-US" dirty="0" smtClean="0"/>
-              <a:t>Each </a:t>
-            </a:r>
-            <a:r>
-              <a:rPr lang="en-US" dirty="0" err="1" smtClean="0"/>
-              <a:t>microservice</a:t>
-            </a:r>
-            <a:r>
-              <a:rPr lang="en-US" dirty="0" smtClean="0"/>
-              <a:t> can use its own storage</a:t>
+              <a:t>Initially I wanted to speak</a:t>
             </a:r>
             <a:r>
               <a:rPr lang="en-US" baseline="0" dirty="0" smtClean="0"/>
-              <a:t> and own kind of storage, the one that fits </a:t>
-            </a:r>
-            <a:r>
-              <a:rPr lang="en-US" baseline="0" dirty="0" err="1" smtClean="0"/>
-              <a:t>microservice</a:t>
-            </a:r>
+              <a:t> about scaling on this slide. And you probably would want to hear about scaling, how we dynamically add new servers, distribute the load etc.</a:t>
+            </a:r>
+          </a:p>
+          <a:p>
             <a:r>
               <a:rPr lang="en-US" baseline="0" dirty="0" smtClean="0"/>
-              <a:t> needs better.</a:t>
+              <a:t>But in reality…</a:t>
             </a:r>
           </a:p>
           <a:p>
             <a:r>
               <a:rPr lang="en-US" baseline="0" dirty="0" smtClean="0"/>
-              <a:t>Also the thing called as Polyglot Persistence is welcomed. With polyglot persistence different parts of information is distributed between separate databases. </a:t>
+              <a:t>In reality our applications are not targeted for huge loads and as result, high performance is not the major requirement for most of our applications. Instead, the major requirement is reliability (maybe this explains why the whole talk was devoted mainly to how handle failures and simplify system diagnostics).</a:t>
             </a:r>
           </a:p>
           <a:p>
             <a:r>
               <a:rPr lang="en-US" baseline="0" dirty="0" smtClean="0"/>
-              <a:t>In our case, author articles (which are complex documents) are stored in object storage (</a:t>
-            </a:r>
-            <a:r>
-              <a:rPr lang="en-US" baseline="0" dirty="0" err="1" smtClean="0"/>
-              <a:t>MongoDB</a:t>
-            </a:r>
+              <a:t>One more good point in ensuring reliability of a system is failover.</a:t>
+            </a:r>
+          </a:p>
+          <a:p>
             <a:r>
               <a:rPr lang="en-US" baseline="0" dirty="0" smtClean="0"/>
-              <a:t>) and orders we store in transactional relational storage (</a:t>
-            </a:r>
-            <a:r>
-              <a:rPr lang="en-US" baseline="0" dirty="0" err="1" smtClean="0"/>
-              <a:t>PostgreSQL</a:t>
-            </a:r>
+              <a:t>For failover we use number 2. Each application or storage exists on production in two instances</a:t>
+            </a:r>
+          </a:p>
+          <a:p>
             <a:r>
               <a:rPr lang="en-US" baseline="0" dirty="0" smtClean="0"/>
-              <a:t>) which is better suited for transactions and reporting</a:t>
-            </a:r>
-            <a:r>
-              <a:rPr lang="ru-RU" baseline="0" dirty="0" smtClean="0"/>
-              <a:t>.</a:t>
-            </a:r>
-            <a:endParaRPr lang="en-US" baseline="0" dirty="0" smtClean="0"/>
+              <a:t>In front of tomcat we have amazon balancer to distribute the load and exclude one tomcat instance if it fails, redirecting all user requests to second instance</a:t>
+            </a:r>
           </a:p>
           <a:p>
             <a:r>
               <a:rPr lang="en-US" baseline="0" dirty="0" smtClean="0"/>
-              <a:t>The most important concept, shown on this slide – client of </a:t>
-            </a:r>
-            <a:r>
-              <a:rPr lang="en-US" baseline="0" dirty="0" err="1" smtClean="0"/>
-              <a:t>microservice</a:t>
-            </a:r>
+              <a:t>Scheduled activities that we run at fixed time should happen only once at a given time and we can’t explicitly turn it off on one instance of application, because if the instance with enabled jobs fails, we loose the scheduled activities. But quartz clustering feature allows to do failover – if application instance crashes, second instance will start running those scheduled activities</a:t>
+            </a:r>
+          </a:p>
+          <a:p>
             <a:r>
               <a:rPr lang="en-US" baseline="0" dirty="0" smtClean="0"/>
-              <a:t> never gets access to database directly. Instead it uses API exposed by </a:t>
-            </a:r>
-            <a:r>
-              <a:rPr lang="en-US" baseline="0" dirty="0" err="1" smtClean="0"/>
-              <a:t>microservice</a:t>
-            </a:r>
-            <a:r>
-              <a:rPr lang="en-US" baseline="0" dirty="0" smtClean="0"/>
-              <a:t> (most often it is </a:t>
-            </a:r>
-            <a:r>
-              <a:rPr lang="en-US" baseline="0" smtClean="0"/>
-              <a:t>REST).</a:t>
+              <a:t>Also there are cases when for example, we need to read file from ftp, process it and delete, but do this only once. And if we implement this consumer, it will run inside two application instances and start consuming the same file in parallel, what is not what we want. But if we implement consumer using Camel, it has a nice feature that allows an application to register in centralized service like zookeeper and enable routes that become active and consuming on one host only</a:t>
             </a:r>
             <a:endParaRPr lang="ru-RU" baseline="0" dirty="0" smtClean="0"/>
           </a:p>
@@ -3611,7 +3609,7 @@
     </p:spTree>
     <p:extLst>
       <p:ext uri="{BB962C8B-B14F-4D97-AF65-F5344CB8AC3E}">
-        <p14:creationId xmlns:p14="http://schemas.microsoft.com/office/powerpoint/2010/main" val="1578299573"/>
+        <p14:creationId xmlns:p14="http://schemas.microsoft.com/office/powerpoint/2010/main" val="178210190"/>
       </p:ext>
     </p:extLst>
   </p:cSld>
@@ -3640,7 +3638,7 @@
       </p:grpSpPr>
       <p:sp>
         <p:nvSpPr>
-          <p:cNvPr id="2" name="Slide Image Placeholder 1"/>
+          <p:cNvPr id="2" name="Образ слайда 1"/>
           <p:cNvSpPr>
             <a:spLocks noGrp="1" noRot="1" noChangeAspect="1"/>
           </p:cNvSpPr>
@@ -3648,16 +3646,11 @@
             <p:ph type="sldImg"/>
           </p:nvPr>
         </p:nvSpPr>
-        <p:spPr>
-          <a:xfrm>
-            <a:off x="1143000" y="685800"/>
-            <a:ext cx="4572000" cy="3429000"/>
-          </a:xfrm>
-        </p:spPr>
-      </p:sp>
-      <p:sp>
-        <p:nvSpPr>
-          <p:cNvPr id="3" name="Notes Placeholder 2"/>
+        <p:spPr/>
+      </p:sp>
+      <p:sp>
+        <p:nvSpPr>
+          <p:cNvPr id="3" name="Заметки 2"/>
           <p:cNvSpPr>
             <a:spLocks noGrp="1"/>
           </p:cNvSpPr>
@@ -3670,30 +3663,69 @@
           <a:bodyPr/>
           <a:lstStyle/>
           <a:p>
-            <a:pPr marL="0" marR="0" indent="0" algn="l" defTabSz="914400" rtl="0" eaLnBrk="1" fontAlgn="auto" latinLnBrk="0" hangingPunct="1">
-              <a:lnSpc>
-                <a:spcPct val="100000"/>
-              </a:lnSpc>
-              <a:spcBef>
-                <a:spcPts val="0"/>
-              </a:spcBef>
-              <a:spcAft>
-                <a:spcPts val="0"/>
-              </a:spcAft>
-              <a:buClrTx/>
-              <a:buSzTx/>
+            <a:pPr marL="0" indent="0">
               <a:buFontTx/>
               <a:buNone/>
-              <a:tabLst/>
-              <a:defRPr/>
             </a:pPr>
-            <a:endParaRPr lang="en-US" dirty="0"/>
-          </a:p>
-        </p:txBody>
-      </p:sp>
-      <p:sp>
-        <p:nvSpPr>
-          <p:cNvPr id="4" name="Slide Number Placeholder 3"/>
+            <a:r>
+              <a:rPr lang="en-US" dirty="0" smtClean="0"/>
+              <a:t>On</a:t>
+            </a:r>
+            <a:r>
+              <a:rPr lang="en-US" baseline="0" dirty="0" smtClean="0"/>
+              <a:t> this slide you can see the tech stack we are using on a project.</a:t>
+            </a:r>
+          </a:p>
+          <a:p>
+            <a:pPr marL="0" indent="0">
+              <a:buFontTx/>
+              <a:buNone/>
+            </a:pPr>
+            <a:r>
+              <a:rPr lang="en-US" baseline="0" dirty="0" smtClean="0"/>
+              <a:t>Key note here is that though </a:t>
+            </a:r>
+            <a:r>
+              <a:rPr lang="en-US" baseline="0" dirty="0" err="1" smtClean="0"/>
+              <a:t>microservices</a:t>
+            </a:r>
+            <a:r>
+              <a:rPr lang="en-US" baseline="0" dirty="0" smtClean="0"/>
+              <a:t> support and encourage polyglot persistence, polyglot platform (use other </a:t>
+            </a:r>
+            <a:r>
+              <a:rPr lang="en-US" baseline="0" dirty="0" err="1" smtClean="0"/>
+              <a:t>langs</a:t>
+            </a:r>
+            <a:r>
+              <a:rPr lang="en-US" baseline="0" dirty="0" smtClean="0"/>
+              <a:t> that suit better), polyglot pretty everything, we strive to have core technologies unified. So we do not use anything except java, we have only one build tool – </a:t>
+            </a:r>
+            <a:r>
+              <a:rPr lang="en-US" baseline="0" dirty="0" err="1" smtClean="0"/>
+              <a:t>gradle</a:t>
+            </a:r>
+            <a:r>
+              <a:rPr lang="en-US" baseline="0" dirty="0" smtClean="0"/>
+              <a:t>, deploy on tomcat only etc. We use one deploy tool, one monitoring tool, one log collecting tool. This helps to ensure we do not have duplication of tools that would require doubled IT support. This helps to ensure we have expertise – maybe not wide covering several similar tools, but narrow – specializing in one tool.</a:t>
+            </a:r>
+          </a:p>
+          <a:p>
+            <a:pPr marL="0" indent="0">
+              <a:buFontTx/>
+              <a:buNone/>
+            </a:pPr>
+            <a:r>
+              <a:rPr lang="en-US" baseline="0" dirty="0" smtClean="0"/>
+              <a:t>Event for persistence and integration (in the middle column of slide), project feels free to choose type of storage that suits better (be it document storage, file storage or search engine), but within the type of storage, there is only one approved option.</a:t>
+            </a:r>
+            <a:endParaRPr lang="ru-RU" dirty="0"/>
+          </a:p>
+        </p:txBody>
+      </p:sp>
+      <p:sp>
+        <p:nvSpPr>
+          <p:cNvPr id="4" name="Номер слайда 3"/>
           <p:cNvSpPr>
             <a:spLocks noGrp="1"/>
           </p:cNvSpPr>
@@ -3718,7 +3750,7 @@
     </p:spTree>
     <p:extLst>
       <p:ext uri="{BB962C8B-B14F-4D97-AF65-F5344CB8AC3E}">
-        <p14:creationId xmlns:p14="http://schemas.microsoft.com/office/powerpoint/2010/main" val="1347711957"/>
+        <p14:creationId xmlns:p14="http://schemas.microsoft.com/office/powerpoint/2010/main" val="4113613616"/>
       </p:ext>
     </p:extLst>
   </p:cSld>
@@ -3923,7 +3955,11 @@
           <a:bodyPr/>
           <a:lstStyle/>
           <a:p>
-            <a:endParaRPr lang="ru-RU"/>
+            <a:r>
+              <a:rPr lang="en-US" dirty="0" smtClean="0"/>
+              <a:t>16 applications / services</a:t>
+            </a:r>
+            <a:endParaRPr lang="ru-RU" dirty="0"/>
           </a:p>
         </p:txBody>
       </p:sp>
@@ -3946,6 +3982,434 @@
               <a:rPr lang="en-US" smtClean="0"/>
               <a:pPr/>
               <a:t>31</a:t>
+            </a:fld>
+            <a:endParaRPr lang="en-US"/>
+          </a:p>
+        </p:txBody>
+      </p:sp>
+    </p:spTree>
+    <p:extLst>
+      <p:ext uri="{BB962C8B-B14F-4D97-AF65-F5344CB8AC3E}">
+        <p14:creationId xmlns:p14="http://schemas.microsoft.com/office/powerpoint/2010/main" val="224973294"/>
+      </p:ext>
+    </p:extLst>
+  </p:cSld>
+  <p:clrMapOvr>
+    <a:masterClrMapping/>
+  </p:clrMapOvr>
+</p:notes>
+</file>
+
+<file path=ppt/notesSlides/notesSlide31.xml><?xml version="1.0" encoding="utf-8"?>
+<p:notes xmlns:a="http://schemas.openxmlformats.org/drawingml/2006/main" xmlns:r="http://schemas.openxmlformats.org/officeDocument/2006/relationships" xmlns:p="http://schemas.openxmlformats.org/presentationml/2006/main">
+  <p:cSld>
+    <p:spTree>
+      <p:nvGrpSpPr>
+        <p:cNvPr id="1" name=""/>
+        <p:cNvGrpSpPr/>
+        <p:nvPr/>
+      </p:nvGrpSpPr>
+      <p:grpSpPr>
+        <a:xfrm>
+          <a:off x="0" y="0"/>
+          <a:ext cx="0" cy="0"/>
+          <a:chOff x="0" y="0"/>
+          <a:chExt cx="0" cy="0"/>
+        </a:xfrm>
+      </p:grpSpPr>
+      <p:sp>
+        <p:nvSpPr>
+          <p:cNvPr id="2" name="Образ слайда 1"/>
+          <p:cNvSpPr>
+            <a:spLocks noGrp="1" noRot="1" noChangeAspect="1"/>
+          </p:cNvSpPr>
+          <p:nvPr>
+            <p:ph type="sldImg"/>
+          </p:nvPr>
+        </p:nvSpPr>
+        <p:spPr/>
+      </p:sp>
+      <p:sp>
+        <p:nvSpPr>
+          <p:cNvPr id="3" name="Заметки 2"/>
+          <p:cNvSpPr>
+            <a:spLocks noGrp="1"/>
+          </p:cNvSpPr>
+          <p:nvPr>
+            <p:ph type="body" idx="1"/>
+          </p:nvPr>
+        </p:nvSpPr>
+        <p:spPr/>
+        <p:txBody>
+          <a:bodyPr/>
+          <a:lstStyle/>
+          <a:p>
+            <a:pPr marL="171450" indent="-171450">
+              <a:buFontTx/>
+              <a:buChar char="-"/>
+            </a:pPr>
+            <a:r>
+              <a:rPr lang="en-US" dirty="0" smtClean="0"/>
+              <a:t>System is too big</a:t>
+            </a:r>
+          </a:p>
+          <a:p>
+            <a:pPr marL="514350" lvl="1" indent="-171450">
+              <a:buFontTx/>
+              <a:buChar char="-"/>
+            </a:pPr>
+            <a:r>
+              <a:rPr lang="en-US" dirty="0" smtClean="0"/>
+              <a:t>and it just does not fit on one</a:t>
+            </a:r>
+            <a:r>
+              <a:rPr lang="en-US" baseline="0" dirty="0" smtClean="0"/>
+              <a:t> server</a:t>
+            </a:r>
+            <a:endParaRPr lang="ru-RU" dirty="0" smtClean="0"/>
+          </a:p>
+          <a:p>
+            <a:pPr marL="171450" lvl="0" indent="-171450">
+              <a:buFontTx/>
+              <a:buChar char="-"/>
+            </a:pPr>
+            <a:r>
+              <a:rPr lang="en-US" dirty="0" smtClean="0"/>
+              <a:t>Team is too big</a:t>
+            </a:r>
+            <a:endParaRPr lang="ru-RU" baseline="0" dirty="0" smtClean="0"/>
+          </a:p>
+          <a:p>
+            <a:pPr marL="628650" lvl="1" indent="-171450">
+              <a:buFontTx/>
+              <a:buChar char="-"/>
+            </a:pPr>
+            <a:r>
+              <a:rPr lang="en-US" baseline="0" dirty="0" smtClean="0"/>
+              <a:t>And distributed</a:t>
+            </a:r>
+            <a:endParaRPr lang="ru-RU" dirty="0" smtClean="0"/>
+          </a:p>
+          <a:p>
+            <a:pPr marL="171450" indent="-171450">
+              <a:buFontTx/>
+              <a:buChar char="-"/>
+            </a:pPr>
+            <a:r>
+              <a:rPr lang="en-US" dirty="0" smtClean="0"/>
+              <a:t>System is</a:t>
+            </a:r>
+            <a:r>
+              <a:rPr lang="en-US" baseline="0" dirty="0" smtClean="0"/>
+              <a:t> too complicated</a:t>
+            </a:r>
+            <a:endParaRPr lang="ru-RU" dirty="0" smtClean="0"/>
+          </a:p>
+          <a:p>
+            <a:pPr marL="628650" lvl="1" indent="-171450">
+              <a:buFontTx/>
+              <a:buChar char="-"/>
+            </a:pPr>
+            <a:r>
+              <a:rPr lang="en-US" dirty="0" smtClean="0"/>
+              <a:t>Complicated to understand</a:t>
+            </a:r>
+            <a:endParaRPr lang="ru-RU" dirty="0" smtClean="0"/>
+          </a:p>
+          <a:p>
+            <a:pPr marL="628650" lvl="1" indent="-171450">
+              <a:buFontTx/>
+              <a:buChar char="-"/>
+            </a:pPr>
+            <a:r>
+              <a:rPr lang="en-US" dirty="0" smtClean="0"/>
+              <a:t>Complicated to develop</a:t>
+            </a:r>
+            <a:endParaRPr lang="ru-RU" dirty="0" smtClean="0"/>
+          </a:p>
+          <a:p>
+            <a:pPr marL="628650" lvl="1" indent="-171450">
+              <a:buFontTx/>
+              <a:buChar char="-"/>
+            </a:pPr>
+            <a:r>
+              <a:rPr lang="en-US" dirty="0" smtClean="0"/>
+              <a:t>Complicated to deploy</a:t>
+            </a:r>
+            <a:endParaRPr lang="ru-RU" dirty="0" smtClean="0"/>
+          </a:p>
+          <a:p>
+            <a:pPr marL="628650" lvl="1" indent="-171450">
+              <a:buFontTx/>
+              <a:buChar char="-"/>
+            </a:pPr>
+            <a:endParaRPr lang="ru-RU" dirty="0" smtClean="0"/>
+          </a:p>
+          <a:p>
+            <a:pPr marL="457200" lvl="1" indent="0">
+              <a:buFontTx/>
+              <a:buNone/>
+            </a:pPr>
+            <a:r>
+              <a:rPr lang="en-US" dirty="0" smtClean="0"/>
+              <a:t>In this case splitting</a:t>
+            </a:r>
+            <a:r>
+              <a:rPr lang="en-US" baseline="0" dirty="0" smtClean="0"/>
+              <a:t> it into services won’t solve the complexity problem but allows to abstract away</a:t>
+            </a:r>
+            <a:endParaRPr lang="ru-RU" dirty="0" smtClean="0"/>
+          </a:p>
+          <a:p>
+            <a:pPr marL="171450" lvl="0" indent="-171450">
+              <a:buFontTx/>
+              <a:buChar char="-"/>
+            </a:pPr>
+            <a:r>
+              <a:rPr lang="en-US" dirty="0" smtClean="0"/>
+              <a:t>System is too new</a:t>
+            </a:r>
+            <a:endParaRPr lang="ru-RU" baseline="0" dirty="0" smtClean="0"/>
+          </a:p>
+          <a:p>
+            <a:pPr marL="628650" lvl="1" indent="-171450">
+              <a:buFontTx/>
+              <a:buChar char="-"/>
+            </a:pPr>
+            <a:r>
+              <a:rPr lang="en-US" baseline="0" dirty="0" smtClean="0"/>
+              <a:t>Allows to isolate legacy applications as more </a:t>
+            </a:r>
+            <a:r>
+              <a:rPr lang="en-US" baseline="0" dirty="0" err="1" smtClean="0"/>
+              <a:t>microservices</a:t>
+            </a:r>
+            <a:endParaRPr lang="ru-RU" baseline="0" dirty="0" smtClean="0"/>
+          </a:p>
+          <a:p>
+            <a:pPr marL="1085850" lvl="2" indent="-171450">
+              <a:buFontTx/>
+              <a:buChar char="-"/>
+            </a:pPr>
+            <a:r>
+              <a:rPr lang="ru-RU" baseline="0" dirty="0" smtClean="0"/>
+              <a:t>Именно так и зародилось наше приложение</a:t>
+            </a:r>
+            <a:endParaRPr lang="ru-RU" dirty="0"/>
+          </a:p>
+        </p:txBody>
+      </p:sp>
+      <p:sp>
+        <p:nvSpPr>
+          <p:cNvPr id="4" name="Номер слайда 3"/>
+          <p:cNvSpPr>
+            <a:spLocks noGrp="1"/>
+          </p:cNvSpPr>
+          <p:nvPr>
+            <p:ph type="sldNum" sz="quarter" idx="10"/>
+          </p:nvPr>
+        </p:nvSpPr>
+        <p:spPr/>
+        <p:txBody>
+          <a:bodyPr/>
+          <a:lstStyle/>
+          <a:p>
+            <a:fld id="{7AE90029-A909-AD4E-9775-A0D64990AD22}" type="slidenum">
+              <a:rPr lang="en-US" smtClean="0"/>
+              <a:pPr/>
+              <a:t>32</a:t>
+            </a:fld>
+            <a:endParaRPr lang="en-US"/>
+          </a:p>
+        </p:txBody>
+      </p:sp>
+    </p:spTree>
+    <p:extLst>
+      <p:ext uri="{BB962C8B-B14F-4D97-AF65-F5344CB8AC3E}">
+        <p14:creationId xmlns:p14="http://schemas.microsoft.com/office/powerpoint/2010/main" val="1578299573"/>
+      </p:ext>
+    </p:extLst>
+  </p:cSld>
+  <p:clrMapOvr>
+    <a:masterClrMapping/>
+  </p:clrMapOvr>
+</p:notes>
+</file>
+
+<file path=ppt/notesSlides/notesSlide32.xml><?xml version="1.0" encoding="utf-8"?>
+<p:notes xmlns:a="http://schemas.openxmlformats.org/drawingml/2006/main" xmlns:r="http://schemas.openxmlformats.org/officeDocument/2006/relationships" xmlns:p="http://schemas.openxmlformats.org/presentationml/2006/main">
+  <p:cSld>
+    <p:spTree>
+      <p:nvGrpSpPr>
+        <p:cNvPr id="1" name=""/>
+        <p:cNvGrpSpPr/>
+        <p:nvPr/>
+      </p:nvGrpSpPr>
+      <p:grpSpPr>
+        <a:xfrm>
+          <a:off x="0" y="0"/>
+          <a:ext cx="0" cy="0"/>
+          <a:chOff x="0" y="0"/>
+          <a:chExt cx="0" cy="0"/>
+        </a:xfrm>
+      </p:grpSpPr>
+      <p:sp>
+        <p:nvSpPr>
+          <p:cNvPr id="2" name="Slide Image Placeholder 1"/>
+          <p:cNvSpPr>
+            <a:spLocks noGrp="1" noRot="1" noChangeAspect="1"/>
+          </p:cNvSpPr>
+          <p:nvPr>
+            <p:ph type="sldImg"/>
+          </p:nvPr>
+        </p:nvSpPr>
+        <p:spPr>
+          <a:xfrm>
+            <a:off x="1143000" y="685800"/>
+            <a:ext cx="4572000" cy="3429000"/>
+          </a:xfrm>
+        </p:spPr>
+      </p:sp>
+      <p:sp>
+        <p:nvSpPr>
+          <p:cNvPr id="3" name="Notes Placeholder 2"/>
+          <p:cNvSpPr>
+            <a:spLocks noGrp="1"/>
+          </p:cNvSpPr>
+          <p:nvPr>
+            <p:ph type="body" idx="1"/>
+          </p:nvPr>
+        </p:nvSpPr>
+        <p:spPr/>
+        <p:txBody>
+          <a:bodyPr/>
+          <a:lstStyle/>
+          <a:p>
+            <a:pPr marL="0" marR="0" indent="0" algn="l" defTabSz="914400" rtl="0" eaLnBrk="1" fontAlgn="auto" latinLnBrk="0" hangingPunct="1">
+              <a:lnSpc>
+                <a:spcPct val="100000"/>
+              </a:lnSpc>
+              <a:spcBef>
+                <a:spcPts val="0"/>
+              </a:spcBef>
+              <a:spcAft>
+                <a:spcPts val="0"/>
+              </a:spcAft>
+              <a:buClrTx/>
+              <a:buSzTx/>
+              <a:buFontTx/>
+              <a:buNone/>
+              <a:tabLst/>
+              <a:defRPr/>
+            </a:pPr>
+            <a:endParaRPr lang="en-US" dirty="0"/>
+          </a:p>
+        </p:txBody>
+      </p:sp>
+      <p:sp>
+        <p:nvSpPr>
+          <p:cNvPr id="4" name="Slide Number Placeholder 3"/>
+          <p:cNvSpPr>
+            <a:spLocks noGrp="1"/>
+          </p:cNvSpPr>
+          <p:nvPr>
+            <p:ph type="sldNum" sz="quarter" idx="10"/>
+          </p:nvPr>
+        </p:nvSpPr>
+        <p:spPr/>
+        <p:txBody>
+          <a:bodyPr/>
+          <a:lstStyle/>
+          <a:p>
+            <a:fld id="{7AE90029-A909-AD4E-9775-A0D64990AD22}" type="slidenum">
+              <a:rPr lang="en-US" smtClean="0"/>
+              <a:pPr/>
+              <a:t>33</a:t>
+            </a:fld>
+            <a:endParaRPr lang="en-US"/>
+          </a:p>
+        </p:txBody>
+      </p:sp>
+    </p:spTree>
+    <p:extLst>
+      <p:ext uri="{BB962C8B-B14F-4D97-AF65-F5344CB8AC3E}">
+        <p14:creationId xmlns:p14="http://schemas.microsoft.com/office/powerpoint/2010/main" val="1347711957"/>
+      </p:ext>
+    </p:extLst>
+  </p:cSld>
+  <p:clrMapOvr>
+    <a:masterClrMapping/>
+  </p:clrMapOvr>
+</p:notes>
+</file>
+
+<file path=ppt/notesSlides/notesSlide33.xml><?xml version="1.0" encoding="utf-8"?>
+<p:notes xmlns:a="http://schemas.openxmlformats.org/drawingml/2006/main" xmlns:r="http://schemas.openxmlformats.org/officeDocument/2006/relationships" xmlns:p="http://schemas.openxmlformats.org/presentationml/2006/main">
+  <p:cSld>
+    <p:spTree>
+      <p:nvGrpSpPr>
+        <p:cNvPr id="1" name=""/>
+        <p:cNvGrpSpPr/>
+        <p:nvPr/>
+      </p:nvGrpSpPr>
+      <p:grpSpPr>
+        <a:xfrm>
+          <a:off x="0" y="0"/>
+          <a:ext cx="0" cy="0"/>
+          <a:chOff x="0" y="0"/>
+          <a:chExt cx="0" cy="0"/>
+        </a:xfrm>
+      </p:grpSpPr>
+      <p:sp>
+        <p:nvSpPr>
+          <p:cNvPr id="2" name="Образ слайда 1"/>
+          <p:cNvSpPr>
+            <a:spLocks noGrp="1" noRot="1" noChangeAspect="1"/>
+          </p:cNvSpPr>
+          <p:nvPr>
+            <p:ph type="sldImg"/>
+          </p:nvPr>
+        </p:nvSpPr>
+        <p:spPr/>
+      </p:sp>
+      <p:sp>
+        <p:nvSpPr>
+          <p:cNvPr id="3" name="Заметки 2"/>
+          <p:cNvSpPr>
+            <a:spLocks noGrp="1"/>
+          </p:cNvSpPr>
+          <p:nvPr>
+            <p:ph type="body" idx="1"/>
+          </p:nvPr>
+        </p:nvSpPr>
+        <p:spPr/>
+        <p:txBody>
+          <a:bodyPr/>
+          <a:lstStyle/>
+          <a:p>
+            <a:endParaRPr lang="ru-RU"/>
+          </a:p>
+        </p:txBody>
+      </p:sp>
+      <p:sp>
+        <p:nvSpPr>
+          <p:cNvPr id="4" name="Номер слайда 3"/>
+          <p:cNvSpPr>
+            <a:spLocks noGrp="1"/>
+          </p:cNvSpPr>
+          <p:nvPr>
+            <p:ph type="sldNum" sz="quarter" idx="10"/>
+          </p:nvPr>
+        </p:nvSpPr>
+        <p:spPr/>
+        <p:txBody>
+          <a:bodyPr/>
+          <a:lstStyle/>
+          <a:p>
+            <a:fld id="{7AE90029-A909-AD4E-9775-A0D64990AD22}" type="slidenum">
+              <a:rPr lang="en-US" smtClean="0"/>
+              <a:pPr/>
+              <a:t>34</a:t>
             </a:fld>
             <a:endParaRPr lang="en-US"/>
           </a:p>
@@ -4836,7 +5300,6 @@
               <a:rPr lang="ru-RU" baseline="0" dirty="0" smtClean="0"/>
               <a:t> позволяют горизонтально масштабироваться</a:t>
             </a:r>
-            <a:endParaRPr lang="ru-RU" baseline="0" dirty="0" smtClean="0"/>
           </a:p>
         </p:txBody>
       </p:sp>
@@ -10484,7 +10947,6 @@
               <a:rPr lang="en-US" dirty="0"/>
               <a:t>Interaction</a:t>
             </a:r>
-            <a:endParaRPr lang="en-US" dirty="0"/>
           </a:p>
         </p:txBody>
       </p:sp>
@@ -10820,13 +11282,6 @@
               </a:rPr>
               <a:t>Services interaction</a:t>
             </a:r>
-            <a:endParaRPr lang="en-US" sz="3200" dirty="0">
-              <a:solidFill>
-                <a:schemeClr val="bg1">
-                  <a:lumMod val="75000"/>
-                </a:schemeClr>
-              </a:solidFill>
-            </a:endParaRPr>
           </a:p>
           <a:p>
             <a:pPr marL="457200" indent="-457200">
@@ -10936,7 +11391,7 @@
         </p:nvSpPr>
         <p:spPr>
           <a:xfrm>
-            <a:off x="266459" y="1234738"/>
+            <a:off x="266459" y="942638"/>
             <a:ext cx="8432800" cy="3908762"/>
           </a:xfrm>
           <a:prstGeom prst="rect">
@@ -10960,11 +11415,7 @@
             </a:pPr>
             <a:r>
               <a:rPr lang="en-US" sz="2400" dirty="0" smtClean="0"/>
-              <a:t>As </a:t>
-            </a:r>
-            <a:r>
-              <a:rPr lang="en-US" sz="2400" dirty="0" smtClean="0"/>
-              <a:t>fast as possible</a:t>
+              <a:t>As fast as possible</a:t>
             </a:r>
           </a:p>
           <a:p>
@@ -11100,7 +11551,6 @@
               <a:rPr lang="en-US" sz="2000" dirty="0" smtClean="0"/>
               <a:t>Guava in-process cache</a:t>
             </a:r>
-            <a:endParaRPr lang="en-US" sz="2000" dirty="0" smtClean="0"/>
           </a:p>
           <a:p>
             <a:pPr marL="1371600" lvl="2" indent="-457200">
@@ -11135,7 +11585,7 @@
         </p:nvSpPr>
         <p:spPr>
           <a:xfrm>
-            <a:off x="1028401" y="2593853"/>
+            <a:off x="1028401" y="2301753"/>
             <a:ext cx="1298778" cy="679477"/>
           </a:xfrm>
           <a:prstGeom prst="roundRect">
@@ -11217,7 +11667,7 @@
         </p:nvSpPr>
         <p:spPr>
           <a:xfrm>
-            <a:off x="2898683" y="2566058"/>
+            <a:off x="2898683" y="2273958"/>
             <a:ext cx="1584176" cy="679477"/>
           </a:xfrm>
           <a:prstGeom prst="roundRect">
@@ -11299,7 +11749,7 @@
         </p:nvSpPr>
         <p:spPr>
           <a:xfrm>
-            <a:off x="5138932" y="2566058"/>
+            <a:off x="5138932" y="2273958"/>
             <a:ext cx="1368152" cy="696601"/>
           </a:xfrm>
           <a:prstGeom prst="roundRect">
@@ -11381,7 +11831,7 @@
         </p:nvCxnSpPr>
         <p:spPr>
           <a:xfrm>
-            <a:off x="2293308" y="2755591"/>
+            <a:off x="2293308" y="2463491"/>
             <a:ext cx="603397" cy="13683"/>
           </a:xfrm>
           <a:prstGeom prst="straightConnector1">
@@ -11409,7 +11859,7 @@
         </p:nvCxnSpPr>
         <p:spPr>
           <a:xfrm>
-            <a:off x="2329373" y="3046404"/>
+            <a:off x="2329373" y="2754304"/>
             <a:ext cx="1080120" cy="0"/>
           </a:xfrm>
           <a:prstGeom prst="straightConnector1">
@@ -11438,7 +11888,7 @@
         </p:nvSpPr>
         <p:spPr>
           <a:xfrm>
-            <a:off x="2328307" y="2439964"/>
+            <a:off x="2328307" y="2147864"/>
             <a:ext cx="530915" cy="307777"/>
           </a:xfrm>
           <a:prstGeom prst="rect">
@@ -11505,7 +11955,7 @@
         </p:nvCxnSpPr>
         <p:spPr>
           <a:xfrm flipV="1">
-            <a:off x="166939" y="2769274"/>
+            <a:off x="166939" y="2477174"/>
             <a:ext cx="861462" cy="2983"/>
           </a:xfrm>
           <a:prstGeom prst="straightConnector1">
@@ -11533,7 +11983,7 @@
         </p:nvCxnSpPr>
         <p:spPr>
           <a:xfrm>
-            <a:off x="166939" y="3060289"/>
+            <a:off x="166939" y="2768189"/>
             <a:ext cx="1080120" cy="0"/>
           </a:xfrm>
           <a:prstGeom prst="straightConnector1">
@@ -11562,7 +12012,7 @@
         </p:nvSpPr>
         <p:spPr>
           <a:xfrm>
-            <a:off x="391848" y="2412170"/>
+            <a:off x="391848" y="2120070"/>
             <a:ext cx="530915" cy="307777"/>
           </a:xfrm>
           <a:prstGeom prst="rect">
@@ -11629,7 +12079,7 @@
         </p:nvCxnSpPr>
         <p:spPr>
           <a:xfrm flipV="1">
-            <a:off x="4427590" y="2905796"/>
+            <a:off x="4427590" y="2613696"/>
             <a:ext cx="716027" cy="7494"/>
           </a:xfrm>
           <a:prstGeom prst="straightConnector1">
@@ -11657,7 +12107,7 @@
         </p:nvSpPr>
         <p:spPr>
           <a:xfrm>
-            <a:off x="4482859" y="2474634"/>
+            <a:off x="4482859" y="2182534"/>
             <a:ext cx="625492" cy="307777"/>
           </a:xfrm>
           <a:prstGeom prst="rect">
@@ -12573,17 +13023,7 @@
                 <a:latin typeface="Trebuchet MS"/>
                 <a:cs typeface="Trebuchet MS"/>
               </a:rPr>
-              <a:t> </a:t>
-            </a:r>
-            <a:r>
-              <a:rPr lang="ru-RU" dirty="0" smtClean="0">
-                <a:solidFill>
-                  <a:schemeClr val="accent1"/>
-                </a:solidFill>
-                <a:latin typeface="Trebuchet MS"/>
-                <a:cs typeface="Trebuchet MS"/>
-              </a:rPr>
-              <a:t>+ </a:t>
+              <a:t> + </a:t>
             </a:r>
             <a:r>
               <a:rPr lang="en-US" dirty="0" smtClean="0">
@@ -13704,17 +14144,7 @@
                 <a:latin typeface="Trebuchet MS"/>
                 <a:cs typeface="Trebuchet MS"/>
               </a:rPr>
-              <a:t> </a:t>
-            </a:r>
-            <a:r>
-              <a:rPr lang="ru-RU" dirty="0" smtClean="0">
-                <a:solidFill>
-                  <a:schemeClr val="accent1"/>
-                </a:solidFill>
-                <a:latin typeface="Trebuchet MS"/>
-                <a:cs typeface="Trebuchet MS"/>
-              </a:rPr>
-              <a:t>+ </a:t>
+              <a:t> + </a:t>
             </a:r>
             <a:r>
               <a:rPr lang="en-US" dirty="0" smtClean="0">
@@ -14829,17 +15259,7 @@
                 <a:latin typeface="Trebuchet MS"/>
                 <a:cs typeface="Trebuchet MS"/>
               </a:rPr>
-              <a:t> </a:t>
-            </a:r>
-            <a:r>
-              <a:rPr lang="ru-RU" dirty="0" smtClean="0">
-                <a:solidFill>
-                  <a:schemeClr val="accent1"/>
-                </a:solidFill>
-                <a:latin typeface="Trebuchet MS"/>
-                <a:cs typeface="Trebuchet MS"/>
-              </a:rPr>
-              <a:t>+ </a:t>
+              <a:t> + </a:t>
             </a:r>
             <a:r>
               <a:rPr lang="en-US" dirty="0" smtClean="0">
@@ -15948,17 +16368,7 @@
                 <a:latin typeface="Trebuchet MS"/>
                 <a:cs typeface="Trebuchet MS"/>
               </a:rPr>
-              <a:t> </a:t>
-            </a:r>
-            <a:r>
-              <a:rPr lang="ru-RU" dirty="0" smtClean="0">
-                <a:solidFill>
-                  <a:schemeClr val="accent6"/>
-                </a:solidFill>
-                <a:latin typeface="Trebuchet MS"/>
-                <a:cs typeface="Trebuchet MS"/>
-              </a:rPr>
-              <a:t>+ </a:t>
+              <a:t> + </a:t>
             </a:r>
             <a:r>
               <a:rPr lang="en-US" dirty="0" smtClean="0">
@@ -17061,14 +17471,7 @@
                 <a:latin typeface="Trebuchet MS"/>
                 <a:cs typeface="Trebuchet MS"/>
               </a:rPr>
-              <a:t> </a:t>
-            </a:r>
-            <a:r>
-              <a:rPr lang="ru-RU" dirty="0" smtClean="0">
-                <a:latin typeface="Trebuchet MS"/>
-                <a:cs typeface="Trebuchet MS"/>
-              </a:rPr>
-              <a:t>+ </a:t>
+              <a:t> + </a:t>
             </a:r>
             <a:r>
               <a:rPr lang="en-US" dirty="0" smtClean="0">
@@ -18168,14 +18571,7 @@
                 <a:latin typeface="Trebuchet MS"/>
                 <a:cs typeface="Trebuchet MS"/>
               </a:rPr>
-              <a:t> </a:t>
-            </a:r>
-            <a:r>
-              <a:rPr lang="ru-RU" dirty="0" smtClean="0">
-                <a:latin typeface="Trebuchet MS"/>
-                <a:cs typeface="Trebuchet MS"/>
-              </a:rPr>
-              <a:t>+ </a:t>
+              <a:t> + </a:t>
             </a:r>
             <a:r>
               <a:rPr lang="en-US" dirty="0" smtClean="0">
@@ -19275,14 +19671,7 @@
                 <a:latin typeface="Trebuchet MS"/>
                 <a:cs typeface="Trebuchet MS"/>
               </a:rPr>
-              <a:t> </a:t>
-            </a:r>
-            <a:r>
-              <a:rPr lang="ru-RU" dirty="0" smtClean="0">
-                <a:latin typeface="Trebuchet MS"/>
-                <a:cs typeface="Trebuchet MS"/>
-              </a:rPr>
-              <a:t>+ </a:t>
+              <a:t> + </a:t>
             </a:r>
             <a:r>
               <a:rPr lang="en-US" dirty="0" smtClean="0">
@@ -20093,7 +20482,7 @@
         </p:nvSpPr>
         <p:spPr>
           <a:xfrm>
-            <a:off x="264695" y="699516"/>
+            <a:off x="264695" y="788416"/>
             <a:ext cx="6593305" cy="4068806"/>
           </a:xfrm>
           <a:prstGeom prst="rect">
@@ -20369,7 +20758,7 @@
         </p:blipFill>
         <p:spPr bwMode="auto">
           <a:xfrm>
-            <a:off x="5104408" y="1348232"/>
+            <a:off x="5104408" y="1437132"/>
             <a:ext cx="1728192" cy="774086"/>
           </a:xfrm>
           <a:prstGeom prst="rect">
@@ -20441,7 +20830,7 @@
         </p:nvSpPr>
         <p:spPr>
           <a:xfrm>
-            <a:off x="264695" y="610616"/>
+            <a:off x="264695" y="699516"/>
             <a:ext cx="6593305" cy="3859518"/>
           </a:xfrm>
           <a:prstGeom prst="rect">
@@ -20664,7 +21053,7 @@
         </p:blipFill>
         <p:spPr bwMode="auto">
           <a:xfrm>
-            <a:off x="2382664" y="1076106"/>
+            <a:off x="2382664" y="1165006"/>
             <a:ext cx="1512168" cy="468052"/>
           </a:xfrm>
           <a:prstGeom prst="rect">
@@ -20728,7 +21117,7 @@
         </p:blipFill>
         <p:spPr bwMode="auto">
           <a:xfrm>
-            <a:off x="5104408" y="3097546"/>
+            <a:off x="5104408" y="3186446"/>
             <a:ext cx="1498600" cy="889418"/>
           </a:xfrm>
           <a:prstGeom prst="rect">
@@ -21212,23 +21601,7 @@
                 <a:uLnTx/>
                 <a:uFillTx/>
               </a:rPr>
-              <a:t>X </a:t>
-            </a:r>
-            <a:r>
-              <a:rPr kumimoji="0" lang="en-US" sz="1800" b="0" i="0" u="none" strike="noStrike" kern="0" cap="none" spc="0" normalizeH="0" baseline="0" noProof="0" dirty="0" smtClean="0">
-                <a:ln>
-                  <a:noFill/>
-                </a:ln>
-                <a:solidFill>
-                  <a:schemeClr val="bg1">
-                    <a:lumMod val="65000"/>
-                  </a:schemeClr>
-                </a:solidFill>
-                <a:effectLst/>
-                <a:uLnTx/>
-                <a:uFillTx/>
-              </a:rPr>
-              <a:t>attempts</a:t>
+              <a:t>X attempts</a:t>
             </a:r>
             <a:r>
               <a:rPr kumimoji="0" lang="ru-RU" sz="1800" b="0" i="0" u="none" strike="noStrike" kern="0" cap="none" spc="0" normalizeH="0" baseline="0" noProof="0" dirty="0" smtClean="0">
@@ -22649,23 +23022,7 @@
                 <a:uLnTx/>
                 <a:uFillTx/>
               </a:rPr>
-              <a:t>X </a:t>
-            </a:r>
-            <a:r>
-              <a:rPr kumimoji="0" lang="en-US" sz="1800" b="0" i="0" u="none" strike="noStrike" kern="0" cap="none" spc="0" normalizeH="0" baseline="0" noProof="0" dirty="0" smtClean="0">
-                <a:ln>
-                  <a:noFill/>
-                </a:ln>
-                <a:solidFill>
-                  <a:schemeClr val="bg1">
-                    <a:lumMod val="65000"/>
-                  </a:schemeClr>
-                </a:solidFill>
-                <a:effectLst/>
-                <a:uLnTx/>
-                <a:uFillTx/>
-              </a:rPr>
-              <a:t>attempts</a:t>
+              <a:t>X attempts</a:t>
             </a:r>
             <a:r>
               <a:rPr kumimoji="0" lang="ru-RU" sz="1800" b="0" i="0" u="none" strike="noStrike" kern="0" cap="none" spc="0" normalizeH="0" baseline="0" noProof="0" dirty="0" smtClean="0">
@@ -24060,21 +24417,7 @@
                 <a:uLnTx/>
                 <a:uFillTx/>
               </a:rPr>
-              <a:t>X </a:t>
-            </a:r>
-            <a:r>
-              <a:rPr kumimoji="0" lang="en-US" sz="1800" b="0" i="0" u="none" strike="noStrike" kern="0" cap="none" spc="0" normalizeH="0" baseline="0" noProof="0" dirty="0" smtClean="0">
-                <a:ln>
-                  <a:noFill/>
-                </a:ln>
-                <a:solidFill>
-                  <a:schemeClr val="accent6"/>
-                </a:solidFill>
-                <a:effectLst/>
-                <a:uLnTx/>
-                <a:uFillTx/>
-              </a:rPr>
-              <a:t>attempts</a:t>
+              <a:t>X attempts</a:t>
             </a:r>
             <a:r>
               <a:rPr kumimoji="0" lang="ru-RU" sz="1800" b="0" i="0" u="none" strike="noStrike" kern="0" cap="none" spc="0" normalizeH="0" baseline="0" noProof="0" dirty="0" smtClean="0">
@@ -25462,18 +25805,7 @@
                 <a:uLnTx/>
                 <a:uFillTx/>
               </a:rPr>
-              <a:t>X </a:t>
-            </a:r>
-            <a:r>
-              <a:rPr kumimoji="0" lang="en-US" sz="1800" b="0" i="0" u="none" strike="noStrike" kern="0" cap="none" spc="0" normalizeH="0" baseline="0" noProof="0" dirty="0" smtClean="0">
-                <a:ln>
-                  <a:noFill/>
-                </a:ln>
-                <a:effectLst/>
-                <a:uLnTx/>
-                <a:uFillTx/>
-              </a:rPr>
-              <a:t>attempts</a:t>
+              <a:t>X attempts</a:t>
             </a:r>
             <a:r>
               <a:rPr kumimoji="0" lang="ru-RU" sz="1800" b="0" i="0" u="none" strike="noStrike" kern="0" cap="none" spc="0" normalizeH="0" baseline="0" noProof="0" dirty="0" smtClean="0">
@@ -26851,18 +27183,7 @@
                 <a:uLnTx/>
                 <a:uFillTx/>
               </a:rPr>
-              <a:t>X </a:t>
-            </a:r>
-            <a:r>
-              <a:rPr kumimoji="0" lang="en-US" sz="1800" b="0" i="0" u="none" strike="noStrike" kern="0" cap="none" spc="0" normalizeH="0" baseline="0" noProof="0" dirty="0" smtClean="0">
-                <a:ln>
-                  <a:noFill/>
-                </a:ln>
-                <a:effectLst/>
-                <a:uLnTx/>
-                <a:uFillTx/>
-              </a:rPr>
-              <a:t>attempts</a:t>
+              <a:t>X attempts</a:t>
             </a:r>
             <a:r>
               <a:rPr kumimoji="0" lang="ru-RU" sz="1800" b="0" i="0" u="none" strike="noStrike" kern="0" cap="none" spc="0" normalizeH="0" baseline="0" noProof="0" dirty="0" smtClean="0">
@@ -28216,18 +28537,7 @@
                 <a:uLnTx/>
                 <a:uFillTx/>
               </a:rPr>
-              <a:t>X </a:t>
-            </a:r>
-            <a:r>
-              <a:rPr kumimoji="0" lang="en-US" sz="1800" b="0" i="0" u="none" strike="noStrike" kern="0" cap="none" spc="0" normalizeH="0" baseline="0" noProof="0" dirty="0" smtClean="0">
-                <a:ln>
-                  <a:noFill/>
-                </a:ln>
-                <a:effectLst/>
-                <a:uLnTx/>
-                <a:uFillTx/>
-              </a:rPr>
-              <a:t>attempts</a:t>
+              <a:t>X attempts</a:t>
             </a:r>
             <a:r>
               <a:rPr kumimoji="0" lang="ru-RU" sz="1800" b="0" i="0" u="none" strike="noStrike" kern="0" cap="none" spc="0" normalizeH="0" baseline="0" noProof="0" dirty="0" smtClean="0">
@@ -29197,183 +29507,314 @@
           <a:lstStyle/>
           <a:p>
             <a:r>
-              <a:rPr lang="en-US" u="sng" dirty="0"/>
-              <a:t>Decentralized Data</a:t>
+              <a:rPr lang="en-US" dirty="0" smtClean="0"/>
+              <a:t>Failover</a:t>
             </a:r>
             <a:endParaRPr lang="en-US" dirty="0"/>
           </a:p>
         </p:txBody>
       </p:sp>
-      <p:sp>
-        <p:nvSpPr>
-          <p:cNvPr id="4" name="Прямоугольник 3"/>
-          <p:cNvSpPr/>
-          <p:nvPr/>
-        </p:nvSpPr>
-        <p:spPr>
+      <p:pic>
+        <p:nvPicPr>
+          <p:cNvPr id="5" name="Picture 4" descr="Похожее изображение"/>
+          <p:cNvPicPr>
+            <a:picLocks noChangeAspect="1" noChangeArrowheads="1"/>
+          </p:cNvPicPr>
+          <p:nvPr/>
+        </p:nvPicPr>
+        <p:blipFill>
+          <a:blip r:embed="rId3">
+            <a:extLst>
+              <a:ext uri="{28A0092B-C50C-407E-A947-70E740481C1C}">
+                <a14:useLocalDpi xmlns:a14="http://schemas.microsoft.com/office/drawing/2010/main" val="0"/>
+              </a:ext>
+            </a:extLst>
+          </a:blip>
+          <a:srcRect/>
+          <a:stretch>
+            <a:fillRect/>
+          </a:stretch>
+        </p:blipFill>
+        <p:spPr bwMode="auto">
           <a:xfrm>
-            <a:off x="120937" y="685172"/>
-            <a:ext cx="8369605" cy="2246769"/>
+            <a:off x="1852265" y="892327"/>
+            <a:ext cx="1749425" cy="890812"/>
           </a:xfrm>
           <a:prstGeom prst="rect">
             <a:avLst/>
           </a:prstGeom>
-        </p:spPr>
-        <p:txBody>
-          <a:bodyPr wrap="square">
+          <a:noFill/>
+          <a:extLst>
+            <a:ext uri="{909E8E84-426E-40DD-AFC4-6F175D3DCCD1}">
+              <a14:hiddenFill xmlns:a14="http://schemas.microsoft.com/office/drawing/2010/main">
+                <a:solidFill>
+                  <a:srgbClr val="FFFFFF"/>
+                </a:solidFill>
+              </a14:hiddenFill>
+            </a:ext>
+          </a:extLst>
+        </p:spPr>
+      </p:pic>
+      <p:pic>
+        <p:nvPicPr>
+          <p:cNvPr id="6" name="Picture 12" descr="Картинки по запросу tomcat 8"/>
+          <p:cNvPicPr>
+            <a:picLocks noChangeAspect="1" noChangeArrowheads="1"/>
+          </p:cNvPicPr>
+          <p:nvPr/>
+        </p:nvPicPr>
+        <p:blipFill>
+          <a:blip r:embed="rId4">
+            <a:extLst>
+              <a:ext uri="{28A0092B-C50C-407E-A947-70E740481C1C}">
+                <a14:useLocalDpi xmlns:a14="http://schemas.microsoft.com/office/drawing/2010/main" val="0"/>
+              </a:ext>
+            </a:extLst>
+          </a:blip>
+          <a:srcRect/>
+          <a:stretch>
+            <a:fillRect/>
+          </a:stretch>
+        </p:blipFill>
+        <p:spPr bwMode="auto">
+          <a:xfrm>
+            <a:off x="5470591" y="989204"/>
+            <a:ext cx="892645" cy="636615"/>
+          </a:xfrm>
+          <a:prstGeom prst="rect">
+            <a:avLst/>
+          </a:prstGeom>
+          <a:noFill/>
+          <a:extLst>
+            <a:ext uri="{909E8E84-426E-40DD-AFC4-6F175D3DCCD1}">
+              <a14:hiddenFill xmlns:a14="http://schemas.microsoft.com/office/drawing/2010/main">
+                <a:solidFill>
+                  <a:srgbClr val="FFFFFF"/>
+                </a:solidFill>
+              </a14:hiddenFill>
+            </a:ext>
+          </a:extLst>
+        </p:spPr>
+      </p:pic>
+      <p:pic>
+        <p:nvPicPr>
+          <p:cNvPr id="7" name="Picture 30" descr="Картинки по запросу postgresql"/>
+          <p:cNvPicPr>
+            <a:picLocks noChangeAspect="1" noChangeArrowheads="1"/>
+          </p:cNvPicPr>
+          <p:nvPr/>
+        </p:nvPicPr>
+        <p:blipFill>
+          <a:blip r:embed="rId5">
+            <a:extLst>
+              <a:ext uri="{28A0092B-C50C-407E-A947-70E740481C1C}">
+                <a14:useLocalDpi xmlns:a14="http://schemas.microsoft.com/office/drawing/2010/main" val="0"/>
+              </a:ext>
+            </a:extLst>
+          </a:blip>
+          <a:srcRect/>
+          <a:stretch>
+            <a:fillRect/>
+          </a:stretch>
+        </p:blipFill>
+        <p:spPr bwMode="auto">
+          <a:xfrm>
+            <a:off x="3663132" y="955042"/>
+            <a:ext cx="1535762" cy="704940"/>
+          </a:xfrm>
+          <a:prstGeom prst="rect">
+            <a:avLst/>
+          </a:prstGeom>
+          <a:noFill/>
+          <a:extLst>
+            <a:ext uri="{909E8E84-426E-40DD-AFC4-6F175D3DCCD1}">
+              <a14:hiddenFill xmlns:a14="http://schemas.microsoft.com/office/drawing/2010/main">
+                <a:solidFill>
+                  <a:srgbClr val="FFFFFF"/>
+                </a:solidFill>
+              </a14:hiddenFill>
+            </a:ext>
+          </a:extLst>
+        </p:spPr>
+      </p:pic>
+      <p:sp>
+        <p:nvSpPr>
+          <p:cNvPr id="2" name="TextBox 1"/>
+          <p:cNvSpPr txBox="1"/>
+          <p:nvPr/>
+        </p:nvSpPr>
+        <p:spPr>
+          <a:xfrm>
+            <a:off x="190500" y="584237"/>
+            <a:ext cx="1912140" cy="1446550"/>
+          </a:xfrm>
+          <a:prstGeom prst="rect">
+            <a:avLst/>
+          </a:prstGeom>
+          <a:noFill/>
+        </p:spPr>
+        <p:txBody>
+          <a:bodyPr wrap="square" rtlCol="0">
             <a:spAutoFit/>
           </a:bodyPr>
           <a:lstStyle/>
           <a:p>
-            <a:pPr marL="457200" lvl="0" indent="-457200" defTabSz="914400">
-              <a:spcBef>
-                <a:spcPct val="20000"/>
-              </a:spcBef>
-              <a:buClr>
-                <a:schemeClr val="accent3">
-                  <a:lumMod val="75000"/>
-                </a:schemeClr>
-              </a:buClr>
-              <a:buFont typeface="Arial" pitchFamily="34" charset="0"/>
+            <a:r>
+              <a:rPr lang="en-US" sz="8800" dirty="0" smtClean="0"/>
+              <a:t>2 </a:t>
+            </a:r>
+            <a:endParaRPr lang="ru-RU" sz="8800" dirty="0"/>
+          </a:p>
+        </p:txBody>
+      </p:sp>
+      <p:sp>
+        <p:nvSpPr>
+          <p:cNvPr id="11" name="Умножение 10"/>
+          <p:cNvSpPr/>
+          <p:nvPr/>
+        </p:nvSpPr>
+        <p:spPr>
+          <a:xfrm>
+            <a:off x="946382" y="850312"/>
+            <a:ext cx="914400" cy="914400"/>
+          </a:xfrm>
+          <a:prstGeom prst="mathMultiply">
+            <a:avLst/>
+          </a:prstGeom>
+          <a:solidFill>
+            <a:schemeClr val="tx1"/>
+          </a:solidFill>
+          <a:effectLst/>
+        </p:spPr>
+        <p:style>
+          <a:lnRef idx="1">
+            <a:schemeClr val="accent1"/>
+          </a:lnRef>
+          <a:fillRef idx="3">
+            <a:schemeClr val="accent1"/>
+          </a:fillRef>
+          <a:effectRef idx="2">
+            <a:schemeClr val="accent1"/>
+          </a:effectRef>
+          <a:fontRef idx="minor">
+            <a:schemeClr val="lt1"/>
+          </a:fontRef>
+        </p:style>
+        <p:txBody>
+          <a:bodyPr rtlCol="0" anchor="ctr"/>
+          <a:lstStyle/>
+          <a:p>
+            <a:pPr algn="ctr"/>
+            <a:endParaRPr lang="ru-RU"/>
+          </a:p>
+        </p:txBody>
+      </p:sp>
+      <p:sp>
+        <p:nvSpPr>
+          <p:cNvPr id="12" name="TextBox 11"/>
+          <p:cNvSpPr txBox="1"/>
+          <p:nvPr/>
+        </p:nvSpPr>
+        <p:spPr>
+          <a:xfrm>
+            <a:off x="190500" y="1675812"/>
+            <a:ext cx="3237234" cy="3231654"/>
+          </a:xfrm>
+          <a:prstGeom prst="rect">
+            <a:avLst/>
+          </a:prstGeom>
+          <a:noFill/>
+        </p:spPr>
+        <p:txBody>
+          <a:bodyPr wrap="square" rtlCol="0">
+            <a:spAutoFit/>
+          </a:bodyPr>
+          <a:lstStyle/>
+          <a:p>
+            <a:pPr marL="285750" indent="-285750">
+              <a:lnSpc>
+                <a:spcPct val="150000"/>
+              </a:lnSpc>
+              <a:buFont typeface="Arial" panose="020B0604020202020204" pitchFamily="34" charset="0"/>
               <a:buChar char="•"/>
             </a:pPr>
             <a:r>
-              <a:rPr lang="en-US" sz="2000" dirty="0">
-                <a:latin typeface="Trebuchet MS" pitchFamily="34" charset="0"/>
-              </a:rPr>
-              <a:t>Enough logs</a:t>
-            </a:r>
-          </a:p>
-          <a:p>
-            <a:pPr marL="457200" lvl="0" indent="-457200" defTabSz="914400">
-              <a:spcBef>
-                <a:spcPct val="20000"/>
-              </a:spcBef>
-              <a:buClr>
-                <a:schemeClr val="accent3">
-                  <a:lumMod val="75000"/>
-                </a:schemeClr>
-              </a:buClr>
-              <a:buFont typeface="Arial" pitchFamily="34" charset="0"/>
+              <a:rPr lang="en-US" sz="2400" dirty="0" smtClean="0"/>
+              <a:t>App Server</a:t>
+            </a:r>
+          </a:p>
+          <a:p>
+            <a:pPr marL="971550" lvl="2" indent="-285750">
+              <a:lnSpc>
+                <a:spcPct val="150000"/>
+              </a:lnSpc>
+              <a:buFont typeface="Arial" panose="020B0604020202020204" pitchFamily="34" charset="0"/>
               <a:buChar char="•"/>
             </a:pPr>
             <a:r>
-              <a:rPr lang="en-US" sz="2000" dirty="0">
-                <a:latin typeface="Trebuchet MS" pitchFamily="34" charset="0"/>
-              </a:rPr>
-              <a:t>For interaction failures: full </a:t>
-            </a:r>
-            <a:r>
-              <a:rPr lang="en-US" sz="2000" dirty="0" err="1">
-                <a:latin typeface="Trebuchet MS" pitchFamily="34" charset="0"/>
-              </a:rPr>
-              <a:t>req-resp</a:t>
-            </a:r>
-            <a:endParaRPr lang="en-US" sz="2000" dirty="0">
-              <a:latin typeface="Trebuchet MS" pitchFamily="34" charset="0"/>
-            </a:endParaRPr>
-          </a:p>
-          <a:p>
-            <a:pPr marL="457200" lvl="0" indent="-457200" defTabSz="914400">
-              <a:spcBef>
-                <a:spcPct val="20000"/>
-              </a:spcBef>
-              <a:buClr>
-                <a:schemeClr val="accent3">
-                  <a:lumMod val="75000"/>
-                </a:schemeClr>
-              </a:buClr>
-              <a:buFont typeface="Arial" pitchFamily="34" charset="0"/>
+              <a:rPr lang="en-US" sz="2000" dirty="0" smtClean="0"/>
+              <a:t>Amazon ELB</a:t>
+            </a:r>
+          </a:p>
+          <a:p>
+            <a:pPr marL="285750" indent="-285750">
+              <a:lnSpc>
+                <a:spcPct val="150000"/>
+              </a:lnSpc>
+              <a:buFont typeface="Arial" panose="020B0604020202020204" pitchFamily="34" charset="0"/>
               <a:buChar char="•"/>
             </a:pPr>
             <a:r>
-              <a:rPr lang="en-US" sz="2000" dirty="0">
-                <a:latin typeface="Trebuchet MS" pitchFamily="34" charset="0"/>
-              </a:rPr>
-              <a:t>What to log (essential context, app id, user)</a:t>
-            </a:r>
-          </a:p>
-          <a:p>
-            <a:pPr marL="457200" lvl="0" indent="-457200" defTabSz="914400">
-              <a:spcBef>
-                <a:spcPct val="20000"/>
-              </a:spcBef>
-              <a:buClr>
-                <a:schemeClr val="accent3">
-                  <a:lumMod val="75000"/>
-                </a:schemeClr>
-              </a:buClr>
-              <a:buFont typeface="Arial" pitchFamily="34" charset="0"/>
+              <a:rPr lang="en-US" sz="2400" dirty="0" smtClean="0"/>
+              <a:t>Schedule (Quartz)</a:t>
+            </a:r>
+          </a:p>
+          <a:p>
+            <a:pPr marL="971550" lvl="2" indent="-285750">
+              <a:lnSpc>
+                <a:spcPct val="150000"/>
+              </a:lnSpc>
+              <a:buFont typeface="Arial" panose="020B0604020202020204" pitchFamily="34" charset="0"/>
               <a:buChar char="•"/>
             </a:pPr>
             <a:r>
-              <a:rPr lang="en-US" sz="2000" dirty="0">
-                <a:latin typeface="Trebuchet MS" pitchFamily="34" charset="0"/>
-              </a:rPr>
-              <a:t>Same format for all (</a:t>
-            </a:r>
-            <a:r>
-              <a:rPr lang="en-US" sz="2000" dirty="0" err="1">
-                <a:latin typeface="Trebuchet MS" pitchFamily="34" charset="0"/>
-              </a:rPr>
-              <a:t>logback</a:t>
-            </a:r>
-            <a:r>
-              <a:rPr lang="en-US" sz="2000" dirty="0">
-                <a:latin typeface="Trebuchet MS" pitchFamily="34" charset="0"/>
-              </a:rPr>
-              <a:t> include)</a:t>
-            </a:r>
-          </a:p>
-          <a:p>
-            <a:pPr marL="457200" lvl="0" indent="-457200" defTabSz="914400">
-              <a:spcBef>
-                <a:spcPct val="20000"/>
-              </a:spcBef>
-              <a:buClr>
-                <a:schemeClr val="accent3">
-                  <a:lumMod val="75000"/>
-                </a:schemeClr>
-              </a:buClr>
-              <a:buFont typeface="Arial" pitchFamily="34" charset="0"/>
+              <a:rPr lang="en-US" sz="2000" dirty="0" smtClean="0"/>
+              <a:t>clustering in DB</a:t>
+            </a:r>
+          </a:p>
+          <a:p>
+            <a:pPr marL="285750" indent="-285750">
+              <a:lnSpc>
+                <a:spcPct val="150000"/>
+              </a:lnSpc>
+              <a:buFont typeface="Arial" panose="020B0604020202020204" pitchFamily="34" charset="0"/>
               <a:buChar char="•"/>
             </a:pPr>
             <a:r>
-              <a:rPr lang="en-US" sz="2000" dirty="0">
-                <a:latin typeface="Trebuchet MS" pitchFamily="34" charset="0"/>
-              </a:rPr>
-              <a:t>Correlation ID</a:t>
-            </a:r>
-          </a:p>
-          <a:p>
-            <a:pPr marL="457200" lvl="0" indent="-457200" defTabSz="914400">
-              <a:spcBef>
-                <a:spcPct val="20000"/>
-              </a:spcBef>
-              <a:buClr>
-                <a:schemeClr val="accent3">
-                  <a:lumMod val="75000"/>
-                </a:schemeClr>
-              </a:buClr>
-              <a:buFont typeface="Arial" pitchFamily="34" charset="0"/>
+              <a:rPr lang="en-US" sz="2400" dirty="0" smtClean="0"/>
+              <a:t>Routes (Camel)</a:t>
+            </a:r>
+          </a:p>
+          <a:p>
+            <a:pPr marL="971550" lvl="2" indent="-285750">
+              <a:lnSpc>
+                <a:spcPct val="150000"/>
+              </a:lnSpc>
+              <a:buFont typeface="Arial" panose="020B0604020202020204" pitchFamily="34" charset="0"/>
               <a:buChar char="•"/>
             </a:pPr>
             <a:r>
-              <a:rPr lang="en-US" sz="2000" dirty="0">
-                <a:latin typeface="Trebuchet MS" pitchFamily="34" charset="0"/>
-              </a:rPr>
-              <a:t>Centralized logging</a:t>
-            </a:r>
-            <a:endParaRPr lang="ru-RU" sz="1600" dirty="0">
-              <a:latin typeface="Trebuchet MS" pitchFamily="34" charset="0"/>
-            </a:endParaRPr>
+              <a:rPr lang="en-US" sz="2000" dirty="0" smtClean="0"/>
+              <a:t>zookeeper policy</a:t>
+            </a:r>
+            <a:endParaRPr lang="ru-RU" sz="2000" dirty="0"/>
           </a:p>
         </p:txBody>
       </p:sp>
     </p:spTree>
     <p:extLst>
       <p:ext uri="{BB962C8B-B14F-4D97-AF65-F5344CB8AC3E}">
-        <p14:creationId xmlns:p14="http://schemas.microsoft.com/office/powerpoint/2010/main" val="312215911"/>
+        <p14:creationId xmlns:p14="http://schemas.microsoft.com/office/powerpoint/2010/main" val="2067062242"/>
       </p:ext>
     </p:extLst>
   </p:cSld>
@@ -29795,6 +30236,2641 @@
       </p:grpSpPr>
       <p:pic>
         <p:nvPicPr>
+          <p:cNvPr id="1062" name="Picture 38" descr="Картинки по запросу liquibase"/>
+          <p:cNvPicPr>
+            <a:picLocks noChangeAspect="1" noChangeArrowheads="1"/>
+          </p:cNvPicPr>
+          <p:nvPr/>
+        </p:nvPicPr>
+        <p:blipFill>
+          <a:blip r:embed="rId3">
+            <a:extLst>
+              <a:ext uri="{28A0092B-C50C-407E-A947-70E740481C1C}">
+                <a14:useLocalDpi xmlns:a14="http://schemas.microsoft.com/office/drawing/2010/main" val="0"/>
+              </a:ext>
+            </a:extLst>
+          </a:blip>
+          <a:srcRect/>
+          <a:stretch>
+            <a:fillRect/>
+          </a:stretch>
+        </p:blipFill>
+        <p:spPr bwMode="auto">
+          <a:xfrm>
+            <a:off x="5105788" y="2475913"/>
+            <a:ext cx="1476604" cy="977752"/>
+          </a:xfrm>
+          <a:prstGeom prst="rect">
+            <a:avLst/>
+          </a:prstGeom>
+          <a:noFill/>
+          <a:extLst>
+            <a:ext uri="{909E8E84-426E-40DD-AFC4-6F175D3DCCD1}">
+              <a14:hiddenFill xmlns:a14="http://schemas.microsoft.com/office/drawing/2010/main">
+                <a:solidFill>
+                  <a:srgbClr val="FFFFFF"/>
+                </a:solidFill>
+              </a14:hiddenFill>
+            </a:ext>
+          </a:extLst>
+        </p:spPr>
+      </p:pic>
+      <p:pic>
+        <p:nvPicPr>
+          <p:cNvPr id="1038" name="Picture 14" descr="Картинки по запросу spring framework logo"/>
+          <p:cNvPicPr>
+            <a:picLocks noChangeAspect="1" noChangeArrowheads="1"/>
+          </p:cNvPicPr>
+          <p:nvPr/>
+        </p:nvPicPr>
+        <p:blipFill>
+          <a:blip r:embed="rId4">
+            <a:extLst>
+              <a:ext uri="{28A0092B-C50C-407E-A947-70E740481C1C}">
+                <a14:useLocalDpi xmlns:a14="http://schemas.microsoft.com/office/drawing/2010/main" val="0"/>
+              </a:ext>
+            </a:extLst>
+          </a:blip>
+          <a:srcRect/>
+          <a:stretch>
+            <a:fillRect/>
+          </a:stretch>
+        </p:blipFill>
+        <p:spPr bwMode="auto">
+          <a:xfrm>
+            <a:off x="155575" y="2087769"/>
+            <a:ext cx="1481213" cy="776288"/>
+          </a:xfrm>
+          <a:prstGeom prst="rect">
+            <a:avLst/>
+          </a:prstGeom>
+          <a:noFill/>
+          <a:extLst>
+            <a:ext uri="{909E8E84-426E-40DD-AFC4-6F175D3DCCD1}">
+              <a14:hiddenFill xmlns:a14="http://schemas.microsoft.com/office/drawing/2010/main">
+                <a:solidFill>
+                  <a:srgbClr val="FFFFFF"/>
+                </a:solidFill>
+              </a14:hiddenFill>
+            </a:ext>
+          </a:extLst>
+        </p:spPr>
+      </p:pic>
+      <p:sp>
+        <p:nvSpPr>
+          <p:cNvPr id="3" name="Text Placeholder 2"/>
+          <p:cNvSpPr>
+            <a:spLocks noGrp="1"/>
+          </p:cNvSpPr>
+          <p:nvPr>
+            <p:ph type="body" sz="quarter" idx="11"/>
+          </p:nvPr>
+        </p:nvSpPr>
+        <p:spPr/>
+        <p:txBody>
+          <a:bodyPr/>
+          <a:lstStyle/>
+          <a:p>
+            <a:r>
+              <a:rPr lang="en-US" dirty="0" smtClean="0"/>
+              <a:t>What we use?</a:t>
+            </a:r>
+            <a:endParaRPr lang="en-US" dirty="0"/>
+          </a:p>
+        </p:txBody>
+      </p:sp>
+      <p:sp>
+        <p:nvSpPr>
+          <p:cNvPr id="2" name="AutoShape 2" descr="Картинки по запросу activemq"/>
+          <p:cNvSpPr>
+            <a:spLocks noChangeAspect="1" noChangeArrowheads="1"/>
+          </p:cNvSpPr>
+          <p:nvPr/>
+        </p:nvSpPr>
+        <p:spPr bwMode="auto">
+          <a:xfrm>
+            <a:off x="155575" y="-144463"/>
+            <a:ext cx="304800" cy="304801"/>
+          </a:xfrm>
+          <a:prstGeom prst="rect">
+            <a:avLst/>
+          </a:prstGeom>
+          <a:noFill/>
+          <a:extLst>
+            <a:ext uri="{909E8E84-426E-40DD-AFC4-6F175D3DCCD1}">
+              <a14:hiddenFill xmlns:a14="http://schemas.microsoft.com/office/drawing/2010/main">
+                <a:solidFill>
+                  <a:srgbClr val="FFFFFF"/>
+                </a:solidFill>
+              </a14:hiddenFill>
+            </a:ext>
+          </a:extLst>
+        </p:spPr>
+        <p:txBody>
+          <a:bodyPr vert="horz" wrap="square" lIns="91440" tIns="45720" rIns="91440" bIns="45720" numCol="1" anchor="t" anchorCtr="0" compatLnSpc="1">
+            <a:prstTxWarp prst="textNoShape">
+              <a:avLst/>
+            </a:prstTxWarp>
+          </a:bodyPr>
+          <a:lstStyle/>
+          <a:p>
+            <a:endParaRPr lang="ru-RU"/>
+          </a:p>
+        </p:txBody>
+      </p:sp>
+      <p:pic>
+        <p:nvPicPr>
+          <p:cNvPr id="1028" name="Picture 4" descr="Похожее изображение"/>
+          <p:cNvPicPr>
+            <a:picLocks noChangeAspect="1" noChangeArrowheads="1"/>
+          </p:cNvPicPr>
+          <p:nvPr/>
+        </p:nvPicPr>
+        <p:blipFill>
+          <a:blip r:embed="rId5">
+            <a:extLst>
+              <a:ext uri="{28A0092B-C50C-407E-A947-70E740481C1C}">
+                <a14:useLocalDpi xmlns:a14="http://schemas.microsoft.com/office/drawing/2010/main" val="0"/>
+              </a:ext>
+            </a:extLst>
+          </a:blip>
+          <a:srcRect/>
+          <a:stretch>
+            <a:fillRect/>
+          </a:stretch>
+        </p:blipFill>
+        <p:spPr bwMode="auto">
+          <a:xfrm>
+            <a:off x="2420377" y="1068118"/>
+            <a:ext cx="1749425" cy="890812"/>
+          </a:xfrm>
+          <a:prstGeom prst="rect">
+            <a:avLst/>
+          </a:prstGeom>
+          <a:noFill/>
+          <a:extLst>
+            <a:ext uri="{909E8E84-426E-40DD-AFC4-6F175D3DCCD1}">
+              <a14:hiddenFill xmlns:a14="http://schemas.microsoft.com/office/drawing/2010/main">
+                <a:solidFill>
+                  <a:srgbClr val="FFFFFF"/>
+                </a:solidFill>
+              </a14:hiddenFill>
+            </a:ext>
+          </a:extLst>
+        </p:spPr>
+      </p:pic>
+      <p:sp>
+        <p:nvSpPr>
+          <p:cNvPr id="5" name="TextBox 4"/>
+          <p:cNvSpPr txBox="1"/>
+          <p:nvPr/>
+        </p:nvSpPr>
+        <p:spPr>
+          <a:xfrm>
+            <a:off x="728679" y="864958"/>
+            <a:ext cx="688009" cy="369332"/>
+          </a:xfrm>
+          <a:prstGeom prst="rect">
+            <a:avLst/>
+          </a:prstGeom>
+          <a:noFill/>
+        </p:spPr>
+        <p:txBody>
+          <a:bodyPr wrap="none" rtlCol="0">
+            <a:spAutoFit/>
+          </a:bodyPr>
+          <a:lstStyle/>
+          <a:p>
+            <a:r>
+              <a:rPr lang="en-US" sz="1800" b="1" dirty="0" smtClean="0"/>
+              <a:t>Core</a:t>
+            </a:r>
+            <a:endParaRPr lang="ru-RU" sz="1800" b="1" dirty="0"/>
+          </a:p>
+        </p:txBody>
+      </p:sp>
+      <p:sp>
+        <p:nvSpPr>
+          <p:cNvPr id="6" name="TextBox 5"/>
+          <p:cNvSpPr txBox="1"/>
+          <p:nvPr/>
+        </p:nvSpPr>
+        <p:spPr>
+          <a:xfrm>
+            <a:off x="2782551" y="850982"/>
+            <a:ext cx="1366849" cy="369332"/>
+          </a:xfrm>
+          <a:prstGeom prst="rect">
+            <a:avLst/>
+          </a:prstGeom>
+          <a:noFill/>
+        </p:spPr>
+        <p:txBody>
+          <a:bodyPr wrap="none" rtlCol="0">
+            <a:spAutoFit/>
+          </a:bodyPr>
+          <a:lstStyle/>
+          <a:p>
+            <a:r>
+              <a:rPr lang="en-US" sz="1800" b="1" dirty="0" smtClean="0"/>
+              <a:t>Integration</a:t>
+            </a:r>
+            <a:endParaRPr lang="ru-RU" sz="1800" b="1" dirty="0"/>
+          </a:p>
+        </p:txBody>
+      </p:sp>
+      <p:sp>
+        <p:nvSpPr>
+          <p:cNvPr id="7" name="TextBox 6"/>
+          <p:cNvSpPr txBox="1"/>
+          <p:nvPr/>
+        </p:nvSpPr>
+        <p:spPr>
+          <a:xfrm>
+            <a:off x="5338125" y="870052"/>
+            <a:ext cx="984565" cy="369332"/>
+          </a:xfrm>
+          <a:prstGeom prst="rect">
+            <a:avLst/>
+          </a:prstGeom>
+          <a:noFill/>
+        </p:spPr>
+        <p:txBody>
+          <a:bodyPr wrap="none" rtlCol="0">
+            <a:spAutoFit/>
+          </a:bodyPr>
+          <a:lstStyle/>
+          <a:p>
+            <a:r>
+              <a:rPr lang="en-US" sz="1800" b="1" dirty="0" err="1" smtClean="0"/>
+              <a:t>DevOps</a:t>
+            </a:r>
+            <a:endParaRPr lang="ru-RU" sz="1800" b="1" dirty="0"/>
+          </a:p>
+        </p:txBody>
+      </p:sp>
+      <p:sp>
+        <p:nvSpPr>
+          <p:cNvPr id="8" name="AutoShape 6" descr="Картинки по запросу java 8"/>
+          <p:cNvSpPr>
+            <a:spLocks noChangeAspect="1" noChangeArrowheads="1"/>
+          </p:cNvSpPr>
+          <p:nvPr/>
+        </p:nvSpPr>
+        <p:spPr bwMode="auto">
+          <a:xfrm>
+            <a:off x="307975" y="7937"/>
+            <a:ext cx="304800" cy="304801"/>
+          </a:xfrm>
+          <a:prstGeom prst="rect">
+            <a:avLst/>
+          </a:prstGeom>
+          <a:noFill/>
+          <a:extLst>
+            <a:ext uri="{909E8E84-426E-40DD-AFC4-6F175D3DCCD1}">
+              <a14:hiddenFill xmlns:a14="http://schemas.microsoft.com/office/drawing/2010/main">
+                <a:solidFill>
+                  <a:srgbClr val="FFFFFF"/>
+                </a:solidFill>
+              </a14:hiddenFill>
+            </a:ext>
+          </a:extLst>
+        </p:spPr>
+        <p:txBody>
+          <a:bodyPr vert="horz" wrap="square" lIns="91440" tIns="45720" rIns="91440" bIns="45720" numCol="1" anchor="t" anchorCtr="0" compatLnSpc="1">
+            <a:prstTxWarp prst="textNoShape">
+              <a:avLst/>
+            </a:prstTxWarp>
+          </a:bodyPr>
+          <a:lstStyle/>
+          <a:p>
+            <a:endParaRPr lang="ru-RU"/>
+          </a:p>
+        </p:txBody>
+      </p:sp>
+      <p:sp>
+        <p:nvSpPr>
+          <p:cNvPr id="10" name="AutoShape 8" descr="Картинки по запросу java 8"/>
+          <p:cNvSpPr>
+            <a:spLocks noChangeAspect="1" noChangeArrowheads="1"/>
+          </p:cNvSpPr>
+          <p:nvPr/>
+        </p:nvSpPr>
+        <p:spPr bwMode="auto">
+          <a:xfrm>
+            <a:off x="1321738" y="3237568"/>
+            <a:ext cx="304800" cy="304801"/>
+          </a:xfrm>
+          <a:prstGeom prst="rect">
+            <a:avLst/>
+          </a:prstGeom>
+          <a:noFill/>
+          <a:extLst>
+            <a:ext uri="{909E8E84-426E-40DD-AFC4-6F175D3DCCD1}">
+              <a14:hiddenFill xmlns:a14="http://schemas.microsoft.com/office/drawing/2010/main">
+                <a:solidFill>
+                  <a:srgbClr val="FFFFFF"/>
+                </a:solidFill>
+              </a14:hiddenFill>
+            </a:ext>
+          </a:extLst>
+        </p:spPr>
+        <p:txBody>
+          <a:bodyPr vert="horz" wrap="square" lIns="91440" tIns="45720" rIns="91440" bIns="45720" numCol="1" anchor="t" anchorCtr="0" compatLnSpc="1">
+            <a:prstTxWarp prst="textNoShape">
+              <a:avLst/>
+            </a:prstTxWarp>
+          </a:bodyPr>
+          <a:lstStyle/>
+          <a:p>
+            <a:endParaRPr lang="ru-RU"/>
+          </a:p>
+        </p:txBody>
+      </p:sp>
+      <p:pic>
+        <p:nvPicPr>
+          <p:cNvPr id="1034" name="Picture 10" descr="Картинки по запросу java 8"/>
+          <p:cNvPicPr>
+            <a:picLocks noChangeAspect="1" noChangeArrowheads="1"/>
+          </p:cNvPicPr>
+          <p:nvPr/>
+        </p:nvPicPr>
+        <p:blipFill>
+          <a:blip r:embed="rId6">
+            <a:extLst>
+              <a:ext uri="{28A0092B-C50C-407E-A947-70E740481C1C}">
+                <a14:useLocalDpi xmlns:a14="http://schemas.microsoft.com/office/drawing/2010/main" val="0"/>
+              </a:ext>
+            </a:extLst>
+          </a:blip>
+          <a:srcRect/>
+          <a:stretch>
+            <a:fillRect/>
+          </a:stretch>
+        </p:blipFill>
+        <p:spPr bwMode="auto">
+          <a:xfrm>
+            <a:off x="571803" y="1320350"/>
+            <a:ext cx="926568" cy="989112"/>
+          </a:xfrm>
+          <a:prstGeom prst="rect">
+            <a:avLst/>
+          </a:prstGeom>
+          <a:noFill/>
+          <a:extLst>
+            <a:ext uri="{909E8E84-426E-40DD-AFC4-6F175D3DCCD1}">
+              <a14:hiddenFill xmlns:a14="http://schemas.microsoft.com/office/drawing/2010/main">
+                <a:solidFill>
+                  <a:srgbClr val="FFFFFF"/>
+                </a:solidFill>
+              </a14:hiddenFill>
+            </a:ext>
+          </a:extLst>
+        </p:spPr>
+      </p:pic>
+      <p:pic>
+        <p:nvPicPr>
+          <p:cNvPr id="1036" name="Picture 12" descr="Картинки по запросу tomcat 8"/>
+          <p:cNvPicPr>
+            <a:picLocks noChangeAspect="1" noChangeArrowheads="1"/>
+          </p:cNvPicPr>
+          <p:nvPr/>
+        </p:nvPicPr>
+        <p:blipFill>
+          <a:blip r:embed="rId7">
+            <a:extLst>
+              <a:ext uri="{28A0092B-C50C-407E-A947-70E740481C1C}">
+                <a14:useLocalDpi xmlns:a14="http://schemas.microsoft.com/office/drawing/2010/main" val="0"/>
+              </a:ext>
+            </a:extLst>
+          </a:blip>
+          <a:srcRect/>
+          <a:stretch>
+            <a:fillRect/>
+          </a:stretch>
+        </p:blipFill>
+        <p:spPr bwMode="auto">
+          <a:xfrm>
+            <a:off x="449858" y="3792507"/>
+            <a:ext cx="892645" cy="636615"/>
+          </a:xfrm>
+          <a:prstGeom prst="rect">
+            <a:avLst/>
+          </a:prstGeom>
+          <a:noFill/>
+          <a:extLst>
+            <a:ext uri="{909E8E84-426E-40DD-AFC4-6F175D3DCCD1}">
+              <a14:hiddenFill xmlns:a14="http://schemas.microsoft.com/office/drawing/2010/main">
+                <a:solidFill>
+                  <a:srgbClr val="FFFFFF"/>
+                </a:solidFill>
+              </a14:hiddenFill>
+            </a:ext>
+          </a:extLst>
+        </p:spPr>
+      </p:pic>
+      <p:pic>
+        <p:nvPicPr>
+          <p:cNvPr id="1040" name="Picture 16" descr="Картинки по запросу gradle"/>
+          <p:cNvPicPr>
+            <a:picLocks noChangeAspect="1" noChangeArrowheads="1"/>
+          </p:cNvPicPr>
+          <p:nvPr/>
+        </p:nvPicPr>
+        <p:blipFill>
+          <a:blip r:embed="rId8">
+            <a:extLst>
+              <a:ext uri="{28A0092B-C50C-407E-A947-70E740481C1C}">
+                <a14:useLocalDpi xmlns:a14="http://schemas.microsoft.com/office/drawing/2010/main" val="0"/>
+              </a:ext>
+            </a:extLst>
+          </a:blip>
+          <a:srcRect/>
+          <a:stretch>
+            <a:fillRect/>
+          </a:stretch>
+        </p:blipFill>
+        <p:spPr bwMode="auto">
+          <a:xfrm>
+            <a:off x="197972" y="3349121"/>
+            <a:ext cx="1586354" cy="443386"/>
+          </a:xfrm>
+          <a:prstGeom prst="rect">
+            <a:avLst/>
+          </a:prstGeom>
+          <a:noFill/>
+          <a:extLst>
+            <a:ext uri="{909E8E84-426E-40DD-AFC4-6F175D3DCCD1}">
+              <a14:hiddenFill xmlns:a14="http://schemas.microsoft.com/office/drawing/2010/main">
+                <a:solidFill>
+                  <a:srgbClr val="FFFFFF"/>
+                </a:solidFill>
+              </a14:hiddenFill>
+            </a:ext>
+          </a:extLst>
+        </p:spPr>
+      </p:pic>
+      <p:pic>
+        <p:nvPicPr>
+          <p:cNvPr id="1042" name="Picture 18" descr="Картинки по запросу spring mvc logo"/>
+          <p:cNvPicPr>
+            <a:picLocks noChangeAspect="1" noChangeArrowheads="1"/>
+          </p:cNvPicPr>
+          <p:nvPr/>
+        </p:nvPicPr>
+        <p:blipFill>
+          <a:blip r:embed="rId9">
+            <a:extLst>
+              <a:ext uri="{28A0092B-C50C-407E-A947-70E740481C1C}">
+                <a14:useLocalDpi xmlns:a14="http://schemas.microsoft.com/office/drawing/2010/main" val="0"/>
+              </a:ext>
+            </a:extLst>
+          </a:blip>
+          <a:srcRect/>
+          <a:stretch>
+            <a:fillRect/>
+          </a:stretch>
+        </p:blipFill>
+        <p:spPr bwMode="auto">
+          <a:xfrm>
+            <a:off x="197972" y="2794526"/>
+            <a:ext cx="1749425" cy="494457"/>
+          </a:xfrm>
+          <a:prstGeom prst="rect">
+            <a:avLst/>
+          </a:prstGeom>
+          <a:noFill/>
+          <a:extLst>
+            <a:ext uri="{909E8E84-426E-40DD-AFC4-6F175D3DCCD1}">
+              <a14:hiddenFill xmlns:a14="http://schemas.microsoft.com/office/drawing/2010/main">
+                <a:solidFill>
+                  <a:srgbClr val="FFFFFF"/>
+                </a:solidFill>
+              </a14:hiddenFill>
+            </a:ext>
+          </a:extLst>
+        </p:spPr>
+      </p:pic>
+      <p:pic>
+        <p:nvPicPr>
+          <p:cNvPr id="1044" name="Picture 20" descr="Картинки по запросу apache camel"/>
+          <p:cNvPicPr>
+            <a:picLocks noChangeAspect="1" noChangeArrowheads="1"/>
+          </p:cNvPicPr>
+          <p:nvPr/>
+        </p:nvPicPr>
+        <p:blipFill>
+          <a:blip r:embed="rId10">
+            <a:extLst>
+              <a:ext uri="{28A0092B-C50C-407E-A947-70E740481C1C}">
+                <a14:useLocalDpi xmlns:a14="http://schemas.microsoft.com/office/drawing/2010/main" val="0"/>
+              </a:ext>
+            </a:extLst>
+          </a:blip>
+          <a:srcRect/>
+          <a:stretch>
+            <a:fillRect/>
+          </a:stretch>
+        </p:blipFill>
+        <p:spPr bwMode="auto">
+          <a:xfrm>
+            <a:off x="2677273" y="1781349"/>
+            <a:ext cx="1479038" cy="724687"/>
+          </a:xfrm>
+          <a:prstGeom prst="rect">
+            <a:avLst/>
+          </a:prstGeom>
+          <a:noFill/>
+          <a:extLst>
+            <a:ext uri="{909E8E84-426E-40DD-AFC4-6F175D3DCCD1}">
+              <a14:hiddenFill xmlns:a14="http://schemas.microsoft.com/office/drawing/2010/main">
+                <a:solidFill>
+                  <a:srgbClr val="FFFFFF"/>
+                </a:solidFill>
+              </a14:hiddenFill>
+            </a:ext>
+          </a:extLst>
+        </p:spPr>
+      </p:pic>
+      <p:pic>
+        <p:nvPicPr>
+          <p:cNvPr id="1046" name="Picture 22" descr="Картинки по запросу elasticsearch"/>
+          <p:cNvPicPr>
+            <a:picLocks noChangeAspect="1" noChangeArrowheads="1"/>
+          </p:cNvPicPr>
+          <p:nvPr/>
+        </p:nvPicPr>
+        <p:blipFill>
+          <a:blip r:embed="rId11">
+            <a:extLst>
+              <a:ext uri="{28A0092B-C50C-407E-A947-70E740481C1C}">
+                <a14:useLocalDpi xmlns:a14="http://schemas.microsoft.com/office/drawing/2010/main" val="0"/>
+              </a:ext>
+            </a:extLst>
+          </a:blip>
+          <a:srcRect/>
+          <a:stretch>
+            <a:fillRect/>
+          </a:stretch>
+        </p:blipFill>
+        <p:spPr bwMode="auto">
+          <a:xfrm>
+            <a:off x="2638966" y="3160264"/>
+            <a:ext cx="1728104" cy="459408"/>
+          </a:xfrm>
+          <a:prstGeom prst="rect">
+            <a:avLst/>
+          </a:prstGeom>
+          <a:noFill/>
+          <a:extLst>
+            <a:ext uri="{909E8E84-426E-40DD-AFC4-6F175D3DCCD1}">
+              <a14:hiddenFill xmlns:a14="http://schemas.microsoft.com/office/drawing/2010/main">
+                <a:solidFill>
+                  <a:srgbClr val="FFFFFF"/>
+                </a:solidFill>
+              </a14:hiddenFill>
+            </a:ext>
+          </a:extLst>
+        </p:spPr>
+      </p:pic>
+      <p:pic>
+        <p:nvPicPr>
+          <p:cNvPr id="1052" name="Picture 28" descr="Картинки по запросу mongodb"/>
+          <p:cNvPicPr>
+            <a:picLocks noChangeAspect="1" noChangeArrowheads="1"/>
+          </p:cNvPicPr>
+          <p:nvPr/>
+        </p:nvPicPr>
+        <p:blipFill>
+          <a:blip r:embed="rId12">
+            <a:extLst>
+              <a:ext uri="{28A0092B-C50C-407E-A947-70E740481C1C}">
+                <a14:useLocalDpi xmlns:a14="http://schemas.microsoft.com/office/drawing/2010/main" val="0"/>
+              </a:ext>
+            </a:extLst>
+          </a:blip>
+          <a:srcRect/>
+          <a:stretch>
+            <a:fillRect/>
+          </a:stretch>
+        </p:blipFill>
+        <p:spPr bwMode="auto">
+          <a:xfrm>
+            <a:off x="2712895" y="3695634"/>
+            <a:ext cx="1654175" cy="449340"/>
+          </a:xfrm>
+          <a:prstGeom prst="rect">
+            <a:avLst/>
+          </a:prstGeom>
+          <a:noFill/>
+          <a:extLst>
+            <a:ext uri="{909E8E84-426E-40DD-AFC4-6F175D3DCCD1}">
+              <a14:hiddenFill xmlns:a14="http://schemas.microsoft.com/office/drawing/2010/main">
+                <a:solidFill>
+                  <a:srgbClr val="FFFFFF"/>
+                </a:solidFill>
+              </a14:hiddenFill>
+            </a:ext>
+          </a:extLst>
+        </p:spPr>
+      </p:pic>
+      <p:pic>
+        <p:nvPicPr>
+          <p:cNvPr id="1054" name="Picture 30" descr="Картинки по запросу postgresql"/>
+          <p:cNvPicPr>
+            <a:picLocks noChangeAspect="1" noChangeArrowheads="1"/>
+          </p:cNvPicPr>
+          <p:nvPr/>
+        </p:nvPicPr>
+        <p:blipFill>
+          <a:blip r:embed="rId13">
+            <a:extLst>
+              <a:ext uri="{28A0092B-C50C-407E-A947-70E740481C1C}">
+                <a14:useLocalDpi xmlns:a14="http://schemas.microsoft.com/office/drawing/2010/main" val="0"/>
+              </a:ext>
+            </a:extLst>
+          </a:blip>
+          <a:srcRect/>
+          <a:stretch>
+            <a:fillRect/>
+          </a:stretch>
+        </p:blipFill>
+        <p:spPr bwMode="auto">
+          <a:xfrm>
+            <a:off x="2712895" y="4220936"/>
+            <a:ext cx="1535762" cy="704940"/>
+          </a:xfrm>
+          <a:prstGeom prst="rect">
+            <a:avLst/>
+          </a:prstGeom>
+          <a:noFill/>
+          <a:extLst>
+            <a:ext uri="{909E8E84-426E-40DD-AFC4-6F175D3DCCD1}">
+              <a14:hiddenFill xmlns:a14="http://schemas.microsoft.com/office/drawing/2010/main">
+                <a:solidFill>
+                  <a:srgbClr val="FFFFFF"/>
+                </a:solidFill>
+              </a14:hiddenFill>
+            </a:ext>
+          </a:extLst>
+        </p:spPr>
+      </p:pic>
+      <p:pic>
+        <p:nvPicPr>
+          <p:cNvPr id="1056" name="Picture 32" descr="Картинки по запросу amazon S3"/>
+          <p:cNvPicPr>
+            <a:picLocks noChangeAspect="1" noChangeArrowheads="1"/>
+          </p:cNvPicPr>
+          <p:nvPr/>
+        </p:nvPicPr>
+        <p:blipFill>
+          <a:blip r:embed="rId14">
+            <a:extLst>
+              <a:ext uri="{28A0092B-C50C-407E-A947-70E740481C1C}">
+                <a14:useLocalDpi xmlns:a14="http://schemas.microsoft.com/office/drawing/2010/main" val="0"/>
+              </a:ext>
+            </a:extLst>
+          </a:blip>
+          <a:srcRect/>
+          <a:stretch>
+            <a:fillRect/>
+          </a:stretch>
+        </p:blipFill>
+        <p:spPr bwMode="auto">
+          <a:xfrm>
+            <a:off x="3047055" y="2525818"/>
+            <a:ext cx="911925" cy="717381"/>
+          </a:xfrm>
+          <a:prstGeom prst="rect">
+            <a:avLst/>
+          </a:prstGeom>
+          <a:noFill/>
+          <a:extLst>
+            <a:ext uri="{909E8E84-426E-40DD-AFC4-6F175D3DCCD1}">
+              <a14:hiddenFill xmlns:a14="http://schemas.microsoft.com/office/drawing/2010/main">
+                <a:solidFill>
+                  <a:srgbClr val="FFFFFF"/>
+                </a:solidFill>
+              </a14:hiddenFill>
+            </a:ext>
+          </a:extLst>
+        </p:spPr>
+      </p:pic>
+      <p:pic>
+        <p:nvPicPr>
+          <p:cNvPr id="1058" name="Picture 34" descr="Картинки по запросу chef logo deploy"/>
+          <p:cNvPicPr>
+            <a:picLocks noChangeAspect="1" noChangeArrowheads="1"/>
+          </p:cNvPicPr>
+          <p:nvPr/>
+        </p:nvPicPr>
+        <p:blipFill>
+          <a:blip r:embed="rId15">
+            <a:extLst>
+              <a:ext uri="{28A0092B-C50C-407E-A947-70E740481C1C}">
+                <a14:useLocalDpi xmlns:a14="http://schemas.microsoft.com/office/drawing/2010/main" val="0"/>
+              </a:ext>
+            </a:extLst>
+          </a:blip>
+          <a:srcRect/>
+          <a:stretch>
+            <a:fillRect/>
+          </a:stretch>
+        </p:blipFill>
+        <p:spPr bwMode="auto">
+          <a:xfrm>
+            <a:off x="5201059" y="1460476"/>
+            <a:ext cx="1296334" cy="525463"/>
+          </a:xfrm>
+          <a:prstGeom prst="rect">
+            <a:avLst/>
+          </a:prstGeom>
+          <a:noFill/>
+          <a:extLst>
+            <a:ext uri="{909E8E84-426E-40DD-AFC4-6F175D3DCCD1}">
+              <a14:hiddenFill xmlns:a14="http://schemas.microsoft.com/office/drawing/2010/main">
+                <a:solidFill>
+                  <a:srgbClr val="FFFFFF"/>
+                </a:solidFill>
+              </a14:hiddenFill>
+            </a:ext>
+          </a:extLst>
+        </p:spPr>
+      </p:pic>
+      <p:pic>
+        <p:nvPicPr>
+          <p:cNvPr id="1060" name="Picture 36" descr="Картинки по запросу jenkins"/>
+          <p:cNvPicPr>
+            <a:picLocks noChangeAspect="1" noChangeArrowheads="1"/>
+          </p:cNvPicPr>
+          <p:nvPr/>
+        </p:nvPicPr>
+        <p:blipFill>
+          <a:blip r:embed="rId16">
+            <a:extLst>
+              <a:ext uri="{28A0092B-C50C-407E-A947-70E740481C1C}">
+                <a14:useLocalDpi xmlns:a14="http://schemas.microsoft.com/office/drawing/2010/main" val="0"/>
+              </a:ext>
+            </a:extLst>
+          </a:blip>
+          <a:srcRect/>
+          <a:stretch>
+            <a:fillRect/>
+          </a:stretch>
+        </p:blipFill>
+        <p:spPr bwMode="auto">
+          <a:xfrm>
+            <a:off x="4984050" y="2105711"/>
+            <a:ext cx="1692716" cy="544391"/>
+          </a:xfrm>
+          <a:prstGeom prst="rect">
+            <a:avLst/>
+          </a:prstGeom>
+          <a:noFill/>
+          <a:extLst>
+            <a:ext uri="{909E8E84-426E-40DD-AFC4-6F175D3DCCD1}">
+              <a14:hiddenFill xmlns:a14="http://schemas.microsoft.com/office/drawing/2010/main">
+                <a:solidFill>
+                  <a:srgbClr val="FFFFFF"/>
+                </a:solidFill>
+              </a14:hiddenFill>
+            </a:ext>
+          </a:extLst>
+        </p:spPr>
+      </p:pic>
+      <p:pic>
+        <p:nvPicPr>
+          <p:cNvPr id="1064" name="Picture 40" descr="Картинки по запросу zabbix"/>
+          <p:cNvPicPr>
+            <a:picLocks noChangeAspect="1" noChangeArrowheads="1"/>
+          </p:cNvPicPr>
+          <p:nvPr/>
+        </p:nvPicPr>
+        <p:blipFill>
+          <a:blip r:embed="rId17">
+            <a:extLst>
+              <a:ext uri="{28A0092B-C50C-407E-A947-70E740481C1C}">
+                <a14:useLocalDpi xmlns:a14="http://schemas.microsoft.com/office/drawing/2010/main" val="0"/>
+              </a:ext>
+            </a:extLst>
+          </a:blip>
+          <a:srcRect/>
+          <a:stretch>
+            <a:fillRect/>
+          </a:stretch>
+        </p:blipFill>
+        <p:spPr bwMode="auto">
+          <a:xfrm>
+            <a:off x="5131188" y="3405697"/>
+            <a:ext cx="1476375" cy="386810"/>
+          </a:xfrm>
+          <a:prstGeom prst="rect">
+            <a:avLst/>
+          </a:prstGeom>
+          <a:noFill/>
+          <a:extLst>
+            <a:ext uri="{909E8E84-426E-40DD-AFC4-6F175D3DCCD1}">
+              <a14:hiddenFill xmlns:a14="http://schemas.microsoft.com/office/drawing/2010/main">
+                <a:solidFill>
+                  <a:srgbClr val="FFFFFF"/>
+                </a:solidFill>
+              </a14:hiddenFill>
+            </a:ext>
+          </a:extLst>
+        </p:spPr>
+      </p:pic>
+      <p:pic>
+        <p:nvPicPr>
+          <p:cNvPr id="1068" name="Picture 44" descr="Картинки по запросу splunk"/>
+          <p:cNvPicPr>
+            <a:picLocks noChangeAspect="1" noChangeArrowheads="1"/>
+          </p:cNvPicPr>
+          <p:nvPr/>
+        </p:nvPicPr>
+        <p:blipFill>
+          <a:blip r:embed="rId18">
+            <a:extLst>
+              <a:ext uri="{28A0092B-C50C-407E-A947-70E740481C1C}">
+                <a14:useLocalDpi xmlns:a14="http://schemas.microsoft.com/office/drawing/2010/main" val="0"/>
+              </a:ext>
+            </a:extLst>
+          </a:blip>
+          <a:srcRect/>
+          <a:stretch>
+            <a:fillRect/>
+          </a:stretch>
+        </p:blipFill>
+        <p:spPr bwMode="auto">
+          <a:xfrm>
+            <a:off x="4966989" y="3892249"/>
+            <a:ext cx="1836777" cy="657373"/>
+          </a:xfrm>
+          <a:prstGeom prst="rect">
+            <a:avLst/>
+          </a:prstGeom>
+          <a:noFill/>
+          <a:extLst>
+            <a:ext uri="{909E8E84-426E-40DD-AFC4-6F175D3DCCD1}">
+              <a14:hiddenFill xmlns:a14="http://schemas.microsoft.com/office/drawing/2010/main">
+                <a:solidFill>
+                  <a:srgbClr val="FFFFFF"/>
+                </a:solidFill>
+              </a14:hiddenFill>
+            </a:ext>
+          </a:extLst>
+        </p:spPr>
+      </p:pic>
+      <p:cxnSp>
+        <p:nvCxnSpPr>
+          <p:cNvPr id="13" name="Прямая соединительная линия 12"/>
+          <p:cNvCxnSpPr/>
+          <p:nvPr/>
+        </p:nvCxnSpPr>
+        <p:spPr>
+          <a:xfrm flipH="1">
+            <a:off x="2247900" y="1320350"/>
+            <a:ext cx="12700" cy="3253056"/>
+          </a:xfrm>
+          <a:prstGeom prst="line">
+            <a:avLst/>
+          </a:prstGeom>
+        </p:spPr>
+        <p:style>
+          <a:lnRef idx="2">
+            <a:schemeClr val="accent1"/>
+          </a:lnRef>
+          <a:fillRef idx="0">
+            <a:schemeClr val="accent1"/>
+          </a:fillRef>
+          <a:effectRef idx="1">
+            <a:schemeClr val="accent1"/>
+          </a:effectRef>
+          <a:fontRef idx="minor">
+            <a:schemeClr val="tx1"/>
+          </a:fontRef>
+        </p:style>
+      </p:cxnSp>
+      <p:cxnSp>
+        <p:nvCxnSpPr>
+          <p:cNvPr id="15" name="Прямая соединительная линия 14"/>
+          <p:cNvCxnSpPr/>
+          <p:nvPr/>
+        </p:nvCxnSpPr>
+        <p:spPr>
+          <a:xfrm>
+            <a:off x="4730079" y="1320350"/>
+            <a:ext cx="24763" cy="3253056"/>
+          </a:xfrm>
+          <a:prstGeom prst="line">
+            <a:avLst/>
+          </a:prstGeom>
+        </p:spPr>
+        <p:style>
+          <a:lnRef idx="2">
+            <a:schemeClr val="accent1"/>
+          </a:lnRef>
+          <a:fillRef idx="0">
+            <a:schemeClr val="accent1"/>
+          </a:fillRef>
+          <a:effectRef idx="1">
+            <a:schemeClr val="accent1"/>
+          </a:effectRef>
+          <a:fontRef idx="minor">
+            <a:schemeClr val="tx1"/>
+          </a:fontRef>
+        </p:style>
+      </p:cxnSp>
+    </p:spTree>
+    <p:extLst>
+      <p:ext uri="{BB962C8B-B14F-4D97-AF65-F5344CB8AC3E}">
+        <p14:creationId xmlns:p14="http://schemas.microsoft.com/office/powerpoint/2010/main" val="2632560884"/>
+      </p:ext>
+    </p:extLst>
+  </p:cSld>
+  <p:clrMapOvr>
+    <a:masterClrMapping/>
+  </p:clrMapOvr>
+  <p:timing>
+    <p:tnLst>
+      <p:par>
+        <p:cTn id="1" dur="indefinite" restart="never" nodeType="tmRoot"/>
+      </p:par>
+    </p:tnLst>
+  </p:timing>
+</p:sld>
+</file>
+
+<file path=ppt/slides/slide31.xml><?xml version="1.0" encoding="utf-8"?>
+<p:sld xmlns:a="http://schemas.openxmlformats.org/drawingml/2006/main" xmlns:r="http://schemas.openxmlformats.org/officeDocument/2006/relationships" xmlns:p="http://schemas.openxmlformats.org/presentationml/2006/main">
+  <p:cSld>
+    <p:spTree>
+      <p:nvGrpSpPr>
+        <p:cNvPr id="1" name=""/>
+        <p:cNvGrpSpPr/>
+        <p:nvPr/>
+      </p:nvGrpSpPr>
+      <p:grpSpPr>
+        <a:xfrm>
+          <a:off x="0" y="0"/>
+          <a:ext cx="0" cy="0"/>
+          <a:chOff x="0" y="0"/>
+          <a:chExt cx="0" cy="0"/>
+        </a:xfrm>
+      </p:grpSpPr>
+      <p:sp>
+        <p:nvSpPr>
+          <p:cNvPr id="3" name="Текст 2"/>
+          <p:cNvSpPr>
+            <a:spLocks noGrp="1"/>
+          </p:cNvSpPr>
+          <p:nvPr>
+            <p:ph type="body" sz="quarter" idx="11"/>
+          </p:nvPr>
+        </p:nvSpPr>
+        <p:spPr/>
+        <p:txBody>
+          <a:bodyPr/>
+          <a:lstStyle/>
+          <a:p>
+            <a:r>
+              <a:rPr lang="en-US" dirty="0" smtClean="0"/>
+              <a:t>What we have?</a:t>
+            </a:r>
+            <a:endParaRPr lang="ru-RU" dirty="0"/>
+          </a:p>
+        </p:txBody>
+      </p:sp>
+      <p:sp>
+        <p:nvSpPr>
+          <p:cNvPr id="5" name="Прямоугольник 4"/>
+          <p:cNvSpPr/>
+          <p:nvPr/>
+        </p:nvSpPr>
+        <p:spPr>
+          <a:xfrm>
+            <a:off x="493519" y="889510"/>
+            <a:ext cx="1044575" cy="508000"/>
+          </a:xfrm>
+          <a:prstGeom prst="rect">
+            <a:avLst/>
+          </a:prstGeom>
+          <a:solidFill>
+            <a:schemeClr val="accent2">
+              <a:lumMod val="75000"/>
+            </a:schemeClr>
+          </a:solidFill>
+          <a:ln>
+            <a:solidFill>
+              <a:schemeClr val="tx1"/>
+            </a:solidFill>
+          </a:ln>
+          <a:effectLst/>
+        </p:spPr>
+        <p:style>
+          <a:lnRef idx="1">
+            <a:schemeClr val="accent1"/>
+          </a:lnRef>
+          <a:fillRef idx="3">
+            <a:schemeClr val="accent1"/>
+          </a:fillRef>
+          <a:effectRef idx="2">
+            <a:schemeClr val="accent1"/>
+          </a:effectRef>
+          <a:fontRef idx="minor">
+            <a:schemeClr val="lt1"/>
+          </a:fontRef>
+        </p:style>
+        <p:txBody>
+          <a:bodyPr rtlCol="0" anchor="ctr"/>
+          <a:lstStyle/>
+          <a:p>
+            <a:pPr algn="ctr"/>
+            <a:r>
+              <a:rPr lang="en-US" dirty="0" smtClean="0"/>
+              <a:t>ROA File Processor</a:t>
+            </a:r>
+            <a:endParaRPr lang="ru-RU" dirty="0"/>
+          </a:p>
+        </p:txBody>
+      </p:sp>
+      <p:sp>
+        <p:nvSpPr>
+          <p:cNvPr id="6" name="Прямоугольник 5"/>
+          <p:cNvSpPr/>
+          <p:nvPr/>
+        </p:nvSpPr>
+        <p:spPr>
+          <a:xfrm>
+            <a:off x="4325143" y="2691448"/>
+            <a:ext cx="622300" cy="495300"/>
+          </a:xfrm>
+          <a:prstGeom prst="rect">
+            <a:avLst/>
+          </a:prstGeom>
+          <a:solidFill>
+            <a:schemeClr val="accent4"/>
+          </a:solidFill>
+          <a:ln>
+            <a:solidFill>
+              <a:schemeClr val="tx1"/>
+            </a:solidFill>
+          </a:ln>
+          <a:effectLst/>
+        </p:spPr>
+        <p:style>
+          <a:lnRef idx="1">
+            <a:schemeClr val="accent1"/>
+          </a:lnRef>
+          <a:fillRef idx="3">
+            <a:schemeClr val="accent1"/>
+          </a:fillRef>
+          <a:effectRef idx="2">
+            <a:schemeClr val="accent1"/>
+          </a:effectRef>
+          <a:fontRef idx="minor">
+            <a:schemeClr val="lt1"/>
+          </a:fontRef>
+        </p:style>
+        <p:txBody>
+          <a:bodyPr rtlCol="0" anchor="ctr"/>
+          <a:lstStyle/>
+          <a:p>
+            <a:pPr algn="ctr"/>
+            <a:r>
+              <a:rPr lang="en-US" dirty="0" smtClean="0"/>
+              <a:t>Tax</a:t>
+            </a:r>
+            <a:endParaRPr lang="ru-RU" dirty="0"/>
+          </a:p>
+        </p:txBody>
+      </p:sp>
+      <p:sp>
+        <p:nvSpPr>
+          <p:cNvPr id="7" name="Прямоугольник 6"/>
+          <p:cNvSpPr/>
+          <p:nvPr/>
+        </p:nvSpPr>
+        <p:spPr>
+          <a:xfrm>
+            <a:off x="873911" y="3706465"/>
+            <a:ext cx="635000" cy="508000"/>
+          </a:xfrm>
+          <a:prstGeom prst="rect">
+            <a:avLst/>
+          </a:prstGeom>
+          <a:solidFill>
+            <a:schemeClr val="accent4"/>
+          </a:solidFill>
+          <a:ln>
+            <a:solidFill>
+              <a:schemeClr val="tx1"/>
+            </a:solidFill>
+          </a:ln>
+          <a:effectLst/>
+        </p:spPr>
+        <p:style>
+          <a:lnRef idx="1">
+            <a:schemeClr val="accent1"/>
+          </a:lnRef>
+          <a:fillRef idx="3">
+            <a:schemeClr val="accent1"/>
+          </a:fillRef>
+          <a:effectRef idx="2">
+            <a:schemeClr val="accent1"/>
+          </a:effectRef>
+          <a:fontRef idx="minor">
+            <a:schemeClr val="lt1"/>
+          </a:fontRef>
+        </p:style>
+        <p:txBody>
+          <a:bodyPr rtlCol="0" anchor="ctr"/>
+          <a:lstStyle/>
+          <a:p>
+            <a:pPr algn="ctr"/>
+            <a:r>
+              <a:rPr lang="en-US" dirty="0" smtClean="0"/>
+              <a:t>CRM </a:t>
+            </a:r>
+            <a:r>
+              <a:rPr lang="en-US" dirty="0" err="1" smtClean="0"/>
+              <a:t>Integ</a:t>
+            </a:r>
+            <a:endParaRPr lang="ru-RU" dirty="0"/>
+          </a:p>
+        </p:txBody>
+      </p:sp>
+      <p:sp>
+        <p:nvSpPr>
+          <p:cNvPr id="8" name="Прямоугольник 7"/>
+          <p:cNvSpPr/>
+          <p:nvPr/>
+        </p:nvSpPr>
+        <p:spPr>
+          <a:xfrm>
+            <a:off x="5489577" y="2883726"/>
+            <a:ext cx="927100" cy="508000"/>
+          </a:xfrm>
+          <a:prstGeom prst="rect">
+            <a:avLst/>
+          </a:prstGeom>
+          <a:solidFill>
+            <a:schemeClr val="accent4"/>
+          </a:solidFill>
+          <a:ln>
+            <a:solidFill>
+              <a:schemeClr val="tx1"/>
+            </a:solidFill>
+          </a:ln>
+          <a:effectLst/>
+        </p:spPr>
+        <p:style>
+          <a:lnRef idx="1">
+            <a:schemeClr val="accent1"/>
+          </a:lnRef>
+          <a:fillRef idx="3">
+            <a:schemeClr val="accent1"/>
+          </a:fillRef>
+          <a:effectRef idx="2">
+            <a:schemeClr val="accent1"/>
+          </a:effectRef>
+          <a:fontRef idx="minor">
+            <a:schemeClr val="lt1"/>
+          </a:fontRef>
+        </p:style>
+        <p:txBody>
+          <a:bodyPr rtlCol="0" anchor="ctr"/>
+          <a:lstStyle/>
+          <a:p>
+            <a:pPr algn="ctr"/>
+            <a:r>
+              <a:rPr lang="en-US" dirty="0" smtClean="0"/>
+              <a:t>Payment</a:t>
+            </a:r>
+            <a:endParaRPr lang="ru-RU" dirty="0"/>
+          </a:p>
+        </p:txBody>
+      </p:sp>
+      <p:sp>
+        <p:nvSpPr>
+          <p:cNvPr id="9" name="Прямоугольник 8"/>
+          <p:cNvSpPr/>
+          <p:nvPr/>
+        </p:nvSpPr>
+        <p:spPr>
+          <a:xfrm>
+            <a:off x="5130800" y="4162396"/>
+            <a:ext cx="1111250" cy="508000"/>
+          </a:xfrm>
+          <a:prstGeom prst="rect">
+            <a:avLst/>
+          </a:prstGeom>
+          <a:solidFill>
+            <a:schemeClr val="accent4"/>
+          </a:solidFill>
+          <a:ln>
+            <a:solidFill>
+              <a:schemeClr val="tx1"/>
+            </a:solidFill>
+          </a:ln>
+          <a:effectLst/>
+        </p:spPr>
+        <p:style>
+          <a:lnRef idx="1">
+            <a:schemeClr val="accent1"/>
+          </a:lnRef>
+          <a:fillRef idx="3">
+            <a:schemeClr val="accent1"/>
+          </a:fillRef>
+          <a:effectRef idx="2">
+            <a:schemeClr val="accent1"/>
+          </a:effectRef>
+          <a:fontRef idx="minor">
+            <a:schemeClr val="lt1"/>
+          </a:fontRef>
+        </p:style>
+        <p:txBody>
+          <a:bodyPr rtlCol="0" anchor="ctr"/>
+          <a:lstStyle/>
+          <a:p>
+            <a:pPr algn="ctr"/>
+            <a:r>
+              <a:rPr lang="en-US" dirty="0" smtClean="0"/>
+              <a:t>Reporting</a:t>
+            </a:r>
+            <a:endParaRPr lang="ru-RU" dirty="0"/>
+          </a:p>
+        </p:txBody>
+      </p:sp>
+      <p:sp>
+        <p:nvSpPr>
+          <p:cNvPr id="10" name="Прямоугольник 9"/>
+          <p:cNvSpPr/>
+          <p:nvPr/>
+        </p:nvSpPr>
+        <p:spPr>
+          <a:xfrm>
+            <a:off x="5480057" y="2324832"/>
+            <a:ext cx="927100" cy="508000"/>
+          </a:xfrm>
+          <a:prstGeom prst="rect">
+            <a:avLst/>
+          </a:prstGeom>
+          <a:solidFill>
+            <a:schemeClr val="accent4"/>
+          </a:solidFill>
+          <a:ln>
+            <a:solidFill>
+              <a:schemeClr val="tx1"/>
+            </a:solidFill>
+          </a:ln>
+          <a:effectLst/>
+        </p:spPr>
+        <p:style>
+          <a:lnRef idx="1">
+            <a:schemeClr val="accent1"/>
+          </a:lnRef>
+          <a:fillRef idx="3">
+            <a:schemeClr val="accent1"/>
+          </a:fillRef>
+          <a:effectRef idx="2">
+            <a:schemeClr val="accent1"/>
+          </a:effectRef>
+          <a:fontRef idx="minor">
+            <a:schemeClr val="lt1"/>
+          </a:fontRef>
+        </p:style>
+        <p:txBody>
+          <a:bodyPr rtlCol="0" anchor="ctr"/>
+          <a:lstStyle/>
+          <a:p>
+            <a:pPr algn="ctr"/>
+            <a:r>
+              <a:rPr lang="en-US" dirty="0" smtClean="0"/>
+              <a:t>RLNK</a:t>
+            </a:r>
+            <a:endParaRPr lang="ru-RU" dirty="0"/>
+          </a:p>
+        </p:txBody>
+      </p:sp>
+      <p:sp>
+        <p:nvSpPr>
+          <p:cNvPr id="11" name="Прямоугольник 10"/>
+          <p:cNvSpPr/>
+          <p:nvPr/>
+        </p:nvSpPr>
+        <p:spPr>
+          <a:xfrm>
+            <a:off x="2876549" y="838168"/>
+            <a:ext cx="927100" cy="508000"/>
+          </a:xfrm>
+          <a:prstGeom prst="rect">
+            <a:avLst/>
+          </a:prstGeom>
+          <a:solidFill>
+            <a:schemeClr val="accent4"/>
+          </a:solidFill>
+          <a:ln>
+            <a:solidFill>
+              <a:schemeClr val="tx1"/>
+            </a:solidFill>
+          </a:ln>
+          <a:effectLst/>
+        </p:spPr>
+        <p:style>
+          <a:lnRef idx="1">
+            <a:schemeClr val="accent1"/>
+          </a:lnRef>
+          <a:fillRef idx="3">
+            <a:schemeClr val="accent1"/>
+          </a:fillRef>
+          <a:effectRef idx="2">
+            <a:schemeClr val="accent1"/>
+          </a:effectRef>
+          <a:fontRef idx="minor">
+            <a:schemeClr val="lt1"/>
+          </a:fontRef>
+        </p:style>
+        <p:txBody>
+          <a:bodyPr rtlCol="0" anchor="ctr"/>
+          <a:lstStyle/>
+          <a:p>
+            <a:pPr algn="ctr"/>
+            <a:r>
+              <a:rPr lang="en-US" dirty="0" smtClean="0"/>
+              <a:t>PRM</a:t>
+            </a:r>
+            <a:endParaRPr lang="ru-RU" dirty="0"/>
+          </a:p>
+        </p:txBody>
+      </p:sp>
+      <p:sp>
+        <p:nvSpPr>
+          <p:cNvPr id="12" name="Прямоугольник 11"/>
+          <p:cNvSpPr/>
+          <p:nvPr/>
+        </p:nvSpPr>
+        <p:spPr>
+          <a:xfrm>
+            <a:off x="4714877" y="1750568"/>
+            <a:ext cx="1238250" cy="508000"/>
+          </a:xfrm>
+          <a:prstGeom prst="rect">
+            <a:avLst/>
+          </a:prstGeom>
+          <a:solidFill>
+            <a:schemeClr val="accent4"/>
+          </a:solidFill>
+          <a:ln>
+            <a:solidFill>
+              <a:schemeClr val="tx1"/>
+            </a:solidFill>
+          </a:ln>
+          <a:effectLst/>
+        </p:spPr>
+        <p:style>
+          <a:lnRef idx="1">
+            <a:schemeClr val="accent1"/>
+          </a:lnRef>
+          <a:fillRef idx="3">
+            <a:schemeClr val="accent1"/>
+          </a:fillRef>
+          <a:effectRef idx="2">
+            <a:schemeClr val="accent1"/>
+          </a:effectRef>
+          <a:fontRef idx="minor">
+            <a:schemeClr val="lt1"/>
+          </a:fontRef>
+        </p:style>
+        <p:txBody>
+          <a:bodyPr rtlCol="0" anchor="ctr"/>
+          <a:lstStyle/>
+          <a:p>
+            <a:pPr algn="ctr"/>
+            <a:r>
+              <a:rPr lang="en-US" dirty="0" smtClean="0"/>
+              <a:t>Promotions</a:t>
+            </a:r>
+            <a:endParaRPr lang="ru-RU" dirty="0"/>
+          </a:p>
+        </p:txBody>
+      </p:sp>
+      <p:sp>
+        <p:nvSpPr>
+          <p:cNvPr id="13" name="Прямоугольник 12"/>
+          <p:cNvSpPr/>
+          <p:nvPr/>
+        </p:nvSpPr>
+        <p:spPr>
+          <a:xfrm>
+            <a:off x="4400550" y="1057021"/>
+            <a:ext cx="1238250" cy="508000"/>
+          </a:xfrm>
+          <a:prstGeom prst="rect">
+            <a:avLst/>
+          </a:prstGeom>
+          <a:solidFill>
+            <a:schemeClr val="accent4"/>
+          </a:solidFill>
+          <a:ln>
+            <a:solidFill>
+              <a:schemeClr val="tx1"/>
+            </a:solidFill>
+          </a:ln>
+          <a:effectLst/>
+        </p:spPr>
+        <p:style>
+          <a:lnRef idx="1">
+            <a:schemeClr val="accent1"/>
+          </a:lnRef>
+          <a:fillRef idx="3">
+            <a:schemeClr val="accent1"/>
+          </a:fillRef>
+          <a:effectRef idx="2">
+            <a:schemeClr val="accent1"/>
+          </a:effectRef>
+          <a:fontRef idx="minor">
+            <a:schemeClr val="lt1"/>
+          </a:fontRef>
+        </p:style>
+        <p:txBody>
+          <a:bodyPr rtlCol="0" anchor="ctr"/>
+          <a:lstStyle/>
+          <a:p>
+            <a:pPr algn="ctr"/>
+            <a:r>
+              <a:rPr lang="en-US" dirty="0" smtClean="0"/>
+              <a:t>Reprints</a:t>
+            </a:r>
+            <a:endParaRPr lang="ru-RU" dirty="0"/>
+          </a:p>
+        </p:txBody>
+      </p:sp>
+      <p:sp>
+        <p:nvSpPr>
+          <p:cNvPr id="15" name="Прямоугольник 14"/>
+          <p:cNvSpPr/>
+          <p:nvPr/>
+        </p:nvSpPr>
+        <p:spPr>
+          <a:xfrm>
+            <a:off x="440139" y="1784858"/>
+            <a:ext cx="1222375" cy="508000"/>
+          </a:xfrm>
+          <a:prstGeom prst="rect">
+            <a:avLst/>
+          </a:prstGeom>
+          <a:solidFill>
+            <a:schemeClr val="accent2">
+              <a:lumMod val="75000"/>
+            </a:schemeClr>
+          </a:solidFill>
+          <a:ln>
+            <a:solidFill>
+              <a:schemeClr val="tx1"/>
+            </a:solidFill>
+          </a:ln>
+          <a:effectLst/>
+        </p:spPr>
+        <p:style>
+          <a:lnRef idx="1">
+            <a:schemeClr val="accent1"/>
+          </a:lnRef>
+          <a:fillRef idx="3">
+            <a:schemeClr val="accent1"/>
+          </a:fillRef>
+          <a:effectRef idx="2">
+            <a:schemeClr val="accent1"/>
+          </a:effectRef>
+          <a:fontRef idx="minor">
+            <a:schemeClr val="lt1"/>
+          </a:fontRef>
+        </p:style>
+        <p:txBody>
+          <a:bodyPr rtlCol="0" anchor="ctr"/>
+          <a:lstStyle/>
+          <a:p>
+            <a:pPr algn="ctr"/>
+            <a:r>
+              <a:rPr lang="en-US" dirty="0" smtClean="0"/>
+              <a:t>ROA REST 1</a:t>
+            </a:r>
+            <a:endParaRPr lang="ru-RU" dirty="0"/>
+          </a:p>
+        </p:txBody>
+      </p:sp>
+      <p:sp>
+        <p:nvSpPr>
+          <p:cNvPr id="16" name="Прямоугольник 15"/>
+          <p:cNvSpPr/>
+          <p:nvPr/>
+        </p:nvSpPr>
+        <p:spPr>
+          <a:xfrm>
+            <a:off x="440139" y="2818224"/>
+            <a:ext cx="1222375" cy="508000"/>
+          </a:xfrm>
+          <a:prstGeom prst="rect">
+            <a:avLst/>
+          </a:prstGeom>
+          <a:solidFill>
+            <a:schemeClr val="accent2">
+              <a:lumMod val="75000"/>
+            </a:schemeClr>
+          </a:solidFill>
+          <a:ln>
+            <a:solidFill>
+              <a:schemeClr val="tx1"/>
+            </a:solidFill>
+          </a:ln>
+          <a:effectLst/>
+        </p:spPr>
+        <p:style>
+          <a:lnRef idx="1">
+            <a:schemeClr val="accent1"/>
+          </a:lnRef>
+          <a:fillRef idx="3">
+            <a:schemeClr val="accent1"/>
+          </a:fillRef>
+          <a:effectRef idx="2">
+            <a:schemeClr val="accent1"/>
+          </a:effectRef>
+          <a:fontRef idx="minor">
+            <a:schemeClr val="lt1"/>
+          </a:fontRef>
+        </p:style>
+        <p:txBody>
+          <a:bodyPr rtlCol="0" anchor="ctr"/>
+          <a:lstStyle/>
+          <a:p>
+            <a:pPr algn="ctr"/>
+            <a:r>
+              <a:rPr lang="en-US" dirty="0" smtClean="0"/>
+              <a:t>ROA REST 2</a:t>
+            </a:r>
+            <a:endParaRPr lang="ru-RU" dirty="0"/>
+          </a:p>
+        </p:txBody>
+      </p:sp>
+      <p:sp>
+        <p:nvSpPr>
+          <p:cNvPr id="17" name="Прямоугольник 16"/>
+          <p:cNvSpPr/>
+          <p:nvPr/>
+        </p:nvSpPr>
+        <p:spPr>
+          <a:xfrm>
+            <a:off x="2349896" y="2078833"/>
+            <a:ext cx="1222375" cy="508000"/>
+          </a:xfrm>
+          <a:prstGeom prst="rect">
+            <a:avLst/>
+          </a:prstGeom>
+          <a:solidFill>
+            <a:schemeClr val="accent2">
+              <a:lumMod val="75000"/>
+            </a:schemeClr>
+          </a:solidFill>
+          <a:ln>
+            <a:solidFill>
+              <a:schemeClr val="tx1"/>
+            </a:solidFill>
+          </a:ln>
+          <a:effectLst/>
+        </p:spPr>
+        <p:style>
+          <a:lnRef idx="1">
+            <a:schemeClr val="accent1"/>
+          </a:lnRef>
+          <a:fillRef idx="3">
+            <a:schemeClr val="accent1"/>
+          </a:fillRef>
+          <a:effectRef idx="2">
+            <a:schemeClr val="accent1"/>
+          </a:effectRef>
+          <a:fontRef idx="minor">
+            <a:schemeClr val="lt1"/>
+          </a:fontRef>
+        </p:style>
+        <p:txBody>
+          <a:bodyPr rtlCol="0" anchor="ctr"/>
+          <a:lstStyle/>
+          <a:p>
+            <a:pPr algn="ctr"/>
+            <a:r>
+              <a:rPr lang="en-US" dirty="0" smtClean="0"/>
+              <a:t>ROA Payment</a:t>
+            </a:r>
+            <a:endParaRPr lang="ru-RU" dirty="0"/>
+          </a:p>
+        </p:txBody>
+      </p:sp>
+      <p:sp>
+        <p:nvSpPr>
+          <p:cNvPr id="18" name="Прямоугольник 17"/>
+          <p:cNvSpPr/>
+          <p:nvPr/>
+        </p:nvSpPr>
+        <p:spPr>
+          <a:xfrm>
+            <a:off x="3647281" y="3411347"/>
+            <a:ext cx="1222375" cy="508000"/>
+          </a:xfrm>
+          <a:prstGeom prst="rect">
+            <a:avLst/>
+          </a:prstGeom>
+          <a:solidFill>
+            <a:schemeClr val="accent2">
+              <a:lumMod val="75000"/>
+            </a:schemeClr>
+          </a:solidFill>
+          <a:ln>
+            <a:solidFill>
+              <a:schemeClr val="tx1"/>
+            </a:solidFill>
+          </a:ln>
+          <a:effectLst/>
+        </p:spPr>
+        <p:style>
+          <a:lnRef idx="1">
+            <a:schemeClr val="accent1"/>
+          </a:lnRef>
+          <a:fillRef idx="3">
+            <a:schemeClr val="accent1"/>
+          </a:fillRef>
+          <a:effectRef idx="2">
+            <a:schemeClr val="accent1"/>
+          </a:effectRef>
+          <a:fontRef idx="minor">
+            <a:schemeClr val="lt1"/>
+          </a:fontRef>
+        </p:style>
+        <p:txBody>
+          <a:bodyPr rtlCol="0" anchor="ctr"/>
+          <a:lstStyle/>
+          <a:p>
+            <a:pPr algn="ctr"/>
+            <a:r>
+              <a:rPr lang="en-US" dirty="0" smtClean="0"/>
+              <a:t>ROA </a:t>
+            </a:r>
+            <a:r>
+              <a:rPr lang="en-US" dirty="0" err="1" smtClean="0"/>
+              <a:t>Pubportal</a:t>
+            </a:r>
+            <a:endParaRPr lang="ru-RU" dirty="0"/>
+          </a:p>
+        </p:txBody>
+      </p:sp>
+      <p:sp>
+        <p:nvSpPr>
+          <p:cNvPr id="19" name="Прямоугольник 18"/>
+          <p:cNvSpPr/>
+          <p:nvPr/>
+        </p:nvSpPr>
+        <p:spPr>
+          <a:xfrm>
+            <a:off x="2890043" y="2725485"/>
+            <a:ext cx="1222375" cy="508000"/>
+          </a:xfrm>
+          <a:prstGeom prst="rect">
+            <a:avLst/>
+          </a:prstGeom>
+          <a:solidFill>
+            <a:schemeClr val="accent2">
+              <a:lumMod val="75000"/>
+            </a:schemeClr>
+          </a:solidFill>
+          <a:ln>
+            <a:solidFill>
+              <a:schemeClr val="tx1"/>
+            </a:solidFill>
+          </a:ln>
+          <a:effectLst/>
+        </p:spPr>
+        <p:style>
+          <a:lnRef idx="1">
+            <a:schemeClr val="accent1"/>
+          </a:lnRef>
+          <a:fillRef idx="3">
+            <a:schemeClr val="accent1"/>
+          </a:fillRef>
+          <a:effectRef idx="2">
+            <a:schemeClr val="accent1"/>
+          </a:effectRef>
+          <a:fontRef idx="minor">
+            <a:schemeClr val="lt1"/>
+          </a:fontRef>
+        </p:style>
+        <p:txBody>
+          <a:bodyPr rtlCol="0" anchor="ctr"/>
+          <a:lstStyle/>
+          <a:p>
+            <a:pPr algn="ctr"/>
+            <a:r>
+              <a:rPr lang="en-US" dirty="0" smtClean="0"/>
+              <a:t>ROA Admin</a:t>
+            </a:r>
+            <a:endParaRPr lang="ru-RU" dirty="0"/>
+          </a:p>
+        </p:txBody>
+      </p:sp>
+      <p:cxnSp>
+        <p:nvCxnSpPr>
+          <p:cNvPr id="27" name="Прямая со стрелкой 26"/>
+          <p:cNvCxnSpPr>
+            <a:stCxn id="17" idx="0"/>
+            <a:endCxn id="11" idx="2"/>
+          </p:cNvCxnSpPr>
+          <p:nvPr/>
+        </p:nvCxnSpPr>
+        <p:spPr>
+          <a:xfrm flipV="1">
+            <a:off x="2961084" y="1346168"/>
+            <a:ext cx="379015" cy="732665"/>
+          </a:xfrm>
+          <a:prstGeom prst="straightConnector1">
+            <a:avLst/>
+          </a:prstGeom>
+          <a:ln>
+            <a:tailEnd type="triangle"/>
+          </a:ln>
+        </p:spPr>
+        <p:style>
+          <a:lnRef idx="2">
+            <a:schemeClr val="accent1"/>
+          </a:lnRef>
+          <a:fillRef idx="0">
+            <a:schemeClr val="accent1"/>
+          </a:fillRef>
+          <a:effectRef idx="1">
+            <a:schemeClr val="accent1"/>
+          </a:effectRef>
+          <a:fontRef idx="minor">
+            <a:schemeClr val="tx1"/>
+          </a:fontRef>
+        </p:style>
+      </p:cxnSp>
+      <p:cxnSp>
+        <p:nvCxnSpPr>
+          <p:cNvPr id="36" name="Прямая со стрелкой 35"/>
+          <p:cNvCxnSpPr>
+            <a:stCxn id="16" idx="3"/>
+            <a:endCxn id="11" idx="1"/>
+          </p:cNvCxnSpPr>
+          <p:nvPr/>
+        </p:nvCxnSpPr>
+        <p:spPr>
+          <a:xfrm flipV="1">
+            <a:off x="1662514" y="1092168"/>
+            <a:ext cx="1214035" cy="1980056"/>
+          </a:xfrm>
+          <a:prstGeom prst="straightConnector1">
+            <a:avLst/>
+          </a:prstGeom>
+          <a:ln>
+            <a:tailEnd type="triangle"/>
+          </a:ln>
+        </p:spPr>
+        <p:style>
+          <a:lnRef idx="2">
+            <a:schemeClr val="accent1"/>
+          </a:lnRef>
+          <a:fillRef idx="0">
+            <a:schemeClr val="accent1"/>
+          </a:fillRef>
+          <a:effectRef idx="1">
+            <a:schemeClr val="accent1"/>
+          </a:effectRef>
+          <a:fontRef idx="minor">
+            <a:schemeClr val="tx1"/>
+          </a:fontRef>
+        </p:style>
+      </p:cxnSp>
+      <p:cxnSp>
+        <p:nvCxnSpPr>
+          <p:cNvPr id="38" name="Прямая со стрелкой 37"/>
+          <p:cNvCxnSpPr>
+            <a:stCxn id="15" idx="0"/>
+            <a:endCxn id="11" idx="1"/>
+          </p:cNvCxnSpPr>
+          <p:nvPr/>
+        </p:nvCxnSpPr>
+        <p:spPr>
+          <a:xfrm flipV="1">
+            <a:off x="1051327" y="1092168"/>
+            <a:ext cx="1825222" cy="692690"/>
+          </a:xfrm>
+          <a:prstGeom prst="straightConnector1">
+            <a:avLst/>
+          </a:prstGeom>
+          <a:ln>
+            <a:tailEnd type="triangle"/>
+          </a:ln>
+        </p:spPr>
+        <p:style>
+          <a:lnRef idx="2">
+            <a:schemeClr val="accent1"/>
+          </a:lnRef>
+          <a:fillRef idx="0">
+            <a:schemeClr val="accent1"/>
+          </a:fillRef>
+          <a:effectRef idx="1">
+            <a:schemeClr val="accent1"/>
+          </a:effectRef>
+          <a:fontRef idx="minor">
+            <a:schemeClr val="tx1"/>
+          </a:fontRef>
+        </p:style>
+      </p:cxnSp>
+      <p:cxnSp>
+        <p:nvCxnSpPr>
+          <p:cNvPr id="41" name="Прямая со стрелкой 40"/>
+          <p:cNvCxnSpPr>
+            <a:stCxn id="19" idx="0"/>
+            <a:endCxn id="17" idx="2"/>
+          </p:cNvCxnSpPr>
+          <p:nvPr/>
+        </p:nvCxnSpPr>
+        <p:spPr>
+          <a:xfrm flipH="1" flipV="1">
+            <a:off x="2961084" y="2586833"/>
+            <a:ext cx="540147" cy="138652"/>
+          </a:xfrm>
+          <a:prstGeom prst="straightConnector1">
+            <a:avLst/>
+          </a:prstGeom>
+          <a:ln>
+            <a:tailEnd type="triangle"/>
+          </a:ln>
+        </p:spPr>
+        <p:style>
+          <a:lnRef idx="2">
+            <a:schemeClr val="accent1"/>
+          </a:lnRef>
+          <a:fillRef idx="0">
+            <a:schemeClr val="accent1"/>
+          </a:fillRef>
+          <a:effectRef idx="1">
+            <a:schemeClr val="accent1"/>
+          </a:effectRef>
+          <a:fontRef idx="minor">
+            <a:schemeClr val="tx1"/>
+          </a:fontRef>
+        </p:style>
+      </p:cxnSp>
+      <p:cxnSp>
+        <p:nvCxnSpPr>
+          <p:cNvPr id="43" name="Прямая со стрелкой 42"/>
+          <p:cNvCxnSpPr>
+            <a:stCxn id="19" idx="1"/>
+            <a:endCxn id="15" idx="3"/>
+          </p:cNvCxnSpPr>
+          <p:nvPr/>
+        </p:nvCxnSpPr>
+        <p:spPr>
+          <a:xfrm flipH="1" flipV="1">
+            <a:off x="1662514" y="2038858"/>
+            <a:ext cx="1227529" cy="940627"/>
+          </a:xfrm>
+          <a:prstGeom prst="straightConnector1">
+            <a:avLst/>
+          </a:prstGeom>
+          <a:ln>
+            <a:tailEnd type="triangle"/>
+          </a:ln>
+        </p:spPr>
+        <p:style>
+          <a:lnRef idx="2">
+            <a:schemeClr val="accent1"/>
+          </a:lnRef>
+          <a:fillRef idx="0">
+            <a:schemeClr val="accent1"/>
+          </a:fillRef>
+          <a:effectRef idx="1">
+            <a:schemeClr val="accent1"/>
+          </a:effectRef>
+          <a:fontRef idx="minor">
+            <a:schemeClr val="tx1"/>
+          </a:fontRef>
+        </p:style>
+      </p:cxnSp>
+      <p:cxnSp>
+        <p:nvCxnSpPr>
+          <p:cNvPr id="45" name="Прямая со стрелкой 44"/>
+          <p:cNvCxnSpPr>
+            <a:stCxn id="19" idx="1"/>
+            <a:endCxn id="16" idx="3"/>
+          </p:cNvCxnSpPr>
+          <p:nvPr/>
+        </p:nvCxnSpPr>
+        <p:spPr>
+          <a:xfrm flipH="1">
+            <a:off x="1662514" y="2979485"/>
+            <a:ext cx="1227529" cy="92739"/>
+          </a:xfrm>
+          <a:prstGeom prst="straightConnector1">
+            <a:avLst/>
+          </a:prstGeom>
+          <a:ln>
+            <a:tailEnd type="triangle"/>
+          </a:ln>
+        </p:spPr>
+        <p:style>
+          <a:lnRef idx="2">
+            <a:schemeClr val="accent1"/>
+          </a:lnRef>
+          <a:fillRef idx="0">
+            <a:schemeClr val="accent1"/>
+          </a:fillRef>
+          <a:effectRef idx="1">
+            <a:schemeClr val="accent1"/>
+          </a:effectRef>
+          <a:fontRef idx="minor">
+            <a:schemeClr val="tx1"/>
+          </a:fontRef>
+        </p:style>
+      </p:cxnSp>
+      <p:cxnSp>
+        <p:nvCxnSpPr>
+          <p:cNvPr id="47" name="Прямая со стрелкой 46"/>
+          <p:cNvCxnSpPr>
+            <a:stCxn id="17" idx="3"/>
+            <a:endCxn id="13" idx="1"/>
+          </p:cNvCxnSpPr>
+          <p:nvPr/>
+        </p:nvCxnSpPr>
+        <p:spPr>
+          <a:xfrm flipV="1">
+            <a:off x="3572271" y="1311021"/>
+            <a:ext cx="828279" cy="1021812"/>
+          </a:xfrm>
+          <a:prstGeom prst="straightConnector1">
+            <a:avLst/>
+          </a:prstGeom>
+          <a:ln>
+            <a:tailEnd type="triangle"/>
+          </a:ln>
+        </p:spPr>
+        <p:style>
+          <a:lnRef idx="2">
+            <a:schemeClr val="accent1"/>
+          </a:lnRef>
+          <a:fillRef idx="0">
+            <a:schemeClr val="accent1"/>
+          </a:fillRef>
+          <a:effectRef idx="1">
+            <a:schemeClr val="accent1"/>
+          </a:effectRef>
+          <a:fontRef idx="minor">
+            <a:schemeClr val="tx1"/>
+          </a:fontRef>
+        </p:style>
+      </p:cxnSp>
+      <p:cxnSp>
+        <p:nvCxnSpPr>
+          <p:cNvPr id="49" name="Прямая со стрелкой 48"/>
+          <p:cNvCxnSpPr>
+            <a:stCxn id="17" idx="3"/>
+            <a:endCxn id="8" idx="1"/>
+          </p:cNvCxnSpPr>
+          <p:nvPr/>
+        </p:nvCxnSpPr>
+        <p:spPr>
+          <a:xfrm>
+            <a:off x="3572271" y="2332833"/>
+            <a:ext cx="1917306" cy="804893"/>
+          </a:xfrm>
+          <a:prstGeom prst="straightConnector1">
+            <a:avLst/>
+          </a:prstGeom>
+          <a:ln>
+            <a:tailEnd type="triangle"/>
+          </a:ln>
+        </p:spPr>
+        <p:style>
+          <a:lnRef idx="2">
+            <a:schemeClr val="accent1"/>
+          </a:lnRef>
+          <a:fillRef idx="0">
+            <a:schemeClr val="accent1"/>
+          </a:fillRef>
+          <a:effectRef idx="1">
+            <a:schemeClr val="accent1"/>
+          </a:effectRef>
+          <a:fontRef idx="minor">
+            <a:schemeClr val="tx1"/>
+          </a:fontRef>
+        </p:style>
+      </p:cxnSp>
+      <p:cxnSp>
+        <p:nvCxnSpPr>
+          <p:cNvPr id="51" name="Прямая со стрелкой 50"/>
+          <p:cNvCxnSpPr>
+            <a:stCxn id="17" idx="3"/>
+            <a:endCxn id="12" idx="1"/>
+          </p:cNvCxnSpPr>
+          <p:nvPr/>
+        </p:nvCxnSpPr>
+        <p:spPr>
+          <a:xfrm flipV="1">
+            <a:off x="3572271" y="2004568"/>
+            <a:ext cx="1142606" cy="328265"/>
+          </a:xfrm>
+          <a:prstGeom prst="straightConnector1">
+            <a:avLst/>
+          </a:prstGeom>
+          <a:ln>
+            <a:tailEnd type="triangle"/>
+          </a:ln>
+        </p:spPr>
+        <p:style>
+          <a:lnRef idx="2">
+            <a:schemeClr val="accent1"/>
+          </a:lnRef>
+          <a:fillRef idx="0">
+            <a:schemeClr val="accent1"/>
+          </a:fillRef>
+          <a:effectRef idx="1">
+            <a:schemeClr val="accent1"/>
+          </a:effectRef>
+          <a:fontRef idx="minor">
+            <a:schemeClr val="tx1"/>
+          </a:fontRef>
+        </p:style>
+      </p:cxnSp>
+      <p:cxnSp>
+        <p:nvCxnSpPr>
+          <p:cNvPr id="64" name="Прямая со стрелкой 63"/>
+          <p:cNvCxnSpPr>
+            <a:stCxn id="17" idx="2"/>
+            <a:endCxn id="7" idx="0"/>
+          </p:cNvCxnSpPr>
+          <p:nvPr/>
+        </p:nvCxnSpPr>
+        <p:spPr>
+          <a:xfrm flipH="1">
+            <a:off x="1191411" y="2586833"/>
+            <a:ext cx="1769673" cy="1119632"/>
+          </a:xfrm>
+          <a:prstGeom prst="straightConnector1">
+            <a:avLst/>
+          </a:prstGeom>
+          <a:ln>
+            <a:tailEnd type="triangle"/>
+          </a:ln>
+        </p:spPr>
+        <p:style>
+          <a:lnRef idx="2">
+            <a:schemeClr val="accent1"/>
+          </a:lnRef>
+          <a:fillRef idx="0">
+            <a:schemeClr val="accent1"/>
+          </a:fillRef>
+          <a:effectRef idx="1">
+            <a:schemeClr val="accent1"/>
+          </a:effectRef>
+          <a:fontRef idx="minor">
+            <a:schemeClr val="tx1"/>
+          </a:fontRef>
+        </p:style>
+      </p:cxnSp>
+      <p:cxnSp>
+        <p:nvCxnSpPr>
+          <p:cNvPr id="66" name="Прямая со стрелкой 65"/>
+          <p:cNvCxnSpPr>
+            <a:stCxn id="17" idx="2"/>
+            <a:endCxn id="6" idx="0"/>
+          </p:cNvCxnSpPr>
+          <p:nvPr/>
+        </p:nvCxnSpPr>
+        <p:spPr>
+          <a:xfrm>
+            <a:off x="2961084" y="2586833"/>
+            <a:ext cx="1675209" cy="104615"/>
+          </a:xfrm>
+          <a:prstGeom prst="straightConnector1">
+            <a:avLst/>
+          </a:prstGeom>
+          <a:ln>
+            <a:tailEnd type="triangle"/>
+          </a:ln>
+        </p:spPr>
+        <p:style>
+          <a:lnRef idx="2">
+            <a:schemeClr val="accent1"/>
+          </a:lnRef>
+          <a:fillRef idx="0">
+            <a:schemeClr val="accent1"/>
+          </a:fillRef>
+          <a:effectRef idx="1">
+            <a:schemeClr val="accent1"/>
+          </a:effectRef>
+          <a:fontRef idx="minor">
+            <a:schemeClr val="tx1"/>
+          </a:fontRef>
+        </p:style>
+      </p:cxnSp>
+      <p:cxnSp>
+        <p:nvCxnSpPr>
+          <p:cNvPr id="68" name="Прямая со стрелкой 67"/>
+          <p:cNvCxnSpPr>
+            <a:stCxn id="17" idx="3"/>
+            <a:endCxn id="17" idx="3"/>
+          </p:cNvCxnSpPr>
+          <p:nvPr/>
+        </p:nvCxnSpPr>
+        <p:spPr>
+          <a:xfrm>
+            <a:off x="3572271" y="2332833"/>
+            <a:ext cx="0" cy="0"/>
+          </a:xfrm>
+          <a:prstGeom prst="straightConnector1">
+            <a:avLst/>
+          </a:prstGeom>
+          <a:ln>
+            <a:tailEnd type="triangle"/>
+          </a:ln>
+        </p:spPr>
+        <p:style>
+          <a:lnRef idx="2">
+            <a:schemeClr val="accent1"/>
+          </a:lnRef>
+          <a:fillRef idx="0">
+            <a:schemeClr val="accent1"/>
+          </a:fillRef>
+          <a:effectRef idx="1">
+            <a:schemeClr val="accent1"/>
+          </a:effectRef>
+          <a:fontRef idx="minor">
+            <a:schemeClr val="tx1"/>
+          </a:fontRef>
+        </p:style>
+      </p:cxnSp>
+      <p:cxnSp>
+        <p:nvCxnSpPr>
+          <p:cNvPr id="70" name="Прямая со стрелкой 69"/>
+          <p:cNvCxnSpPr>
+            <a:stCxn id="18" idx="2"/>
+            <a:endCxn id="9" idx="0"/>
+          </p:cNvCxnSpPr>
+          <p:nvPr/>
+        </p:nvCxnSpPr>
+        <p:spPr>
+          <a:xfrm>
+            <a:off x="4258469" y="3919347"/>
+            <a:ext cx="1427956" cy="243049"/>
+          </a:xfrm>
+          <a:prstGeom prst="straightConnector1">
+            <a:avLst/>
+          </a:prstGeom>
+          <a:ln>
+            <a:tailEnd type="triangle"/>
+          </a:ln>
+        </p:spPr>
+        <p:style>
+          <a:lnRef idx="2">
+            <a:schemeClr val="accent1"/>
+          </a:lnRef>
+          <a:fillRef idx="0">
+            <a:schemeClr val="accent1"/>
+          </a:fillRef>
+          <a:effectRef idx="1">
+            <a:schemeClr val="accent1"/>
+          </a:effectRef>
+          <a:fontRef idx="minor">
+            <a:schemeClr val="tx1"/>
+          </a:fontRef>
+        </p:style>
+      </p:cxnSp>
+      <p:cxnSp>
+        <p:nvCxnSpPr>
+          <p:cNvPr id="74" name="Прямая со стрелкой 73"/>
+          <p:cNvCxnSpPr>
+            <a:stCxn id="18" idx="0"/>
+            <a:endCxn id="11" idx="2"/>
+          </p:cNvCxnSpPr>
+          <p:nvPr/>
+        </p:nvCxnSpPr>
+        <p:spPr>
+          <a:xfrm flipH="1" flipV="1">
+            <a:off x="3340099" y="1346168"/>
+            <a:ext cx="918370" cy="2065179"/>
+          </a:xfrm>
+          <a:prstGeom prst="straightConnector1">
+            <a:avLst/>
+          </a:prstGeom>
+          <a:ln>
+            <a:tailEnd type="triangle"/>
+          </a:ln>
+        </p:spPr>
+        <p:style>
+          <a:lnRef idx="2">
+            <a:schemeClr val="accent1"/>
+          </a:lnRef>
+          <a:fillRef idx="0">
+            <a:schemeClr val="accent1"/>
+          </a:fillRef>
+          <a:effectRef idx="1">
+            <a:schemeClr val="accent1"/>
+          </a:effectRef>
+          <a:fontRef idx="minor">
+            <a:schemeClr val="tx1"/>
+          </a:fontRef>
+        </p:style>
+      </p:cxnSp>
+      <p:cxnSp>
+        <p:nvCxnSpPr>
+          <p:cNvPr id="78" name="Прямая со стрелкой 77"/>
+          <p:cNvCxnSpPr>
+            <a:stCxn id="17" idx="3"/>
+            <a:endCxn id="10" idx="1"/>
+          </p:cNvCxnSpPr>
+          <p:nvPr/>
+        </p:nvCxnSpPr>
+        <p:spPr>
+          <a:xfrm>
+            <a:off x="3572271" y="2332833"/>
+            <a:ext cx="1907786" cy="245999"/>
+          </a:xfrm>
+          <a:prstGeom prst="straightConnector1">
+            <a:avLst/>
+          </a:prstGeom>
+          <a:ln>
+            <a:tailEnd type="triangle"/>
+          </a:ln>
+        </p:spPr>
+        <p:style>
+          <a:lnRef idx="2">
+            <a:schemeClr val="accent1"/>
+          </a:lnRef>
+          <a:fillRef idx="0">
+            <a:schemeClr val="accent1"/>
+          </a:fillRef>
+          <a:effectRef idx="1">
+            <a:schemeClr val="accent1"/>
+          </a:effectRef>
+          <a:fontRef idx="minor">
+            <a:schemeClr val="tx1"/>
+          </a:fontRef>
+        </p:style>
+      </p:cxnSp>
+      <p:sp>
+        <p:nvSpPr>
+          <p:cNvPr id="79" name="Прямоугольник 78"/>
+          <p:cNvSpPr/>
+          <p:nvPr/>
+        </p:nvSpPr>
+        <p:spPr>
+          <a:xfrm>
+            <a:off x="1736326" y="4204496"/>
+            <a:ext cx="1222375" cy="508000"/>
+          </a:xfrm>
+          <a:prstGeom prst="rect">
+            <a:avLst/>
+          </a:prstGeom>
+          <a:solidFill>
+            <a:schemeClr val="accent4"/>
+          </a:solidFill>
+          <a:ln>
+            <a:solidFill>
+              <a:schemeClr val="tx1"/>
+            </a:solidFill>
+          </a:ln>
+          <a:effectLst/>
+        </p:spPr>
+        <p:style>
+          <a:lnRef idx="1">
+            <a:schemeClr val="accent1"/>
+          </a:lnRef>
+          <a:fillRef idx="3">
+            <a:schemeClr val="accent1"/>
+          </a:fillRef>
+          <a:effectRef idx="2">
+            <a:schemeClr val="accent1"/>
+          </a:effectRef>
+          <a:fontRef idx="minor">
+            <a:schemeClr val="lt1"/>
+          </a:fontRef>
+        </p:style>
+        <p:txBody>
+          <a:bodyPr rtlCol="0" anchor="ctr"/>
+          <a:lstStyle/>
+          <a:p>
+            <a:pPr algn="ctr"/>
+            <a:r>
+              <a:rPr lang="en-US" dirty="0" smtClean="0"/>
+              <a:t>Notifications</a:t>
+            </a:r>
+            <a:endParaRPr lang="ru-RU" dirty="0"/>
+          </a:p>
+        </p:txBody>
+      </p:sp>
+      <p:cxnSp>
+        <p:nvCxnSpPr>
+          <p:cNvPr id="81" name="Прямая со стрелкой 80"/>
+          <p:cNvCxnSpPr>
+            <a:stCxn id="18" idx="2"/>
+            <a:endCxn id="79" idx="0"/>
+          </p:cNvCxnSpPr>
+          <p:nvPr/>
+        </p:nvCxnSpPr>
+        <p:spPr>
+          <a:xfrm flipH="1">
+            <a:off x="2347514" y="3919347"/>
+            <a:ext cx="1910955" cy="285149"/>
+          </a:xfrm>
+          <a:prstGeom prst="straightConnector1">
+            <a:avLst/>
+          </a:prstGeom>
+          <a:ln>
+            <a:tailEnd type="triangle"/>
+          </a:ln>
+        </p:spPr>
+        <p:style>
+          <a:lnRef idx="2">
+            <a:schemeClr val="accent1"/>
+          </a:lnRef>
+          <a:fillRef idx="0">
+            <a:schemeClr val="accent1"/>
+          </a:fillRef>
+          <a:effectRef idx="1">
+            <a:schemeClr val="accent1"/>
+          </a:effectRef>
+          <a:fontRef idx="minor">
+            <a:schemeClr val="tx1"/>
+          </a:fontRef>
+        </p:style>
+      </p:cxnSp>
+      <p:cxnSp>
+        <p:nvCxnSpPr>
+          <p:cNvPr id="83" name="Прямая со стрелкой 82"/>
+          <p:cNvCxnSpPr>
+            <a:stCxn id="17" idx="2"/>
+            <a:endCxn id="79" idx="0"/>
+          </p:cNvCxnSpPr>
+          <p:nvPr/>
+        </p:nvCxnSpPr>
+        <p:spPr>
+          <a:xfrm flipH="1">
+            <a:off x="2347514" y="2586833"/>
+            <a:ext cx="613570" cy="1617663"/>
+          </a:xfrm>
+          <a:prstGeom prst="straightConnector1">
+            <a:avLst/>
+          </a:prstGeom>
+          <a:ln>
+            <a:tailEnd type="triangle"/>
+          </a:ln>
+        </p:spPr>
+        <p:style>
+          <a:lnRef idx="2">
+            <a:schemeClr val="accent1"/>
+          </a:lnRef>
+          <a:fillRef idx="0">
+            <a:schemeClr val="accent1"/>
+          </a:fillRef>
+          <a:effectRef idx="1">
+            <a:schemeClr val="accent1"/>
+          </a:effectRef>
+          <a:fontRef idx="minor">
+            <a:schemeClr val="tx1"/>
+          </a:fontRef>
+        </p:style>
+      </p:cxnSp>
+    </p:spTree>
+    <p:extLst>
+      <p:ext uri="{BB962C8B-B14F-4D97-AF65-F5344CB8AC3E}">
+        <p14:creationId xmlns:p14="http://schemas.microsoft.com/office/powerpoint/2010/main" val="1126298809"/>
+      </p:ext>
+    </p:extLst>
+  </p:cSld>
+  <p:clrMapOvr>
+    <a:masterClrMapping/>
+  </p:clrMapOvr>
+</p:sld>
+</file>
+
+<file path=ppt/slides/slide32.xml><?xml version="1.0" encoding="utf-8"?>
+<p:sld xmlns:a="http://schemas.openxmlformats.org/drawingml/2006/main" xmlns:r="http://schemas.openxmlformats.org/officeDocument/2006/relationships" xmlns:p="http://schemas.openxmlformats.org/presentationml/2006/main">
+  <p:cSld>
+    <p:spTree>
+      <p:nvGrpSpPr>
+        <p:cNvPr id="1" name=""/>
+        <p:cNvGrpSpPr/>
+        <p:nvPr/>
+      </p:nvGrpSpPr>
+      <p:grpSpPr>
+        <a:xfrm>
+          <a:off x="0" y="0"/>
+          <a:ext cx="0" cy="0"/>
+          <a:chOff x="0" y="0"/>
+          <a:chExt cx="0" cy="0"/>
+        </a:xfrm>
+      </p:grpSpPr>
+      <p:sp>
+        <p:nvSpPr>
+          <p:cNvPr id="3" name="Text Placeholder 2"/>
+          <p:cNvSpPr>
+            <a:spLocks noGrp="1"/>
+          </p:cNvSpPr>
+          <p:nvPr>
+            <p:ph type="body" sz="quarter" idx="11"/>
+          </p:nvPr>
+        </p:nvSpPr>
+        <p:spPr/>
+        <p:txBody>
+          <a:bodyPr/>
+          <a:lstStyle/>
+          <a:p>
+            <a:r>
+              <a:rPr lang="en-US" dirty="0" smtClean="0"/>
+              <a:t>When to use </a:t>
+            </a:r>
+            <a:r>
+              <a:rPr lang="en-US" dirty="0" err="1" smtClean="0"/>
+              <a:t>Microservices</a:t>
+            </a:r>
+            <a:endParaRPr lang="en-US" dirty="0"/>
+          </a:p>
+        </p:txBody>
+      </p:sp>
+      <p:sp>
+        <p:nvSpPr>
+          <p:cNvPr id="4" name="Прямоугольник 3"/>
+          <p:cNvSpPr/>
+          <p:nvPr/>
+        </p:nvSpPr>
+        <p:spPr>
+          <a:xfrm>
+            <a:off x="120937" y="685172"/>
+            <a:ext cx="6465601" cy="3539430"/>
+          </a:xfrm>
+          <a:prstGeom prst="rect">
+            <a:avLst/>
+          </a:prstGeom>
+        </p:spPr>
+        <p:txBody>
+          <a:bodyPr wrap="square">
+            <a:spAutoFit/>
+          </a:bodyPr>
+          <a:lstStyle/>
+          <a:p>
+            <a:pPr marL="571500" indent="-571500">
+              <a:lnSpc>
+                <a:spcPct val="200000"/>
+              </a:lnSpc>
+              <a:buClr>
+                <a:schemeClr val="accent3">
+                  <a:lumMod val="75000"/>
+                </a:schemeClr>
+              </a:buClr>
+              <a:buFont typeface="Arial" pitchFamily="34" charset="0"/>
+              <a:buChar char="•"/>
+            </a:pPr>
+            <a:r>
+              <a:rPr lang="en-US" sz="2800" dirty="0" smtClean="0">
+                <a:solidFill>
+                  <a:srgbClr val="444444"/>
+                </a:solidFill>
+                <a:cs typeface="Trebuchet MS"/>
+              </a:rPr>
+              <a:t>System is too big</a:t>
+            </a:r>
+            <a:endParaRPr lang="ru-RU" sz="2800" dirty="0">
+              <a:solidFill>
+                <a:srgbClr val="444444"/>
+              </a:solidFill>
+              <a:cs typeface="Trebuchet MS"/>
+            </a:endParaRPr>
+          </a:p>
+          <a:p>
+            <a:pPr marL="571500" indent="-571500">
+              <a:lnSpc>
+                <a:spcPct val="200000"/>
+              </a:lnSpc>
+              <a:buClr>
+                <a:schemeClr val="accent3">
+                  <a:lumMod val="75000"/>
+                </a:schemeClr>
+              </a:buClr>
+              <a:buFont typeface="Arial" pitchFamily="34" charset="0"/>
+              <a:buChar char="•"/>
+            </a:pPr>
+            <a:r>
+              <a:rPr lang="en-US" sz="2800" dirty="0" smtClean="0">
+                <a:solidFill>
+                  <a:srgbClr val="444444"/>
+                </a:solidFill>
+                <a:cs typeface="Trebuchet MS"/>
+              </a:rPr>
+              <a:t>Team is too big</a:t>
+            </a:r>
+            <a:endParaRPr lang="ru-RU" sz="2800" dirty="0">
+              <a:solidFill>
+                <a:srgbClr val="444444"/>
+              </a:solidFill>
+              <a:cs typeface="Trebuchet MS"/>
+            </a:endParaRPr>
+          </a:p>
+          <a:p>
+            <a:pPr marL="571500" indent="-571500">
+              <a:lnSpc>
+                <a:spcPct val="200000"/>
+              </a:lnSpc>
+              <a:buClr>
+                <a:schemeClr val="accent3">
+                  <a:lumMod val="75000"/>
+                </a:schemeClr>
+              </a:buClr>
+              <a:buFont typeface="Arial" pitchFamily="34" charset="0"/>
+              <a:buChar char="•"/>
+            </a:pPr>
+            <a:r>
+              <a:rPr lang="en-US" sz="2800" dirty="0" smtClean="0">
+                <a:solidFill>
+                  <a:srgbClr val="444444"/>
+                </a:solidFill>
+                <a:cs typeface="Trebuchet MS"/>
+              </a:rPr>
+              <a:t>System is too complicated</a:t>
+            </a:r>
+            <a:endParaRPr lang="ru-RU" sz="2800" dirty="0">
+              <a:solidFill>
+                <a:srgbClr val="444444"/>
+              </a:solidFill>
+              <a:cs typeface="Trebuchet MS"/>
+            </a:endParaRPr>
+          </a:p>
+          <a:p>
+            <a:pPr marL="571500" indent="-571500">
+              <a:lnSpc>
+                <a:spcPct val="200000"/>
+              </a:lnSpc>
+              <a:buClr>
+                <a:schemeClr val="accent3">
+                  <a:lumMod val="75000"/>
+                </a:schemeClr>
+              </a:buClr>
+              <a:buFont typeface="Arial" pitchFamily="34" charset="0"/>
+              <a:buChar char="•"/>
+            </a:pPr>
+            <a:r>
+              <a:rPr lang="en-US" sz="2800" dirty="0" smtClean="0">
+                <a:solidFill>
+                  <a:srgbClr val="444444"/>
+                </a:solidFill>
+                <a:cs typeface="Trebuchet MS"/>
+              </a:rPr>
+              <a:t>System is too new</a:t>
+            </a:r>
+            <a:endParaRPr lang="ru-RU" sz="2800" dirty="0">
+              <a:solidFill>
+                <a:srgbClr val="444444"/>
+              </a:solidFill>
+              <a:cs typeface="Trebuchet MS"/>
+            </a:endParaRPr>
+          </a:p>
+        </p:txBody>
+      </p:sp>
+    </p:spTree>
+    <p:extLst>
+      <p:ext uri="{BB962C8B-B14F-4D97-AF65-F5344CB8AC3E}">
+        <p14:creationId xmlns:p14="http://schemas.microsoft.com/office/powerpoint/2010/main" val="312215911"/>
+      </p:ext>
+    </p:extLst>
+  </p:cSld>
+  <p:clrMapOvr>
+    <a:masterClrMapping/>
+  </p:clrMapOvr>
+  <p:timing>
+    <p:tnLst>
+      <p:par>
+        <p:cTn id="1" dur="indefinite" restart="never" nodeType="tmRoot"/>
+      </p:par>
+    </p:tnLst>
+  </p:timing>
+</p:sld>
+</file>
+
+<file path=ppt/slides/slide33.xml><?xml version="1.0" encoding="utf-8"?>
+<p:sld xmlns:a="http://schemas.openxmlformats.org/drawingml/2006/main" xmlns:r="http://schemas.openxmlformats.org/officeDocument/2006/relationships" xmlns:p="http://schemas.openxmlformats.org/presentationml/2006/main">
+  <p:cSld>
+    <p:spTree>
+      <p:nvGrpSpPr>
+        <p:cNvPr id="1" name=""/>
+        <p:cNvGrpSpPr/>
+        <p:nvPr/>
+      </p:nvGrpSpPr>
+      <p:grpSpPr>
+        <a:xfrm>
+          <a:off x="0" y="0"/>
+          <a:ext cx="0" cy="0"/>
+          <a:chOff x="0" y="0"/>
+          <a:chExt cx="0" cy="0"/>
+        </a:xfrm>
+      </p:grpSpPr>
+      <p:pic>
+        <p:nvPicPr>
           <p:cNvPr id="42" name="Picture 2" descr="http://www.voxmagazine.com/wp-content/uploads/2014/09/QA.png"/>
           <p:cNvPicPr>
             <a:picLocks noChangeAspect="1" noChangeArrowheads="1"/>
@@ -29854,7 +32930,7 @@
 </p:sld>
 </file>
 
-<file path=ppt/slides/slide31.xml><?xml version="1.0" encoding="utf-8"?>
+<file path=ppt/slides/slide34.xml><?xml version="1.0" encoding="utf-8"?>
 <p:sld xmlns:a="http://schemas.openxmlformats.org/drawingml/2006/main" xmlns:r="http://schemas.openxmlformats.org/officeDocument/2006/relationships" xmlns:p="http://schemas.openxmlformats.org/presentationml/2006/main">
   <p:cSld>
     <p:spTree>
@@ -30169,7 +33245,6 @@
               <a:rPr lang="en-US" dirty="0"/>
               <a:t>Infrastructure</a:t>
             </a:r>
-            <a:endParaRPr lang="en-US" dirty="0"/>
           </a:p>
         </p:txBody>
       </p:sp>
@@ -32700,21 +35775,21 @@
 </file>
 
 <file path=customXml/item2.xml><?xml version="1.0" encoding="utf-8"?>
+<?mso-contentType ?>
+<FormTemplates xmlns="http://schemas.microsoft.com/sharepoint/v3/contenttype/forms">
+  <Display>DocumentLibraryForm</Display>
+  <Edit>DocumentLibraryForm</Edit>
+  <New>DocumentLibraryForm</New>
+</FormTemplates>
+</file>
+
+<file path=customXml/item3.xml><?xml version="1.0" encoding="utf-8"?>
 <p:properties xmlns:p="http://schemas.microsoft.com/office/2006/metadata/properties" xmlns:xsi="http://www.w3.org/2001/XMLSchema-instance" xmlns:pc="http://schemas.microsoft.com/office/infopath/2007/PartnerControls">
   <documentManagement>
     <PublishingExpirationDate xmlns="http://schemas.microsoft.com/sharepoint/v3" xsi:nil="true"/>
     <PublishingStartDate xmlns="http://schemas.microsoft.com/sharepoint/v3" xsi:nil="true"/>
   </documentManagement>
 </p:properties>
-</file>
-
-<file path=customXml/item3.xml><?xml version="1.0" encoding="utf-8"?>
-<?mso-contentType ?>
-<FormTemplates xmlns="http://schemas.microsoft.com/sharepoint/v3/contenttype/forms">
-  <Display>DocumentLibraryForm</Display>
-  <Edit>DocumentLibraryForm</Edit>
-  <New>DocumentLibraryForm</New>
-</FormTemplates>
 </file>
 
 <file path=customXml/itemProps1.xml><?xml version="1.0" encoding="utf-8"?>
@@ -32736,6 +35811,14 @@
 </file>
 
 <file path=customXml/itemProps2.xml><?xml version="1.0" encoding="utf-8"?>
+<ds:datastoreItem xmlns:ds="http://schemas.openxmlformats.org/officeDocument/2006/customXml" ds:itemID="{14883F0F-DE57-4ECA-B9BB-F22E8C5B5D82}">
+  <ds:schemaRefs>
+    <ds:schemaRef ds:uri="http://schemas.microsoft.com/sharepoint/v3/contenttype/forms"/>
+  </ds:schemaRefs>
+</ds:datastoreItem>
+</file>
+
+<file path=customXml/itemProps3.xml><?xml version="1.0" encoding="utf-8"?>
 <ds:datastoreItem xmlns:ds="http://schemas.openxmlformats.org/officeDocument/2006/customXml" ds:itemID="{D5E3C081-4081-47AD-A9A6-9F18F525DA1D}">
   <ds:schemaRefs>
     <ds:schemaRef ds:uri="http://schemas.microsoft.com/office/2006/documentManagement/types"/>
@@ -32749,12 +35832,4 @@
     <ds:schemaRef ds:uri="http://purl.org/dc/elements/1.1/"/>
   </ds:schemaRefs>
 </ds:datastoreItem>
-</file>
-
-<file path=customXml/itemProps3.xml><?xml version="1.0" encoding="utf-8"?>
-<ds:datastoreItem xmlns:ds="http://schemas.openxmlformats.org/officeDocument/2006/customXml" ds:itemID="{14883F0F-DE57-4ECA-B9BB-F22E8C5B5D82}">
-  <ds:schemaRefs>
-    <ds:schemaRef ds:uri="http://schemas.microsoft.com/sharepoint/v3/contenttype/forms"/>
-  </ds:schemaRefs>
-</ds:datastoreItem>
 </file>
--- a/MicroservicesITWeek2017.pptx
+++ b/MicroservicesITWeek2017.pptx
@@ -550,7 +550,7 @@
             <a:fld id="{7F5E9BF7-95E4-A242-BA1D-05FDCF603BE6}" type="datetime1">
               <a:rPr lang="en-US" smtClean="0"/>
               <a:pPr/>
-              <a:t>3/14/2017</a:t>
+              <a:t>3/16/2017</a:t>
             </a:fld>
             <a:endParaRPr lang="en-US"/>
           </a:p>
@@ -718,7 +718,7 @@
             <a:fld id="{165DBCB1-0306-AD41-9452-11E7C08D5C04}" type="datetime1">
               <a:rPr lang="en-US" smtClean="0"/>
               <a:pPr/>
-              <a:t>3/14/2017</a:t>
+              <a:t>3/16/2017</a:t>
             </a:fld>
             <a:endParaRPr lang="en-US"/>
           </a:p>
@@ -1224,7 +1224,11 @@
             </a:r>
             <a:r>
               <a:rPr lang="en-US" baseline="0" dirty="0" smtClean="0"/>
-              <a:t> interaction is usually used for read operation in CRUD cycle.</a:t>
+              <a:t> interaction is usually used for read operation in </a:t>
+            </a:r>
+            <a:r>
+              <a:rPr lang="en-US" baseline="0" dirty="0" smtClean="0"/>
+              <a:t>because we need to show the results of right away to user</a:t>
             </a:r>
             <a:endParaRPr lang="en-US" dirty="0" smtClean="0"/>
           </a:p>
@@ -1451,7 +1455,15 @@
             </a:r>
             <a:r>
               <a:rPr lang="en-US" baseline="0" dirty="0" smtClean="0"/>
-              <a:t> maintenance in case of issues.</a:t>
+              <a:t> </a:t>
+            </a:r>
+            <a:r>
+              <a:rPr lang="en-US" baseline="0" dirty="0" smtClean="0"/>
+              <a:t>support in </a:t>
+            </a:r>
+            <a:r>
+              <a:rPr lang="en-US" baseline="0" dirty="0" smtClean="0"/>
+              <a:t>case of issues.</a:t>
             </a:r>
           </a:p>
           <a:p>
@@ -2058,7 +2070,45 @@
             </a:r>
             <a:r>
               <a:rPr lang="en-US" baseline="0" dirty="0" smtClean="0"/>
-              <a:t> message to the client that processing is complete</a:t>
+              <a:t> message to </a:t>
+            </a:r>
+            <a:r>
+              <a:rPr lang="en-US" baseline="0" dirty="0" err="1" smtClean="0"/>
+              <a:t>th.e</a:t>
+            </a:r>
+            <a:r>
+              <a:rPr lang="en-US" baseline="0" dirty="0" smtClean="0"/>
+              <a:t> </a:t>
+            </a:r>
+            <a:r>
+              <a:rPr lang="en-US" baseline="0" dirty="0" smtClean="0"/>
+              <a:t>client that processing is </a:t>
+            </a:r>
+            <a:r>
+              <a:rPr lang="en-US" baseline="0" dirty="0" smtClean="0"/>
+              <a:t>complete.</a:t>
+            </a:r>
+          </a:p>
+          <a:p>
+            <a:r>
+              <a:rPr lang="en-US" baseline="0" dirty="0" smtClean="0"/>
+              <a:t>With this scheme we have descriptors of request with processing statuses and so on </a:t>
+            </a:r>
+            <a:r>
+              <a:rPr lang="en-US" baseline="0" dirty="0" err="1" smtClean="0"/>
+              <a:t>on</a:t>
+            </a:r>
+            <a:r>
+              <a:rPr lang="en-US" baseline="0" dirty="0" smtClean="0"/>
+              <a:t> both sides. This can look like overhead, but this really help with digging into issues on the </a:t>
+            </a:r>
+            <a:r>
+              <a:rPr lang="en-US" baseline="0" dirty="0" err="1" smtClean="0"/>
+              <a:t>microservice</a:t>
+            </a:r>
+            <a:r>
+              <a:rPr lang="en-US" baseline="0" dirty="0" smtClean="0"/>
+              <a:t> side.</a:t>
             </a:r>
             <a:endParaRPr lang="en-US" dirty="0" smtClean="0"/>
           </a:p>
@@ -2147,8 +2197,17 @@
           <a:p>
             <a:r>
               <a:rPr lang="en-US" dirty="0" smtClean="0"/>
-              <a:t>Now lets talk about the failures</a:t>
-            </a:r>
+              <a:t>By distributed nature and due to amount of </a:t>
+            </a:r>
+            <a:r>
+              <a:rPr lang="en-US" dirty="0" err="1" smtClean="0"/>
+              <a:t>microservices</a:t>
+            </a:r>
+            <a:r>
+              <a:rPr lang="en-US" baseline="0" dirty="0" smtClean="0"/>
+              <a:t> they could be more fragile that a monolith</a:t>
+            </a:r>
+            <a:endParaRPr lang="en-US" dirty="0" smtClean="0"/>
           </a:p>
         </p:txBody>
       </p:sp>
@@ -2490,29 +2549,15 @@
           <a:p>
             <a:r>
               <a:rPr lang="en-US" dirty="0" smtClean="0"/>
-              <a:t>Talking about</a:t>
+              <a:t>So first of all w</a:t>
             </a:r>
             <a:r>
               <a:rPr lang="en-US" baseline="0" dirty="0" smtClean="0"/>
-              <a:t> failures on these types of interaction (sync and </a:t>
-            </a:r>
-            <a:r>
-              <a:rPr lang="en-US" baseline="0" dirty="0" err="1" smtClean="0"/>
-              <a:t>async</a:t>
+              <a:t>e </a:t>
             </a:r>
             <a:r>
               <a:rPr lang="en-US" baseline="0" dirty="0" smtClean="0"/>
-              <a:t>)</a:t>
-            </a:r>
-            <a:r>
-              <a:rPr lang="ru-RU" baseline="0" dirty="0" smtClean="0"/>
-              <a:t>:</a:t>
-            </a:r>
-          </a:p>
-          <a:p>
-            <a:r>
-              <a:rPr lang="en-US" baseline="0" dirty="0" smtClean="0"/>
-              <a:t>We should be ready for failure and design your application with expectation that if something can fail in this place, it will fail.</a:t>
+              <a:t>should be ready for failure and design your application with expectation that if something can fail in this place, it will fail.</a:t>
             </a:r>
           </a:p>
           <a:p>
@@ -2680,12 +2725,12 @@
               <a:t>Responsible in this case is developer, who need </a:t>
             </a:r>
             <a:r>
-              <a:rPr lang="en-US" baseline="0" dirty="0" err="1" smtClean="0"/>
-              <a:t>forsee</a:t>
-            </a:r>
-            <a:r>
               <a:rPr lang="en-US" baseline="0" dirty="0" smtClean="0"/>
-              <a:t> ??? and have ways to mitigate the issue</a:t>
+              <a:t>to predict and </a:t>
+            </a:r>
+            <a:r>
+              <a:rPr lang="en-US" baseline="0" dirty="0" smtClean="0"/>
+              <a:t>have ways to mitigate the issue</a:t>
             </a:r>
             <a:endParaRPr lang="en-US" dirty="0"/>
           </a:p>
@@ -3166,7 +3211,11 @@
           <a:p>
             <a:r>
               <a:rPr lang="en-US" dirty="0" smtClean="0"/>
-              <a:t>If the processing was unsuccessful, action is executed once again</a:t>
+              <a:t>If the processing was unsuccessful, action is executed </a:t>
+            </a:r>
+            <a:r>
+              <a:rPr lang="en-US" dirty="0" smtClean="0"/>
+              <a:t>again and again, up to X attempts</a:t>
             </a:r>
             <a:endParaRPr lang="en-US" dirty="0"/>
           </a:p>
@@ -3348,7 +3397,19 @@
             </a:r>
             <a:r>
               <a:rPr lang="en-US" baseline="0" dirty="0" smtClean="0"/>
-              <a:t> is monitored by support team and tries to fix the issue</a:t>
+              <a:t> is monitored by support team and </a:t>
+            </a:r>
+            <a:r>
+              <a:rPr lang="en-US" baseline="0" dirty="0" smtClean="0"/>
+              <a:t>who see the issue and tries </a:t>
+            </a:r>
+            <a:r>
+              <a:rPr lang="en-US" baseline="0" dirty="0" smtClean="0"/>
+              <a:t>to fix </a:t>
+            </a:r>
+            <a:r>
+              <a:rPr lang="en-US" baseline="0" dirty="0" smtClean="0"/>
+              <a:t>it</a:t>
             </a:r>
             <a:endParaRPr lang="en-US" dirty="0"/>
           </a:p>
@@ -3529,37 +3590,32 @@
           <a:lstStyle/>
           <a:p>
             <a:r>
-              <a:rPr lang="en-US" dirty="0" smtClean="0"/>
-              <a:t>Initially I wanted to speak</a:t>
-            </a:r>
-            <a:r>
               <a:rPr lang="en-US" baseline="0" dirty="0" smtClean="0"/>
-              <a:t> about scaling on this slide. And you probably would want to hear about scaling, how we dynamically add new servers, distribute the load etc.</a:t>
-            </a:r>
-          </a:p>
-          <a:p>
+              <a:t>One </a:t>
+            </a:r>
             <a:r>
               <a:rPr lang="en-US" baseline="0" dirty="0" smtClean="0"/>
-              <a:t>But in reality…</a:t>
+              <a:t>more good point in ensuring reliability of a system is failover.</a:t>
             </a:r>
           </a:p>
           <a:p>
             <a:r>
               <a:rPr lang="en-US" baseline="0" dirty="0" smtClean="0"/>
-              <a:t>In reality our applications are not targeted for huge loads and as result, high performance is not the major requirement for most of our applications. Instead, the major requirement is reliability (maybe this explains why the whole talk was devoted mainly to how handle failures and simplify system diagnostics).</a:t>
-            </a:r>
-          </a:p>
-          <a:p>
+              <a:t>For failover we use number 2. Each application or storage exists on production in </a:t>
+            </a:r>
+            <a:r>
+              <a:rPr lang="en-US" b="1" baseline="0" dirty="0" smtClean="0"/>
+              <a:t>two</a:t>
+            </a:r>
             <a:r>
               <a:rPr lang="en-US" baseline="0" dirty="0" smtClean="0"/>
-              <a:t>One more good point in ensuring reliability of a system is failover.</a:t>
-            </a:r>
-          </a:p>
-          <a:p>
+              <a:t> </a:t>
+            </a:r>
             <a:r>
               <a:rPr lang="en-US" baseline="0" dirty="0" smtClean="0"/>
-              <a:t>For failover we use number 2. Each application or storage exists on production in two instances</a:t>
-            </a:r>
+              <a:t>instances. And this relates to everything!</a:t>
+            </a:r>
+            <a:endParaRPr lang="en-US" baseline="0" dirty="0" smtClean="0"/>
           </a:p>
           <a:p>
             <a:r>
@@ -3806,13 +3862,34 @@
           <a:p>
             <a:r>
               <a:rPr lang="en-US" baseline="0" dirty="0" smtClean="0"/>
-              <a:t>First thing that is different – is orientation around??? Business capabilities</a:t>
-            </a:r>
-          </a:p>
-          <a:p>
+              <a:t>First thing that is different – </a:t>
+            </a:r>
             <a:r>
               <a:rPr lang="en-US" baseline="0" dirty="0" smtClean="0"/>
-              <a:t>With traditional approach team split into those who works with database,  business logic level, frontend level and so on.</a:t>
+              <a:t>it is oriented</a:t>
+            </a:r>
+          </a:p>
+          <a:p>
+            <a:pPr marL="0" marR="0" indent="0" algn="l" defTabSz="342900" rtl="0" eaLnBrk="1" fontAlgn="auto" latinLnBrk="0" hangingPunct="1">
+              <a:lnSpc>
+                <a:spcPct val="100000"/>
+              </a:lnSpc>
+              <a:spcBef>
+                <a:spcPts val="0"/>
+              </a:spcBef>
+              <a:spcAft>
+                <a:spcPts val="0"/>
+              </a:spcAft>
+              <a:buClrTx/>
+              <a:buSzTx/>
+              <a:buFontTx/>
+              <a:buNone/>
+              <a:tabLst/>
+              <a:defRPr/>
+            </a:pPr>
+            <a:r>
+              <a:rPr lang="en-US" baseline="0" dirty="0" smtClean="0"/>
+              <a:t>Separate services are created for different customer needs. They are created by separate teams, and each team is responsible for its own one. Including production support.</a:t>
             </a:r>
           </a:p>
           <a:p>
@@ -3821,6 +3898,16 @@
               <a:t>With </a:t>
             </a:r>
             <a:r>
+              <a:rPr lang="en-US" baseline="0" dirty="0" smtClean="0"/>
+              <a:t>traditional approach team split into those who works with database,  business logic level, frontend level and so on.</a:t>
+            </a:r>
+          </a:p>
+          <a:p>
+            <a:r>
+              <a:rPr lang="en-US" baseline="0" dirty="0" smtClean="0"/>
+              <a:t>With </a:t>
+            </a:r>
+            <a:r>
               <a:rPr lang="en-US" baseline="0" dirty="0" err="1" smtClean="0"/>
               <a:t>microservices</a:t>
             </a:r>
@@ -3832,43 +3919,15 @@
           <a:p>
             <a:r>
               <a:rPr lang="en-US" baseline="0" dirty="0" smtClean="0"/>
-              <a:t>So separate services are created for different customer needs. They are created by separate teams, and each team is responsible for its own one. Including production support.</a:t>
-            </a:r>
-          </a:p>
-          <a:p>
+              <a:t>Different </a:t>
+            </a:r>
             <a:r>
               <a:rPr lang="en-US" baseline="0" dirty="0" smtClean="0"/>
-              <a:t>Different issues raised on production, force team to create additional tools and applications to help to diagnose and maintain product. In our case, we created completely new additional application that was not even planned but helped us with support. It allows to </a:t>
-            </a:r>
-          </a:p>
-          <a:p>
-            <a:pPr marL="171450" indent="-171450">
-              <a:buFontTx/>
-              <a:buChar char="-"/>
-            </a:pPr>
+              <a:t>issues raised on production, force team to create additional tools and applications to help to diagnose and maintain product. In our case, we created completely new additional application that was not even planned but helped us with </a:t>
+            </a:r>
             <a:r>
               <a:rPr lang="en-US" baseline="0" dirty="0" smtClean="0"/>
-              <a:t>Look at inner state of system</a:t>
-            </a:r>
-          </a:p>
-          <a:p>
-            <a:pPr marL="171450" indent="-171450">
-              <a:buFontTx/>
-              <a:buChar char="-"/>
-            </a:pPr>
-            <a:r>
-              <a:rPr lang="en-US" baseline="0" dirty="0" smtClean="0"/>
-              <a:t>View and Change details of orders</a:t>
-            </a:r>
-          </a:p>
-          <a:p>
-            <a:pPr marL="171450" indent="-171450">
-              <a:buFontTx/>
-              <a:buChar char="-"/>
-            </a:pPr>
-            <a:r>
-              <a:rPr lang="en-US" baseline="0" dirty="0" smtClean="0"/>
-              <a:t>Other support staff</a:t>
+              <a:t>support</a:t>
             </a:r>
             <a:endParaRPr lang="ru-RU" baseline="0" dirty="0" smtClean="0"/>
           </a:p>
@@ -4192,8 +4251,12 @@
               <a:buChar char="-"/>
             </a:pPr>
             <a:r>
-              <a:rPr lang="ru-RU" baseline="0" dirty="0" smtClean="0"/>
-              <a:t>Именно так и зародилось наше приложение</a:t>
+              <a:rPr lang="en-US" baseline="0" dirty="0" smtClean="0"/>
+              <a:t>That’s how our product </a:t>
+            </a:r>
+            <a:r>
+              <a:rPr lang="en-US" baseline="0" smtClean="0"/>
+              <a:t>was born</a:t>
             </a:r>
             <a:endParaRPr lang="ru-RU" dirty="0"/>
           </a:p>
@@ -4487,39 +4550,12 @@
           </a:p>
           <a:p>
             <a:r>
-              <a:rPr lang="en-US" b="1" dirty="0" smtClean="0">
-                <a:solidFill>
-                  <a:srgbClr val="FF0000"/>
-                </a:solidFill>
-              </a:rPr>
-              <a:t>For </a:t>
-            </a:r>
-            <a:r>
-              <a:rPr lang="en-US" b="1" dirty="0" err="1" smtClean="0">
-                <a:solidFill>
-                  <a:srgbClr val="FF0000"/>
-                </a:solidFill>
-              </a:rPr>
-              <a:t>microservices</a:t>
-            </a:r>
-            <a:r>
-              <a:rPr lang="en-US" b="1" baseline="0" dirty="0" smtClean="0">
-                <a:solidFill>
-                  <a:srgbClr val="FF0000"/>
-                </a:solidFill>
-              </a:rPr>
-              <a:t> its important to abstract away from infrastructure and define minimum requirements for environment preparation???</a:t>
-            </a:r>
-            <a:endParaRPr lang="en-US" b="1" dirty="0" smtClean="0">
-              <a:solidFill>
-                <a:srgbClr val="FF0000"/>
-              </a:solidFill>
-            </a:endParaRPr>
-          </a:p>
-          <a:p>
-            <a:r>
               <a:rPr lang="en-US" baseline="0" dirty="0" smtClean="0"/>
-              <a:t>It’s practical to have several separate environments – for development, testing, production. At the same time, infrastructure of those </a:t>
+              <a:t>It’s </a:t>
+            </a:r>
+            <a:r>
+              <a:rPr lang="en-US" baseline="0" dirty="0" smtClean="0"/>
+              <a:t>practical to have several separate environments – for development, testing, production. At the same time, infrastructure of those </a:t>
             </a:r>
             <a:r>
               <a:rPr lang="en-US" baseline="0" dirty="0" err="1" smtClean="0"/>
@@ -4527,8 +4563,19 @@
             </a:r>
             <a:r>
               <a:rPr lang="en-US" baseline="0" dirty="0" smtClean="0"/>
-              <a:t> should be aligned and be similar if not the same. This means the same OS, java version, application server. This will help to avoid many different strange and hard to diagnose issues because of environment differences.</a:t>
-            </a:r>
+              <a:t> should be aligned and be similar if not the same. This means the same OS, java version, application server. This will help to avoid many different strange and hard to diagnose issues because of environment differences</a:t>
+            </a:r>
+            <a:r>
+              <a:rPr lang="en-US" baseline="0" dirty="0" smtClean="0"/>
+              <a:t>.</a:t>
+            </a:r>
+          </a:p>
+          <a:p>
+            <a:r>
+              <a:rPr lang="en-US" baseline="0" dirty="0" smtClean="0"/>
+              <a:t>As there are many rather small services, chance one of them goes down is bigger than for one huge application. And when it happens, we’d like to know it so the monitoring is must have.</a:t>
+            </a:r>
+            <a:endParaRPr lang="en-US" baseline="0" dirty="0" smtClean="0"/>
           </a:p>
           <a:p>
             <a:r>
@@ -4645,6 +4692,83 @@
               <a:rPr lang="ru-RU" baseline="0" dirty="0" smtClean="0"/>
               <a:t>:</a:t>
             </a:r>
+            <a:endParaRPr lang="en-US" baseline="0" dirty="0" smtClean="0"/>
+          </a:p>
+          <a:p>
+            <a:pPr marL="171450" marR="0" indent="-171450" algn="l" defTabSz="342900" rtl="0" eaLnBrk="1" fontAlgn="auto" latinLnBrk="0" hangingPunct="1">
+              <a:lnSpc>
+                <a:spcPct val="100000"/>
+              </a:lnSpc>
+              <a:spcBef>
+                <a:spcPts val="0"/>
+              </a:spcBef>
+              <a:spcAft>
+                <a:spcPts val="0"/>
+              </a:spcAft>
+              <a:buClrTx/>
+              <a:buSzTx/>
+              <a:buFontTx/>
+              <a:buChar char="-"/>
+              <a:tabLst/>
+              <a:defRPr/>
+            </a:pPr>
+            <a:r>
+              <a:rPr lang="en-US" baseline="0" dirty="0" smtClean="0"/>
+              <a:t>Database structures are created and changed evolutionary, according to demands of currently deployed application</a:t>
+            </a:r>
+            <a:r>
+              <a:rPr lang="ru-RU" baseline="0" dirty="0" smtClean="0"/>
+              <a:t>. </a:t>
+            </a:r>
+            <a:r>
+              <a:rPr lang="en-US" baseline="0" dirty="0" smtClean="0"/>
+              <a:t>Each time, during deploy, new portion of scripts (we are using such tool as </a:t>
+            </a:r>
+            <a:r>
+              <a:rPr lang="en-US" baseline="0" dirty="0" err="1" smtClean="0"/>
+              <a:t>liquibase</a:t>
+            </a:r>
+            <a:r>
+              <a:rPr lang="en-US" baseline="0" dirty="0" smtClean="0"/>
+              <a:t>) runs over database</a:t>
+            </a:r>
+            <a:r>
+              <a:rPr lang="ru-RU" baseline="0" dirty="0" smtClean="0"/>
+              <a:t>.</a:t>
+            </a:r>
+            <a:endParaRPr lang="en-US" baseline="0" dirty="0" smtClean="0"/>
+          </a:p>
+          <a:p>
+            <a:pPr marL="171450" marR="0" indent="-171450" algn="l" defTabSz="342900" rtl="0" eaLnBrk="1" fontAlgn="auto" latinLnBrk="0" hangingPunct="1">
+              <a:lnSpc>
+                <a:spcPct val="100000"/>
+              </a:lnSpc>
+              <a:spcBef>
+                <a:spcPts val="0"/>
+              </a:spcBef>
+              <a:spcAft>
+                <a:spcPts val="0"/>
+              </a:spcAft>
+              <a:buClrTx/>
+              <a:buSzTx/>
+              <a:buFontTx/>
+              <a:buChar char="-"/>
+              <a:tabLst/>
+              <a:defRPr/>
+            </a:pPr>
+            <a:r>
+              <a:rPr lang="en-US" baseline="0" dirty="0" smtClean="0"/>
+              <a:t>But already existing data in database should be migrated too. We need to transform them according to changed database tables – and we write either </a:t>
+            </a:r>
+            <a:r>
+              <a:rPr lang="en-US" baseline="0" dirty="0" err="1" smtClean="0"/>
+              <a:t>liquibase</a:t>
+            </a:r>
+            <a:r>
+              <a:rPr lang="en-US" baseline="0" dirty="0" smtClean="0"/>
+              <a:t> scripts to do data migration or separate run-and-throw-away java tool</a:t>
+            </a:r>
+            <a:endParaRPr lang="ru-RU" baseline="0" dirty="0" smtClean="0"/>
           </a:p>
           <a:p>
             <a:pPr marL="171450" indent="-171450">
@@ -4653,132 +4777,94 @@
             </a:pPr>
             <a:r>
               <a:rPr lang="en-US" baseline="0" dirty="0" smtClean="0"/>
-              <a:t>Managing application release using CI. Jenkins always checks application can compile and pass tests. Also Jenkins helps to build and deploy final application version on integration environment to check integration</a:t>
-            </a:r>
-            <a:r>
-              <a:rPr lang="ru-RU" baseline="0" dirty="0" smtClean="0"/>
-              <a:t>.</a:t>
-            </a:r>
-          </a:p>
-          <a:p>
-            <a:pPr marL="171450" indent="-171450">
+              <a:t>The whole lifecycle is automated using CI server (Jenkins in our case).</a:t>
+            </a:r>
+          </a:p>
+          <a:p>
+            <a:pPr marL="514350" lvl="1" indent="-171450">
               <a:buFontTx/>
               <a:buChar char="-"/>
             </a:pPr>
             <a:r>
               <a:rPr lang="en-US" baseline="0" dirty="0" smtClean="0"/>
-              <a:t>Deploy is one-button deployment</a:t>
-            </a:r>
-            <a:endParaRPr lang="ru-RU" baseline="0" dirty="0" smtClean="0"/>
-          </a:p>
-          <a:p>
-            <a:pPr marL="171450" indent="-171450">
+              <a:t>Jenkins </a:t>
+            </a:r>
+            <a:r>
+              <a:rPr lang="en-US" baseline="0" dirty="0" smtClean="0"/>
+              <a:t>always checks application can compile and pass tests. </a:t>
+            </a:r>
+            <a:endParaRPr lang="en-US" baseline="0" dirty="0" smtClean="0"/>
+          </a:p>
+          <a:p>
+            <a:pPr marL="514350" lvl="1" indent="-171450">
               <a:buFontTx/>
               <a:buChar char="-"/>
             </a:pPr>
             <a:r>
               <a:rPr lang="en-US" baseline="0" dirty="0" smtClean="0"/>
-              <a:t>Database structures are created and changed evolutionary, according to demands of currently deployed application</a:t>
-            </a:r>
-            <a:r>
-              <a:rPr lang="ru-RU" baseline="0" dirty="0" smtClean="0"/>
-              <a:t>. </a:t>
+              <a:t>Helps </a:t>
             </a:r>
             <a:r>
               <a:rPr lang="en-US" baseline="0" dirty="0" smtClean="0"/>
-              <a:t>Each time, during deploy, new portion of scripts (we are using such tool as </a:t>
+              <a:t>to </a:t>
+            </a:r>
+            <a:r>
+              <a:rPr lang="en-US" baseline="0" dirty="0" smtClean="0"/>
+              <a:t>release application and place it in </a:t>
             </a:r>
             <a:r>
               <a:rPr lang="en-US" baseline="0" dirty="0" err="1" smtClean="0"/>
-              <a:t>liquibase</a:t>
-            </a:r>
-            <a:r>
-              <a:rPr lang="en-US" baseline="0" dirty="0" smtClean="0"/>
-              <a:t>) runs over database</a:t>
-            </a:r>
-            <a:r>
-              <a:rPr lang="ru-RU" baseline="0" dirty="0" smtClean="0"/>
-              <a:t>.</a:t>
-            </a:r>
-          </a:p>
-          <a:p>
-            <a:pPr marL="171450" indent="-171450">
+              <a:t>artifactory</a:t>
+            </a:r>
+            <a:endParaRPr lang="en-US" baseline="0" dirty="0" smtClean="0"/>
+          </a:p>
+          <a:p>
+            <a:pPr marL="514350" lvl="1" indent="-171450">
               <a:buFontTx/>
               <a:buChar char="-"/>
             </a:pPr>
             <a:r>
               <a:rPr lang="en-US" baseline="0" dirty="0" smtClean="0"/>
-              <a:t>But already existing data in database should be migrated too. We need to adapt them to??? changed database tables – and we write either </a:t>
-            </a:r>
-            <a:r>
-              <a:rPr lang="en-US" baseline="0" dirty="0" err="1" smtClean="0"/>
-              <a:t>liquibase</a:t>
+              <a:t>Then, using chef scripts, deploy </a:t>
             </a:r>
             <a:r>
               <a:rPr lang="en-US" baseline="0" dirty="0" smtClean="0"/>
-              <a:t> scripts to do data migration or separate run-and-throw-away java tool</a:t>
-            </a:r>
-            <a:endParaRPr lang="ru-RU" baseline="0" dirty="0" smtClean="0"/>
-          </a:p>
-          <a:p>
-            <a:pPr marL="171450" indent="-171450">
+              <a:t>final application version on integration environment to check integration</a:t>
+            </a:r>
+            <a:r>
+              <a:rPr lang="ru-RU" baseline="0" dirty="0" smtClean="0"/>
+              <a:t>.</a:t>
+            </a:r>
+            <a:endParaRPr lang="en-US" baseline="0" dirty="0" smtClean="0"/>
+          </a:p>
+          <a:p>
+            <a:pPr marL="514350" lvl="1" indent="-171450">
               <a:buFontTx/>
               <a:buChar char="-"/>
             </a:pPr>
             <a:r>
               <a:rPr lang="en-US" baseline="0" dirty="0" smtClean="0"/>
-              <a:t>These scripts are executed during deployment procedure (so it is still one-button deploy)</a:t>
-            </a:r>
-          </a:p>
-          <a:p>
-            <a:pPr marL="171450" indent="-171450">
+              <a:t>Last part installed </a:t>
+            </a:r>
+            <a:r>
+              <a:rPr lang="en-US" baseline="0" dirty="0" smtClean="0"/>
+              <a:t>application is verified using automated user acceptance </a:t>
+            </a:r>
+            <a:r>
+              <a:rPr lang="en-US" baseline="0" dirty="0" smtClean="0"/>
+              <a:t>testing</a:t>
+            </a:r>
+          </a:p>
+          <a:p>
+            <a:pPr marL="171450" lvl="0" indent="-171450">
               <a:buFontTx/>
               <a:buChar char="-"/>
             </a:pPr>
             <a:r>
               <a:rPr lang="en-US" baseline="0" dirty="0" smtClean="0"/>
-              <a:t>Deployment is automated to first check current snapshot version to be passing </a:t>
-            </a:r>
-            <a:r>
-              <a:rPr lang="en-US" baseline="0" dirty="0" err="1" smtClean="0"/>
-              <a:t>dev</a:t>
-            </a:r>
-            <a:r>
-              <a:rPr lang="en-US" baseline="0" dirty="0" smtClean="0"/>
-              <a:t> smoke tests (unit / integration tests), then to release application</a:t>
-            </a:r>
-            <a:endParaRPr lang="ru-RU" baseline="0" dirty="0" smtClean="0"/>
-          </a:p>
-          <a:p>
-            <a:pPr marL="171450" indent="-171450">
-              <a:buFontTx/>
-              <a:buChar char="-"/>
-            </a:pPr>
-            <a:r>
-              <a:rPr lang="en-US" baseline="0" dirty="0" smtClean="0"/>
-              <a:t>Infrastructure setup (installing java version, application server, even the Operating system itself) is automated with help of chef scripts</a:t>
-            </a:r>
-          </a:p>
-          <a:p>
-            <a:pPr marL="171450" indent="-171450">
-              <a:buFontTx/>
-              <a:buChar char="-"/>
-            </a:pPr>
-            <a:r>
-              <a:rPr lang="en-US" baseline="0" dirty="0" smtClean="0"/>
-              <a:t>Last part – installed application is verified using automated user acceptance testing</a:t>
-            </a:r>
-          </a:p>
-          <a:p>
-            <a:pPr marL="0" indent="0">
-              <a:buFontTx/>
-              <a:buNone/>
-            </a:pPr>
-            <a:r>
-              <a:rPr lang="en-US" baseline="0" dirty="0" smtClean="0"/>
-              <a:t>Frankly speaking, not every step from workflow is fully covered (like acceptance tests cover not all applications), but we are working on it</a:t>
-            </a:r>
-            <a:endParaRPr lang="en-US" dirty="0"/>
+              <a:t>Each this step is triggered by hitting one button only</a:t>
+            </a:r>
+            <a:endParaRPr lang="en-US" baseline="0" dirty="0" smtClean="0"/>
           </a:p>
         </p:txBody>
       </p:sp>
@@ -4865,17 +4951,17 @@
           <a:p>
             <a:r>
               <a:rPr lang="en-US" dirty="0" smtClean="0"/>
-              <a:t>So we took a look at product control decentralization when separate teams</a:t>
-            </a:r>
+              <a:t>We took a look at how to organize teams and infrastructure.</a:t>
+            </a:r>
+          </a:p>
+          <a:p>
             <a:r>
               <a:rPr lang="en-US" baseline="0" dirty="0" smtClean="0"/>
-              <a:t> work on separate parts</a:t>
-            </a:r>
-          </a:p>
-          <a:p>
+              <a:t>Let’s take a look at something called decentralization </a:t>
+            </a:r>
             <a:r>
               <a:rPr lang="en-US" baseline="0" dirty="0" smtClean="0"/>
-              <a:t>Next we will take a look at another kind of decentralization, this time it would be decentralization of data</a:t>
+              <a:t>of data</a:t>
             </a:r>
             <a:endParaRPr lang="en-US" dirty="0" smtClean="0"/>
           </a:p>
@@ -5128,16 +5214,25 @@
           <a:p>
             <a:r>
               <a:rPr lang="en-US" dirty="0" smtClean="0"/>
-              <a:t>So we took a look at data decentralization and now can ask the question “How</a:t>
-            </a:r>
-            <a:r>
-              <a:rPr lang="en-US" baseline="0" dirty="0" smtClean="0"/>
-              <a:t> do services interact with each other?</a:t>
+              <a:t>We briefly touched this on </a:t>
+            </a:r>
+            <a:r>
+              <a:rPr lang="en-US" dirty="0" err="1" smtClean="0"/>
+              <a:t>prev</a:t>
             </a:r>
             <a:r>
               <a:rPr lang="en-US" dirty="0" smtClean="0"/>
-              <a:t>”</a:t>
-            </a:r>
+              <a:t> slide, but let’s take a close look at how </a:t>
+            </a:r>
+            <a:r>
+              <a:rPr lang="en-US" dirty="0" err="1" smtClean="0"/>
+              <a:t>microservices</a:t>
+            </a:r>
+            <a:r>
+              <a:rPr lang="en-US" dirty="0" smtClean="0"/>
+              <a:t> interact with each other</a:t>
+            </a:r>
+            <a:endParaRPr lang="en-US" dirty="0" smtClean="0"/>
           </a:p>
         </p:txBody>
       </p:sp>
@@ -5224,11 +5319,23 @@
           <a:p>
             <a:r>
               <a:rPr lang="en-US" dirty="0" smtClean="0"/>
-              <a:t>In general, protocol</a:t>
+              <a:t>Most popular protocols</a:t>
             </a:r>
             <a:r>
               <a:rPr lang="en-US" baseline="0" dirty="0" smtClean="0"/>
-              <a:t> of interaction can be any, but most popular are:</a:t>
+              <a:t> </a:t>
+            </a:r>
+            <a:r>
+              <a:rPr lang="en-US" baseline="0" dirty="0" smtClean="0"/>
+              <a:t>of interaction </a:t>
+            </a:r>
+            <a:r>
+              <a:rPr lang="en-US" baseline="0" dirty="0" smtClean="0"/>
+              <a:t>are</a:t>
+            </a:r>
+            <a:r>
+              <a:rPr lang="en-US" baseline="0" dirty="0" smtClean="0"/>
+              <a:t>:</a:t>
             </a:r>
           </a:p>
           <a:p>
@@ -5266,40 +5373,65 @@
             </a:pPr>
             <a:r>
               <a:rPr lang="en-US" baseline="0" dirty="0" smtClean="0"/>
-              <a:t>The most important point is that interaction protocol should be well documented.</a:t>
-            </a:r>
-            <a:endParaRPr lang="en-US" dirty="0" smtClean="0"/>
-          </a:p>
-          <a:p>
-            <a:pPr marL="0" marR="0" indent="0" algn="l" defTabSz="457200" rtl="0" eaLnBrk="1" fontAlgn="auto" latinLnBrk="0" hangingPunct="1">
-              <a:lnSpc>
-                <a:spcPct val="100000"/>
-              </a:lnSpc>
-              <a:spcBef>
-                <a:spcPts val="0"/>
-              </a:spcBef>
-              <a:spcAft>
-                <a:spcPts val="0"/>
-              </a:spcAft>
-              <a:buClrTx/>
-              <a:buSzTx/>
+              <a:t>The most important point is that interaction protocol should be well documented</a:t>
+            </a:r>
+            <a:r>
+              <a:rPr lang="en-US" baseline="0" dirty="0" smtClean="0"/>
+              <a:t>.</a:t>
+            </a:r>
+          </a:p>
+          <a:p>
+            <a:pPr marL="0" indent="0">
               <a:buFontTx/>
               <a:buNone/>
-              <a:tabLst/>
-              <a:defRPr/>
             </a:pPr>
             <a:r>
-              <a:rPr lang="ru-RU" baseline="0" dirty="0" smtClean="0"/>
-              <a:t>Также важное правило при проектировании РЕСТ АПИ – состояние клиента (сессии) не хранятся на сервере. Каждый вызов РЕСТ сервиса самодостаточен и может быть перенаправлен на совсем другой сервер чем предыдущий вызов. Таким образом </a:t>
-            </a:r>
-            <a:r>
-              <a:rPr lang="ru-RU" baseline="0" dirty="0" err="1" smtClean="0"/>
-              <a:t>микросервисы</a:t>
-            </a:r>
-            <a:r>
-              <a:rPr lang="ru-RU" baseline="0" dirty="0" smtClean="0"/>
-              <a:t> позволяют горизонтально масштабироваться</a:t>
-            </a:r>
+              <a:rPr lang="en-US" baseline="0" dirty="0" smtClean="0"/>
+              <a:t>Also its better to agree among all services what protocols and formats to use.</a:t>
+            </a:r>
+          </a:p>
+          <a:p>
+            <a:pPr marL="0" indent="0">
+              <a:buFontTx/>
+              <a:buNone/>
+            </a:pPr>
+            <a:r>
+              <a:rPr lang="en-US" baseline="0" dirty="0" err="1" smtClean="0"/>
+              <a:t>Microservice</a:t>
+            </a:r>
+            <a:r>
+              <a:rPr lang="en-US" baseline="0" dirty="0" smtClean="0"/>
+              <a:t> can also provide client library to ease the access to it. Such library not only can ease the access, but it also server the documentation purpose and so on</a:t>
+            </a:r>
+          </a:p>
+          <a:p>
+            <a:pPr marL="0" indent="0">
+              <a:buFontTx/>
+              <a:buNone/>
+            </a:pPr>
+            <a:r>
+              <a:rPr lang="en-US" baseline="0" dirty="0" smtClean="0"/>
+              <a:t>Type of interactions (sync / </a:t>
+            </a:r>
+            <a:r>
+              <a:rPr lang="en-US" baseline="0" dirty="0" err="1" smtClean="0"/>
+              <a:t>async</a:t>
+            </a:r>
+            <a:r>
+              <a:rPr lang="en-US" baseline="0" dirty="0" smtClean="0"/>
+              <a:t>) should be chosen wisely depending on scenario</a:t>
+            </a:r>
+          </a:p>
+          <a:p>
+            <a:pPr marL="0" indent="0">
+              <a:buFontTx/>
+              <a:buNone/>
+            </a:pPr>
+            <a:r>
+              <a:rPr lang="en-US" baseline="0" dirty="0" smtClean="0"/>
+              <a:t>Be ready for failures – it’s such a huge topic that we will return to it.</a:t>
+            </a:r>
+            <a:endParaRPr lang="en-US" dirty="0" smtClean="0"/>
           </a:p>
         </p:txBody>
       </p:sp>
@@ -10959,7 +11091,7 @@
         <p:spPr>
           <a:xfrm>
             <a:off x="264695" y="699516"/>
-            <a:ext cx="6593305" cy="3693319"/>
+            <a:ext cx="6593305" cy="3231654"/>
           </a:xfrm>
           <a:prstGeom prst="rect">
             <a:avLst/>
@@ -11092,30 +11224,19 @@
             </a:pPr>
             <a:r>
               <a:rPr lang="en-US" sz="2000" b="1" dirty="0" smtClean="0"/>
-              <a:t> Sync</a:t>
-            </a:r>
-            <a:endParaRPr lang="en-US" sz="2000" b="1" dirty="0"/>
-          </a:p>
-          <a:p>
-            <a:pPr>
-              <a:lnSpc>
-                <a:spcPct val="150000"/>
-              </a:lnSpc>
-              <a:buClr>
-                <a:schemeClr val="accent3">
-                  <a:lumMod val="75000"/>
-                </a:schemeClr>
-              </a:buClr>
-              <a:buFont typeface="Arial" pitchFamily="34" charset="0"/>
-              <a:buChar char="•"/>
-            </a:pPr>
+              <a:t> </a:t>
+            </a:r>
             <a:r>
               <a:rPr lang="en-US" sz="2000" b="1" dirty="0" smtClean="0"/>
-              <a:t> </a:t>
+              <a:t>Interaction type (sync/</a:t>
             </a:r>
             <a:r>
               <a:rPr lang="en-US" sz="2000" b="1" dirty="0" err="1" smtClean="0"/>
-              <a:t>Async</a:t>
+              <a:t>async</a:t>
+            </a:r>
+            <a:r>
+              <a:rPr lang="en-US" sz="2000" b="1" dirty="0" smtClean="0"/>
+              <a:t>)</a:t>
             </a:r>
             <a:endParaRPr lang="en-US" sz="2000" b="1" dirty="0"/>
           </a:p>
@@ -12833,20 +12954,12 @@
           <a:p>
             <a:pPr algn="ctr"/>
             <a:r>
-              <a:rPr lang="ru-RU" dirty="0" smtClean="0">
+              <a:rPr lang="en-US" dirty="0" smtClean="0">
                 <a:solidFill>
                   <a:schemeClr val="accent1"/>
                 </a:solidFill>
               </a:rPr>
-              <a:t>БД </a:t>
-            </a:r>
-            <a:r>
-              <a:rPr lang="ru-RU" sz="1600" dirty="0" smtClean="0">
-                <a:solidFill>
-                  <a:schemeClr val="accent1"/>
-                </a:solidFill>
-              </a:rPr>
-              <a:t>Клиента</a:t>
+              <a:t>Client DB</a:t>
             </a:r>
             <a:endParaRPr lang="ru-RU" dirty="0">
               <a:solidFill>
@@ -15069,24 +15182,20 @@
           <a:p>
             <a:pPr algn="ctr"/>
             <a:r>
-              <a:rPr lang="ru-RU" dirty="0" smtClean="0">
+              <a:rPr lang="en-US" sz="1600" dirty="0">
                 <a:solidFill>
-                  <a:schemeClr val="accent1"/>
+                  <a:schemeClr val="bg1">
+                    <a:lumMod val="75000"/>
+                  </a:schemeClr>
                 </a:solidFill>
               </a:rPr>
-              <a:t>БД </a:t>
-            </a:r>
-            <a:r>
-              <a:rPr lang="ru-RU" sz="1600" dirty="0" smtClean="0">
-                <a:solidFill>
-                  <a:schemeClr val="accent1"/>
-                </a:solidFill>
-              </a:rPr>
-              <a:t>Клиента</a:t>
-            </a:r>
-            <a:endParaRPr lang="ru-RU" dirty="0">
+              <a:t>Client DB</a:t>
+            </a:r>
+            <a:endParaRPr lang="ru-RU" sz="1600" dirty="0">
               <a:solidFill>
-                <a:schemeClr val="accent1"/>
+                <a:schemeClr val="bg1">
+                  <a:lumMod val="75000"/>
+                </a:schemeClr>
               </a:solidFill>
             </a:endParaRPr>
           </a:p>
@@ -16184,22 +16293,14 @@
           <a:p>
             <a:pPr algn="ctr"/>
             <a:r>
-              <a:rPr lang="ru-RU" dirty="0" smtClean="0">
+              <a:rPr lang="en-US" sz="1600" dirty="0" smtClean="0">
                 <a:solidFill>
                   <a:schemeClr val="tx1"/>
                 </a:solidFill>
               </a:rPr>
-              <a:t>БД </a:t>
-            </a:r>
-            <a:r>
-              <a:rPr lang="ru-RU" sz="1600" dirty="0" smtClean="0">
-                <a:solidFill>
-                  <a:schemeClr val="tx1"/>
-                </a:solidFill>
-              </a:rPr>
-              <a:t>Клиента</a:t>
-            </a:r>
-            <a:endParaRPr lang="ru-RU" dirty="0">
+              <a:t>Client DB</a:t>
+            </a:r>
+            <a:endParaRPr lang="ru-RU" sz="1600" dirty="0">
               <a:solidFill>
                 <a:schemeClr val="tx1"/>
               </a:solidFill>
@@ -17293,20 +17394,12 @@
           <a:p>
             <a:pPr algn="ctr"/>
             <a:r>
-              <a:rPr lang="ru-RU" dirty="0" smtClean="0">
+              <a:rPr lang="en-US" sz="1600" dirty="0" smtClean="0">
                 <a:solidFill>
                   <a:schemeClr val="tx1"/>
                 </a:solidFill>
               </a:rPr>
-              <a:t>БД </a:t>
-            </a:r>
-            <a:r>
-              <a:rPr lang="ru-RU" sz="1600" dirty="0" smtClean="0">
-                <a:solidFill>
-                  <a:schemeClr val="tx1"/>
-                </a:solidFill>
-              </a:rPr>
-              <a:t>Клиента</a:t>
+              <a:t>Client DB</a:t>
             </a:r>
             <a:endParaRPr lang="ru-RU" dirty="0">
               <a:solidFill>
@@ -18393,20 +18486,12 @@
           <a:p>
             <a:pPr algn="ctr"/>
             <a:r>
-              <a:rPr lang="ru-RU" dirty="0" smtClean="0">
+              <a:rPr lang="en-US" dirty="0" smtClean="0">
                 <a:solidFill>
                   <a:schemeClr val="tx1"/>
                 </a:solidFill>
               </a:rPr>
-              <a:t>БД </a:t>
-            </a:r>
-            <a:r>
-              <a:rPr lang="ru-RU" sz="1600" dirty="0" smtClean="0">
-                <a:solidFill>
-                  <a:schemeClr val="tx1"/>
-                </a:solidFill>
-              </a:rPr>
-              <a:t>Клиента</a:t>
+              <a:t>Client DB</a:t>
             </a:r>
             <a:endParaRPr lang="ru-RU" dirty="0">
               <a:solidFill>
@@ -19493,20 +19578,12 @@
           <a:p>
             <a:pPr algn="ctr"/>
             <a:r>
-              <a:rPr lang="ru-RU" dirty="0" smtClean="0">
+              <a:rPr lang="en-US" dirty="0" smtClean="0">
                 <a:solidFill>
                   <a:schemeClr val="tx1"/>
                 </a:solidFill>
               </a:rPr>
-              <a:t>БД </a:t>
-            </a:r>
-            <a:r>
-              <a:rPr lang="ru-RU" sz="1600" dirty="0" smtClean="0">
-                <a:solidFill>
-                  <a:schemeClr val="tx1"/>
-                </a:solidFill>
-              </a:rPr>
-              <a:t>Клиента</a:t>
+              <a:t>Client DB</a:t>
             </a:r>
             <a:endParaRPr lang="ru-RU" dirty="0">
               <a:solidFill>
@@ -20029,75 +20106,8 @@
           <a:lstStyle/>
           <a:p>
             <a:pPr marL="285750" indent="-285750">
-              <a:buClr>
-                <a:schemeClr val="accent3">
-                  <a:lumMod val="75000"/>
-                </a:schemeClr>
-              </a:buClr>
-              <a:buFont typeface="Arial" pitchFamily="34" charset="0"/>
-              <a:buChar char="•"/>
-            </a:pPr>
-            <a:r>
-              <a:rPr lang="en-US" sz="1600" dirty="0" smtClean="0"/>
-              <a:t>Intro</a:t>
-            </a:r>
-            <a:endParaRPr lang="ru-RU" sz="1600" dirty="0"/>
-          </a:p>
-          <a:p>
-            <a:pPr marL="285750" indent="-285750">
-              <a:buClr>
-                <a:schemeClr val="accent3">
-                  <a:lumMod val="75000"/>
-                </a:schemeClr>
-              </a:buClr>
-              <a:buFont typeface="Arial" pitchFamily="34" charset="0"/>
-              <a:buChar char="•"/>
-            </a:pPr>
-            <a:r>
-              <a:rPr lang="en-US" sz="1600" dirty="0" smtClean="0"/>
-              <a:t>Team</a:t>
-            </a:r>
-            <a:endParaRPr lang="ru-RU" sz="1600" dirty="0"/>
-          </a:p>
-          <a:p>
-            <a:pPr marL="285750" indent="-285750">
-              <a:buClr>
-                <a:schemeClr val="accent3">
-                  <a:lumMod val="75000"/>
-                </a:schemeClr>
-              </a:buClr>
-              <a:buFont typeface="Arial" pitchFamily="34" charset="0"/>
-              <a:buChar char="•"/>
-            </a:pPr>
-            <a:r>
-              <a:rPr lang="en-US" sz="1600" dirty="0" smtClean="0"/>
-              <a:t>Infrastructure</a:t>
-            </a:r>
-            <a:endParaRPr lang="ru-RU" sz="1600" dirty="0"/>
-          </a:p>
-          <a:p>
-            <a:pPr marL="285750" indent="-285750">
-              <a:buClr>
-                <a:schemeClr val="accent3">
-                  <a:lumMod val="75000"/>
-                </a:schemeClr>
-              </a:buClr>
-              <a:buFont typeface="Arial" pitchFamily="34" charset="0"/>
-              <a:buChar char="•"/>
-            </a:pPr>
-            <a:r>
-              <a:rPr lang="en-US" sz="1600" b="1" dirty="0" err="1" smtClean="0"/>
-              <a:t>Microservices</a:t>
-            </a:r>
-            <a:r>
-              <a:rPr lang="en-US" sz="1600" b="1" dirty="0" smtClean="0"/>
-              <a:t> Design</a:t>
-            </a:r>
-          </a:p>
-          <a:p>
-            <a:pPr marL="1028700" lvl="1">
               <a:lnSpc>
-                <a:spcPct val="120000"/>
+                <a:spcPct val="150000"/>
               </a:lnSpc>
               <a:buClr>
                 <a:schemeClr val="accent3">
@@ -20108,14 +20118,15 @@
               <a:buChar char="•"/>
             </a:pPr>
             <a:r>
-              <a:rPr lang="en-US" sz="1600" b="1" dirty="0" smtClean="0"/>
-              <a:t>Data</a:t>
-            </a:r>
-          </a:p>
-          <a:p>
-            <a:pPr marL="1028700" lvl="1">
+              <a:rPr lang="en-US" sz="1800" dirty="0" smtClean="0"/>
+              <a:t>Intro</a:t>
+            </a:r>
+            <a:endParaRPr lang="ru-RU" sz="1800" dirty="0"/>
+          </a:p>
+          <a:p>
+            <a:pPr marL="285750" indent="-285750">
               <a:lnSpc>
-                <a:spcPct val="120000"/>
+                <a:spcPct val="150000"/>
               </a:lnSpc>
               <a:buClr>
                 <a:schemeClr val="accent3">
@@ -20126,14 +20137,15 @@
               <a:buChar char="•"/>
             </a:pPr>
             <a:r>
-              <a:rPr lang="en-US" sz="1600" b="1" dirty="0" smtClean="0"/>
-              <a:t>Interaction</a:t>
-            </a:r>
-          </a:p>
-          <a:p>
-            <a:pPr marL="1428750" lvl="2">
+              <a:rPr lang="en-US" sz="1800" dirty="0" smtClean="0"/>
+              <a:t>Team</a:t>
+            </a:r>
+            <a:endParaRPr lang="ru-RU" sz="1800" dirty="0"/>
+          </a:p>
+          <a:p>
+            <a:pPr marL="285750" indent="-285750">
               <a:lnSpc>
-                <a:spcPct val="120000"/>
+                <a:spcPct val="150000"/>
               </a:lnSpc>
               <a:buClr>
                 <a:schemeClr val="accent3">
@@ -20144,14 +20156,15 @@
               <a:buChar char="•"/>
             </a:pPr>
             <a:r>
-              <a:rPr lang="en-US" sz="1600" b="1" dirty="0" smtClean="0"/>
-              <a:t>Protocols</a:t>
-            </a:r>
-          </a:p>
-          <a:p>
-            <a:pPr marL="1428750" lvl="2">
+              <a:rPr lang="en-US" sz="1800" dirty="0" smtClean="0"/>
+              <a:t>Infrastructure</a:t>
+            </a:r>
+            <a:endParaRPr lang="ru-RU" sz="1800" dirty="0"/>
+          </a:p>
+          <a:p>
+            <a:pPr marL="285750" indent="-285750">
               <a:lnSpc>
-                <a:spcPct val="120000"/>
+                <a:spcPct val="150000"/>
               </a:lnSpc>
               <a:buClr>
                 <a:schemeClr val="accent3">
@@ -20162,19 +20175,39 @@
               <a:buChar char="•"/>
             </a:pPr>
             <a:r>
-              <a:rPr lang="en-US" sz="1600" b="1" dirty="0" smtClean="0"/>
-              <a:t>Sync/</a:t>
-            </a:r>
-            <a:r>
-              <a:rPr lang="en-US" sz="1600" b="1" dirty="0" err="1" smtClean="0"/>
-              <a:t>Async</a:t>
-            </a:r>
-            <a:endParaRPr lang="en-US" sz="1600" b="1" dirty="0" smtClean="0"/>
-          </a:p>
-          <a:p>
-            <a:pPr marL="1428750" lvl="2">
+              <a:rPr lang="en-US" sz="1800" b="1" dirty="0" err="1" smtClean="0"/>
+              <a:t>Microservices</a:t>
+            </a:r>
+            <a:r>
+              <a:rPr lang="en-US" sz="1800" b="1" dirty="0" smtClean="0"/>
+              <a:t> Design</a:t>
+            </a:r>
+          </a:p>
+          <a:p>
+            <a:pPr marL="1028700" lvl="1">
               <a:lnSpc>
-                <a:spcPct val="120000"/>
+                <a:spcPct val="150000"/>
+              </a:lnSpc>
+              <a:spcBef>
+                <a:spcPts val="0"/>
+              </a:spcBef>
+              <a:buClr>
+                <a:schemeClr val="accent3">
+                  <a:lumMod val="75000"/>
+                </a:schemeClr>
+              </a:buClr>
+              <a:buFont typeface="Arial" pitchFamily="34" charset="0"/>
+              <a:buChar char="•"/>
+            </a:pPr>
+            <a:r>
+              <a:rPr lang="en-US" sz="1800" b="1" dirty="0" smtClean="0"/>
+              <a:t>Data</a:t>
+            </a:r>
+          </a:p>
+          <a:p>
+            <a:pPr marL="1028700" lvl="1">
+              <a:lnSpc>
+                <a:spcPct val="150000"/>
               </a:lnSpc>
               <a:buClr>
                 <a:schemeClr val="accent3">
@@ -20185,14 +20218,14 @@
               <a:buChar char="•"/>
             </a:pPr>
             <a:r>
-              <a:rPr lang="en-US" sz="1600" b="1" dirty="0" smtClean="0"/>
-              <a:t>Failures</a:t>
+              <a:rPr lang="en-US" sz="1800" b="1" dirty="0" smtClean="0"/>
+              <a:t>Interaction</a:t>
             </a:r>
           </a:p>
           <a:p>
             <a:pPr marL="1028700" lvl="1">
               <a:lnSpc>
-                <a:spcPct val="120000"/>
+                <a:spcPct val="150000"/>
               </a:lnSpc>
               <a:buClr>
                 <a:schemeClr val="accent3">
@@ -20203,10 +20236,29 @@
               <a:buChar char="•"/>
             </a:pPr>
             <a:r>
-              <a:rPr lang="en-US" sz="1600" b="1" dirty="0" smtClean="0"/>
-              <a:t>Logging</a:t>
-            </a:r>
-            <a:endParaRPr lang="ru-RU" sz="1600" dirty="0"/>
+              <a:rPr lang="en-US" sz="1800" b="1" dirty="0" smtClean="0"/>
+              <a:t>Failures</a:t>
+            </a:r>
+            <a:endParaRPr lang="en-US" sz="1800" b="1" dirty="0" smtClean="0"/>
+          </a:p>
+          <a:p>
+            <a:pPr marL="285750" indent="-285750">
+              <a:lnSpc>
+                <a:spcPct val="150000"/>
+              </a:lnSpc>
+              <a:buClr>
+                <a:schemeClr val="accent3">
+                  <a:lumMod val="75000"/>
+                </a:schemeClr>
+              </a:buClr>
+              <a:buFont typeface="Arial" pitchFamily="34" charset="0"/>
+              <a:buChar char="•"/>
+            </a:pPr>
+            <a:r>
+              <a:rPr lang="en-US" sz="1800" dirty="0" smtClean="0"/>
+              <a:t>When to use</a:t>
+            </a:r>
+            <a:endParaRPr lang="ru-RU" sz="1800" dirty="0"/>
           </a:p>
         </p:txBody>
       </p:sp>
@@ -31227,7 +31279,13 @@
             <p:ph type="body" sz="quarter" idx="11"/>
           </p:nvPr>
         </p:nvSpPr>
-        <p:spPr/>
+        <p:spPr>
+          <a:ln>
+            <a:solidFill>
+              <a:schemeClr val="tx1"/>
+            </a:solidFill>
+          </a:ln>
+        </p:spPr>
         <p:txBody>
           <a:bodyPr/>
           <a:lstStyle/>
@@ -31301,7 +31359,7 @@
         </p:nvSpPr>
         <p:spPr>
           <a:xfrm>
-            <a:off x="4325143" y="2691448"/>
+            <a:off x="5522594" y="3636234"/>
             <a:ext cx="622300" cy="495300"/>
           </a:xfrm>
           <a:prstGeom prst="rect">
@@ -31352,7 +31410,7 @@
         </p:nvSpPr>
         <p:spPr>
           <a:xfrm>
-            <a:off x="873911" y="3706465"/>
+            <a:off x="4501295" y="3471616"/>
             <a:ext cx="635000" cy="508000"/>
           </a:xfrm>
           <a:prstGeom prst="rect">
@@ -31458,7 +31516,7 @@
         </p:nvSpPr>
         <p:spPr>
           <a:xfrm>
-            <a:off x="5130800" y="4162396"/>
+            <a:off x="460181" y="3851590"/>
             <a:ext cx="1111250" cy="508000"/>
           </a:xfrm>
           <a:prstGeom prst="rect">
@@ -31560,7 +31618,7 @@
         </p:nvSpPr>
         <p:spPr>
           <a:xfrm>
-            <a:off x="2876549" y="838168"/>
+            <a:off x="2533476" y="1754091"/>
             <a:ext cx="927100" cy="508000"/>
           </a:xfrm>
           <a:prstGeom prst="rect">
@@ -31819,7 +31877,7 @@
         </p:nvSpPr>
         <p:spPr>
           <a:xfrm>
-            <a:off x="2349896" y="2078833"/>
+            <a:off x="3259541" y="2344103"/>
             <a:ext cx="1222375" cy="508000"/>
           </a:xfrm>
           <a:prstGeom prst="rect">
@@ -31872,7 +31930,7 @@
         </p:nvSpPr>
         <p:spPr>
           <a:xfrm>
-            <a:off x="3647281" y="3411347"/>
+            <a:off x="2058711" y="2914594"/>
             <a:ext cx="1222375" cy="508000"/>
           </a:xfrm>
           <a:prstGeom prst="rect">
@@ -31929,7 +31987,7 @@
         </p:nvSpPr>
         <p:spPr>
           <a:xfrm>
-            <a:off x="2890043" y="2725485"/>
+            <a:off x="1978770" y="871610"/>
             <a:ext cx="1222375" cy="508000"/>
           </a:xfrm>
           <a:prstGeom prst="rect">
@@ -31984,14 +32042,17 @@
           <p:nvPr/>
         </p:nvCxnSpPr>
         <p:spPr>
-          <a:xfrm flipV="1">
-            <a:off x="2961084" y="1346168"/>
-            <a:ext cx="379015" cy="732665"/>
+          <a:xfrm flipH="1" flipV="1">
+            <a:off x="2997026" y="2262091"/>
+            <a:ext cx="873703" cy="82012"/>
           </a:xfrm>
           <a:prstGeom prst="straightConnector1">
             <a:avLst/>
           </a:prstGeom>
           <a:ln>
+            <a:solidFill>
+              <a:schemeClr val="tx1"/>
+            </a:solidFill>
             <a:tailEnd type="triangle"/>
           </a:ln>
         </p:spPr>
@@ -32021,13 +32082,16 @@
         </p:nvCxnSpPr>
         <p:spPr>
           <a:xfrm flipV="1">
-            <a:off x="1662514" y="1092168"/>
-            <a:ext cx="1214035" cy="1980056"/>
+            <a:off x="1662514" y="2008091"/>
+            <a:ext cx="870962" cy="1064133"/>
           </a:xfrm>
           <a:prstGeom prst="straightConnector1">
             <a:avLst/>
           </a:prstGeom>
           <a:ln>
+            <a:solidFill>
+              <a:schemeClr val="tx1"/>
+            </a:solidFill>
             <a:tailEnd type="triangle"/>
           </a:ln>
         </p:spPr>
@@ -32050,20 +32114,23 @@
         <p:nvCxnSpPr>
           <p:cNvPr id="38" name="Прямая со стрелкой 37"/>
           <p:cNvCxnSpPr>
-            <a:stCxn id="15" idx="0"/>
+            <a:stCxn id="15" idx="3"/>
             <a:endCxn id="11" idx="1"/>
           </p:cNvCxnSpPr>
           <p:nvPr/>
         </p:nvCxnSpPr>
         <p:spPr>
           <a:xfrm flipV="1">
-            <a:off x="1051327" y="1092168"/>
-            <a:ext cx="1825222" cy="692690"/>
+            <a:off x="1662514" y="2008091"/>
+            <a:ext cx="870962" cy="30767"/>
           </a:xfrm>
           <a:prstGeom prst="straightConnector1">
             <a:avLst/>
           </a:prstGeom>
           <a:ln>
+            <a:solidFill>
+              <a:schemeClr val="tx1"/>
+            </a:solidFill>
             <a:tailEnd type="triangle"/>
           </a:ln>
         </p:spPr>
@@ -32086,20 +32153,23 @@
         <p:nvCxnSpPr>
           <p:cNvPr id="41" name="Прямая со стрелкой 40"/>
           <p:cNvCxnSpPr>
-            <a:stCxn id="19" idx="0"/>
-            <a:endCxn id="17" idx="2"/>
+            <a:stCxn id="19" idx="3"/>
+            <a:endCxn id="17" idx="0"/>
           </p:cNvCxnSpPr>
           <p:nvPr/>
         </p:nvCxnSpPr>
         <p:spPr>
-          <a:xfrm flipH="1" flipV="1">
-            <a:off x="2961084" y="2586833"/>
-            <a:ext cx="540147" cy="138652"/>
+          <a:xfrm>
+            <a:off x="3201145" y="1125610"/>
+            <a:ext cx="669584" cy="1218493"/>
           </a:xfrm>
           <a:prstGeom prst="straightConnector1">
             <a:avLst/>
           </a:prstGeom>
           <a:ln>
+            <a:solidFill>
+              <a:schemeClr val="tx1"/>
+            </a:solidFill>
             <a:tailEnd type="triangle"/>
           </a:ln>
         </p:spPr>
@@ -32128,14 +32198,17 @@
           <p:nvPr/>
         </p:nvCxnSpPr>
         <p:spPr>
-          <a:xfrm flipH="1" flipV="1">
-            <a:off x="1662514" y="2038858"/>
-            <a:ext cx="1227529" cy="940627"/>
+          <a:xfrm flipH="1">
+            <a:off x="1662514" y="1125610"/>
+            <a:ext cx="316256" cy="913248"/>
           </a:xfrm>
           <a:prstGeom prst="straightConnector1">
             <a:avLst/>
           </a:prstGeom>
           <a:ln>
+            <a:solidFill>
+              <a:schemeClr val="tx1"/>
+            </a:solidFill>
             <a:tailEnd type="triangle"/>
           </a:ln>
         </p:spPr>
@@ -32165,13 +32238,16 @@
         </p:nvCxnSpPr>
         <p:spPr>
           <a:xfrm flipH="1">
-            <a:off x="1662514" y="2979485"/>
-            <a:ext cx="1227529" cy="92739"/>
+            <a:off x="1662514" y="1125610"/>
+            <a:ext cx="316256" cy="1946614"/>
           </a:xfrm>
           <a:prstGeom prst="straightConnector1">
             <a:avLst/>
           </a:prstGeom>
           <a:ln>
+            <a:solidFill>
+              <a:schemeClr val="tx1"/>
+            </a:solidFill>
             <a:tailEnd type="triangle"/>
           </a:ln>
         </p:spPr>
@@ -32200,14 +32276,17 @@
           <p:nvPr/>
         </p:nvCxnSpPr>
         <p:spPr>
-          <a:xfrm flipV="1">
-            <a:off x="3572271" y="1311021"/>
-            <a:ext cx="828279" cy="1021812"/>
+          <a:xfrm flipH="1" flipV="1">
+            <a:off x="4400550" y="1311021"/>
+            <a:ext cx="81366" cy="1287082"/>
           </a:xfrm>
           <a:prstGeom prst="straightConnector1">
             <a:avLst/>
           </a:prstGeom>
           <a:ln>
+            <a:solidFill>
+              <a:schemeClr val="tx1"/>
+            </a:solidFill>
             <a:tailEnd type="triangle"/>
           </a:ln>
         </p:spPr>
@@ -32237,13 +32316,16 @@
         </p:nvCxnSpPr>
         <p:spPr>
           <a:xfrm>
-            <a:off x="3572271" y="2332833"/>
-            <a:ext cx="1917306" cy="804893"/>
+            <a:off x="4481916" y="2598103"/>
+            <a:ext cx="1007661" cy="539623"/>
           </a:xfrm>
           <a:prstGeom prst="straightConnector1">
             <a:avLst/>
           </a:prstGeom>
           <a:ln>
+            <a:solidFill>
+              <a:schemeClr val="tx1"/>
+            </a:solidFill>
             <a:tailEnd type="triangle"/>
           </a:ln>
         </p:spPr>
@@ -32273,13 +32355,16 @@
         </p:nvCxnSpPr>
         <p:spPr>
           <a:xfrm flipV="1">
-            <a:off x="3572271" y="2004568"/>
-            <a:ext cx="1142606" cy="328265"/>
+            <a:off x="4481916" y="2004568"/>
+            <a:ext cx="232961" cy="593535"/>
           </a:xfrm>
           <a:prstGeom prst="straightConnector1">
             <a:avLst/>
           </a:prstGeom>
           <a:ln>
+            <a:solidFill>
+              <a:schemeClr val="tx1"/>
+            </a:solidFill>
             <a:tailEnd type="triangle"/>
           </a:ln>
         </p:spPr>
@@ -32308,14 +32393,17 @@
           <p:nvPr/>
         </p:nvCxnSpPr>
         <p:spPr>
-          <a:xfrm flipH="1">
-            <a:off x="1191411" y="2586833"/>
-            <a:ext cx="1769673" cy="1119632"/>
+          <a:xfrm>
+            <a:off x="3870729" y="2852103"/>
+            <a:ext cx="948066" cy="619513"/>
           </a:xfrm>
           <a:prstGeom prst="straightConnector1">
             <a:avLst/>
           </a:prstGeom>
           <a:ln>
+            <a:solidFill>
+              <a:schemeClr val="tx1"/>
+            </a:solidFill>
             <a:tailEnd type="triangle"/>
           </a:ln>
         </p:spPr>
@@ -32345,13 +32433,16 @@
         </p:nvCxnSpPr>
         <p:spPr>
           <a:xfrm>
-            <a:off x="2961084" y="2586833"/>
-            <a:ext cx="1675209" cy="104615"/>
+            <a:off x="3870729" y="2852103"/>
+            <a:ext cx="1963015" cy="784131"/>
           </a:xfrm>
           <a:prstGeom prst="straightConnector1">
             <a:avLst/>
           </a:prstGeom>
           <a:ln>
+            <a:solidFill>
+              <a:schemeClr val="tx1"/>
+            </a:solidFill>
             <a:tailEnd type="triangle"/>
           </a:ln>
         </p:spPr>
@@ -32381,13 +32472,16 @@
         </p:nvCxnSpPr>
         <p:spPr>
           <a:xfrm>
-            <a:off x="3572271" y="2332833"/>
+            <a:off x="4481916" y="2598103"/>
             <a:ext cx="0" cy="0"/>
           </a:xfrm>
           <a:prstGeom prst="straightConnector1">
             <a:avLst/>
           </a:prstGeom>
           <a:ln>
+            <a:solidFill>
+              <a:schemeClr val="tx1"/>
+            </a:solidFill>
             <a:tailEnd type="triangle"/>
           </a:ln>
         </p:spPr>
@@ -32416,14 +32510,17 @@
           <p:nvPr/>
         </p:nvCxnSpPr>
         <p:spPr>
-          <a:xfrm>
-            <a:off x="4258469" y="3919347"/>
-            <a:ext cx="1427956" cy="243049"/>
+          <a:xfrm flipH="1">
+            <a:off x="1015806" y="3422594"/>
+            <a:ext cx="1654093" cy="428996"/>
           </a:xfrm>
           <a:prstGeom prst="straightConnector1">
             <a:avLst/>
           </a:prstGeom>
           <a:ln>
+            <a:solidFill>
+              <a:schemeClr val="tx1"/>
+            </a:solidFill>
             <a:tailEnd type="triangle"/>
           </a:ln>
         </p:spPr>
@@ -32452,14 +32549,17 @@
           <p:nvPr/>
         </p:nvCxnSpPr>
         <p:spPr>
-          <a:xfrm flipH="1" flipV="1">
-            <a:off x="3340099" y="1346168"/>
-            <a:ext cx="918370" cy="2065179"/>
+          <a:xfrm flipV="1">
+            <a:off x="2669899" y="2262091"/>
+            <a:ext cx="327127" cy="652503"/>
           </a:xfrm>
           <a:prstGeom prst="straightConnector1">
             <a:avLst/>
           </a:prstGeom>
           <a:ln>
+            <a:solidFill>
+              <a:schemeClr val="tx1"/>
+            </a:solidFill>
             <a:tailEnd type="triangle"/>
           </a:ln>
         </p:spPr>
@@ -32488,14 +32588,17 @@
           <p:nvPr/>
         </p:nvCxnSpPr>
         <p:spPr>
-          <a:xfrm>
-            <a:off x="3572271" y="2332833"/>
-            <a:ext cx="1907786" cy="245999"/>
+          <a:xfrm flipV="1">
+            <a:off x="4481916" y="2578832"/>
+            <a:ext cx="998141" cy="19271"/>
           </a:xfrm>
           <a:prstGeom prst="straightConnector1">
             <a:avLst/>
           </a:prstGeom>
           <a:ln>
+            <a:solidFill>
+              <a:schemeClr val="tx1"/>
+            </a:solidFill>
             <a:tailEnd type="triangle"/>
           </a:ln>
         </p:spPr>
@@ -32522,7 +32625,7 @@
         </p:nvSpPr>
         <p:spPr>
           <a:xfrm>
-            <a:off x="1736326" y="4204496"/>
+            <a:off x="2056483" y="4105306"/>
             <a:ext cx="1222375" cy="508000"/>
           </a:xfrm>
           <a:prstGeom prst="rect">
@@ -32576,13 +32679,16 @@
         </p:nvCxnSpPr>
         <p:spPr>
           <a:xfrm flipH="1">
-            <a:off x="2347514" y="3919347"/>
-            <a:ext cx="1910955" cy="285149"/>
+            <a:off x="2667671" y="3422594"/>
+            <a:ext cx="2228" cy="682712"/>
           </a:xfrm>
           <a:prstGeom prst="straightConnector1">
             <a:avLst/>
           </a:prstGeom>
           <a:ln>
+            <a:solidFill>
+              <a:schemeClr val="tx1"/>
+            </a:solidFill>
             <a:tailEnd type="triangle"/>
           </a:ln>
         </p:spPr>
@@ -32612,13 +32718,106 @@
         </p:nvCxnSpPr>
         <p:spPr>
           <a:xfrm flipH="1">
-            <a:off x="2347514" y="2586833"/>
-            <a:ext cx="613570" cy="1617663"/>
+            <a:off x="2667671" y="2852103"/>
+            <a:ext cx="1203058" cy="1253203"/>
           </a:xfrm>
           <a:prstGeom prst="straightConnector1">
             <a:avLst/>
           </a:prstGeom>
           <a:ln>
+            <a:solidFill>
+              <a:schemeClr val="tx1"/>
+            </a:solidFill>
+            <a:tailEnd type="triangle"/>
+          </a:ln>
+        </p:spPr>
+        <p:style>
+          <a:lnRef idx="2">
+            <a:schemeClr val="accent1"/>
+          </a:lnRef>
+          <a:fillRef idx="0">
+            <a:schemeClr val="accent1"/>
+          </a:fillRef>
+          <a:effectRef idx="1">
+            <a:schemeClr val="accent1"/>
+          </a:effectRef>
+          <a:fontRef idx="minor">
+            <a:schemeClr val="tx1"/>
+          </a:fontRef>
+        </p:style>
+      </p:cxnSp>
+      <p:sp>
+        <p:nvSpPr>
+          <p:cNvPr id="35" name="Прямоугольник 34"/>
+          <p:cNvSpPr/>
+          <p:nvPr/>
+        </p:nvSpPr>
+        <p:spPr>
+          <a:xfrm>
+            <a:off x="3532386" y="4214465"/>
+            <a:ext cx="1222375" cy="508000"/>
+          </a:xfrm>
+          <a:prstGeom prst="rect">
+            <a:avLst/>
+          </a:prstGeom>
+          <a:solidFill>
+            <a:schemeClr val="accent4"/>
+          </a:solidFill>
+          <a:ln>
+            <a:solidFill>
+              <a:schemeClr val="tx1"/>
+            </a:solidFill>
+          </a:ln>
+          <a:effectLst/>
+        </p:spPr>
+        <p:style>
+          <a:lnRef idx="1">
+            <a:schemeClr val="accent1"/>
+          </a:lnRef>
+          <a:fillRef idx="3">
+            <a:schemeClr val="accent1"/>
+          </a:fillRef>
+          <a:effectRef idx="2">
+            <a:schemeClr val="accent1"/>
+          </a:effectRef>
+          <a:fontRef idx="minor">
+            <a:schemeClr val="lt1"/>
+          </a:fontRef>
+        </p:style>
+        <p:txBody>
+          <a:bodyPr rtlCol="0" anchor="ctr"/>
+          <a:lstStyle/>
+          <a:p>
+            <a:pPr algn="ctr"/>
+            <a:r>
+              <a:rPr lang="en-US" dirty="0" smtClean="0"/>
+              <a:t>Foreign Exchange</a:t>
+            </a:r>
+            <a:endParaRPr lang="ru-RU" dirty="0"/>
+          </a:p>
+        </p:txBody>
+      </p:sp>
+      <p:cxnSp>
+        <p:nvCxnSpPr>
+          <p:cNvPr id="4" name="Прямая со стрелкой 3"/>
+          <p:cNvCxnSpPr>
+            <a:stCxn id="17" idx="2"/>
+            <a:endCxn id="35" idx="0"/>
+          </p:cNvCxnSpPr>
+          <p:nvPr/>
+        </p:nvCxnSpPr>
+        <p:spPr>
+          <a:xfrm>
+            <a:off x="3870729" y="2852103"/>
+            <a:ext cx="272845" cy="1362362"/>
+          </a:xfrm>
+          <a:prstGeom prst="straightConnector1">
+            <a:avLst/>
+          </a:prstGeom>
+          <a:ln>
+            <a:solidFill>
+              <a:schemeClr val="tx1"/>
+            </a:solidFill>
             <a:tailEnd type="triangle"/>
           </a:ln>
         </p:spPr>
@@ -33257,7 +33456,7 @@
         <p:spPr>
           <a:xfrm>
             <a:off x="132347" y="525269"/>
-            <a:ext cx="6593305" cy="4268220"/>
+            <a:ext cx="6593305" cy="4401205"/>
           </a:xfrm>
           <a:prstGeom prst="rect">
             <a:avLst/>
@@ -33392,7 +33591,15 @@
             </a:pPr>
             <a:r>
               <a:rPr lang="en-US" sz="2800" b="1" dirty="0"/>
-              <a:t> Automation is must have</a:t>
+              <a:t> Automation is </a:t>
+            </a:r>
+            <a:r>
+              <a:rPr lang="en-US" sz="2800" b="1" dirty="0" smtClean="0"/>
+              <a:t>a must </a:t>
+            </a:r>
+            <a:r>
+              <a:rPr lang="en-US" sz="2800" b="1" dirty="0"/>
+              <a:t>have</a:t>
             </a:r>
           </a:p>
         </p:txBody>
@@ -33533,6 +33740,29 @@
               <a:rPr lang="en-US" sz="2400" b="1" dirty="0" smtClean="0"/>
               <a:t> Automated migration </a:t>
             </a:r>
+            <a:endParaRPr lang="en-US" sz="2400" b="1" dirty="0" smtClean="0"/>
+          </a:p>
+          <a:p>
+            <a:pPr lvl="1">
+              <a:lnSpc>
+                <a:spcPct val="150000"/>
+              </a:lnSpc>
+              <a:buClr>
+                <a:schemeClr val="accent3">
+                  <a:lumMod val="75000"/>
+                </a:schemeClr>
+              </a:buClr>
+              <a:buFont typeface="Arial" pitchFamily="34" charset="0"/>
+              <a:buChar char="•"/>
+            </a:pPr>
+            <a:r>
+              <a:rPr lang="en-US" sz="2400" b="1" dirty="0" smtClean="0"/>
+              <a:t> Automated </a:t>
+            </a:r>
+            <a:r>
+              <a:rPr lang="en-US" sz="2400" b="1" dirty="0"/>
+              <a:t>deployment (Jenkins)</a:t>
+            </a:r>
           </a:p>
           <a:p>
             <a:pPr lvl="2">
@@ -33548,14 +33778,95 @@
               <a:buChar char="•"/>
             </a:pPr>
             <a:r>
-              <a:rPr lang="en-US" sz="2400" b="1" dirty="0"/>
+              <a:rPr lang="en-US" sz="2000" b="1" dirty="0" smtClean="0"/>
               <a:t> </a:t>
             </a:r>
             <a:r>
-              <a:rPr lang="en-US" sz="2400" b="1" dirty="0" smtClean="0"/>
-              <a:t>one-button run</a:t>
-            </a:r>
-            <a:endParaRPr lang="en-US" sz="2400" b="1" dirty="0"/>
+              <a:rPr lang="en-US" sz="2000" b="1" dirty="0"/>
+              <a:t>Check (unit + integration tests)</a:t>
+            </a:r>
+          </a:p>
+          <a:p>
+            <a:pPr lvl="2">
+              <a:lnSpc>
+                <a:spcPct val="150000"/>
+              </a:lnSpc>
+              <a:buClr>
+                <a:schemeClr val="accent3">
+                  <a:lumMod val="75000"/>
+                </a:schemeClr>
+              </a:buClr>
+              <a:buFont typeface="Arial" pitchFamily="34" charset="0"/>
+              <a:buChar char="•"/>
+            </a:pPr>
+            <a:r>
+              <a:rPr lang="en-US" sz="2000" b="1" dirty="0" smtClean="0"/>
+              <a:t> </a:t>
+            </a:r>
+            <a:r>
+              <a:rPr lang="en-US" sz="2000" b="1" dirty="0"/>
+              <a:t>Release (</a:t>
+            </a:r>
+            <a:r>
+              <a:rPr lang="en-US" sz="2000" b="1" dirty="0" err="1"/>
+              <a:t>artifactory</a:t>
+            </a:r>
+            <a:r>
+              <a:rPr lang="en-US" sz="2000" b="1" dirty="0"/>
+              <a:t>)</a:t>
+            </a:r>
+          </a:p>
+          <a:p>
+            <a:pPr lvl="2">
+              <a:lnSpc>
+                <a:spcPct val="150000"/>
+              </a:lnSpc>
+              <a:buClr>
+                <a:schemeClr val="accent3">
+                  <a:lumMod val="75000"/>
+                </a:schemeClr>
+              </a:buClr>
+              <a:buFont typeface="Arial" pitchFamily="34" charset="0"/>
+              <a:buChar char="•"/>
+            </a:pPr>
+            <a:r>
+              <a:rPr lang="en-US" sz="2000" b="1" dirty="0" smtClean="0"/>
+              <a:t> </a:t>
+            </a:r>
+            <a:r>
+              <a:rPr lang="en-US" sz="2000" b="1" dirty="0"/>
+              <a:t>Deploy (chef)</a:t>
+            </a:r>
+          </a:p>
+          <a:p>
+            <a:pPr lvl="2">
+              <a:lnSpc>
+                <a:spcPct val="150000"/>
+              </a:lnSpc>
+              <a:buClr>
+                <a:schemeClr val="accent3">
+                  <a:lumMod val="75000"/>
+                </a:schemeClr>
+              </a:buClr>
+              <a:buFont typeface="Arial" pitchFamily="34" charset="0"/>
+              <a:buChar char="•"/>
+            </a:pPr>
+            <a:r>
+              <a:rPr lang="en-US" sz="2000" b="1" dirty="0" smtClean="0"/>
+              <a:t> </a:t>
+            </a:r>
+            <a:r>
+              <a:rPr lang="en-US" sz="2000" b="1" dirty="0"/>
+              <a:t>Accept </a:t>
+            </a:r>
+            <a:r>
+              <a:rPr lang="en-US" sz="2000" b="1" dirty="0" smtClean="0"/>
+              <a:t>(selenium</a:t>
+            </a:r>
+            <a:r>
+              <a:rPr lang="en-US" sz="2000" b="1" dirty="0" smtClean="0"/>
+              <a:t>)</a:t>
+            </a:r>
           </a:p>
           <a:p>
             <a:pPr lvl="1">
@@ -33572,116 +33883,9 @@
             </a:pPr>
             <a:r>
               <a:rPr lang="en-US" sz="2400" b="1" dirty="0" smtClean="0"/>
-              <a:t> Automated </a:t>
-            </a:r>
-            <a:r>
-              <a:rPr lang="en-US" sz="2400" b="1" dirty="0"/>
-              <a:t>deployment (Jenkins)</a:t>
-            </a:r>
-          </a:p>
-          <a:p>
-            <a:pPr lvl="2">
-              <a:lnSpc>
-                <a:spcPct val="150000"/>
-              </a:lnSpc>
-              <a:buClr>
-                <a:schemeClr val="accent3">
-                  <a:lumMod val="75000"/>
-                </a:schemeClr>
-              </a:buClr>
-              <a:buFont typeface="Arial" pitchFamily="34" charset="0"/>
-              <a:buChar char="•"/>
-            </a:pPr>
-            <a:r>
-              <a:rPr lang="en-US" sz="2000" b="1" dirty="0" smtClean="0"/>
-              <a:t> </a:t>
-            </a:r>
-            <a:r>
-              <a:rPr lang="en-US" sz="2000" b="1" dirty="0"/>
-              <a:t>Check (unit + integration tests)</a:t>
-            </a:r>
-          </a:p>
-          <a:p>
-            <a:pPr lvl="2">
-              <a:lnSpc>
-                <a:spcPct val="150000"/>
-              </a:lnSpc>
-              <a:buClr>
-                <a:schemeClr val="accent3">
-                  <a:lumMod val="75000"/>
-                </a:schemeClr>
-              </a:buClr>
-              <a:buFont typeface="Arial" pitchFamily="34" charset="0"/>
-              <a:buChar char="•"/>
-            </a:pPr>
-            <a:r>
-              <a:rPr lang="en-US" sz="2000" b="1" dirty="0" smtClean="0"/>
-              <a:t> </a:t>
-            </a:r>
-            <a:r>
-              <a:rPr lang="en-US" sz="2000" b="1" dirty="0"/>
-              <a:t>Release (</a:t>
-            </a:r>
-            <a:r>
-              <a:rPr lang="en-US" sz="2000" b="1" dirty="0" err="1"/>
-              <a:t>artifactory</a:t>
-            </a:r>
-            <a:r>
-              <a:rPr lang="en-US" sz="2000" b="1" dirty="0"/>
-              <a:t>)</a:t>
-            </a:r>
-          </a:p>
-          <a:p>
-            <a:pPr lvl="2">
-              <a:lnSpc>
-                <a:spcPct val="150000"/>
-              </a:lnSpc>
-              <a:buClr>
-                <a:schemeClr val="accent3">
-                  <a:lumMod val="75000"/>
-                </a:schemeClr>
-              </a:buClr>
-              <a:buFont typeface="Arial" pitchFamily="34" charset="0"/>
-              <a:buChar char="•"/>
-            </a:pPr>
-            <a:r>
-              <a:rPr lang="en-US" sz="2000" b="1" dirty="0" smtClean="0"/>
-              <a:t> </a:t>
-            </a:r>
-            <a:r>
-              <a:rPr lang="en-US" sz="2000" b="1" dirty="0"/>
-              <a:t>Deploy (chef)</a:t>
-            </a:r>
-          </a:p>
-          <a:p>
-            <a:pPr lvl="2">
-              <a:lnSpc>
-                <a:spcPct val="150000"/>
-              </a:lnSpc>
-              <a:buClr>
-                <a:schemeClr val="accent3">
-                  <a:lumMod val="75000"/>
-                </a:schemeClr>
-              </a:buClr>
-              <a:buFont typeface="Arial" pitchFamily="34" charset="0"/>
-              <a:buChar char="•"/>
-            </a:pPr>
-            <a:r>
-              <a:rPr lang="en-US" sz="2000" b="1" dirty="0" smtClean="0"/>
-              <a:t> </a:t>
-            </a:r>
-            <a:r>
-              <a:rPr lang="en-US" sz="2000" b="1" dirty="0"/>
-              <a:t>Accept </a:t>
-            </a:r>
-            <a:r>
-              <a:rPr lang="en-US" sz="2000" b="1" dirty="0" smtClean="0"/>
-              <a:t>(selenium</a:t>
-            </a:r>
-            <a:r>
-              <a:rPr lang="en-US" sz="2000" b="1" dirty="0"/>
-              <a:t>)</a:t>
-            </a:r>
+              <a:t> One-button deployment</a:t>
+            </a:r>
+            <a:endParaRPr lang="en-US" sz="2400" b="1" dirty="0"/>
           </a:p>
         </p:txBody>
       </p:sp>
@@ -34083,7 +34287,7 @@
                 <a:ea typeface="+mn-ea"/>
                 <a:cs typeface="+mn-cs"/>
               </a:rPr>
-              <a:t>PostgreSQL</a:t>
+              <a:t>MongoDB</a:t>
             </a:r>
             <a:endParaRPr kumimoji="0" lang="ru-RU" sz="1800" b="0" i="0" u="none" strike="noStrike" kern="0" cap="none" spc="0" normalizeH="0" baseline="0" noProof="0" dirty="0">
               <a:ln>
@@ -34165,7 +34369,7 @@
                 <a:ea typeface="+mn-ea"/>
                 <a:cs typeface="+mn-cs"/>
               </a:rPr>
-              <a:t>MongoDB</a:t>
+              <a:t>PostgreSQL</a:t>
             </a:r>
             <a:endParaRPr kumimoji="0" lang="ru-RU" sz="1800" b="0" i="0" u="none" strike="noStrike" kern="0" cap="none" spc="0" normalizeH="0" baseline="0" noProof="0" dirty="0">
               <a:ln>
@@ -34192,8 +34396,8 @@
         </p:nvSpPr>
         <p:spPr>
           <a:xfrm>
-            <a:off x="1556995" y="3057807"/>
-            <a:ext cx="914400" cy="576064"/>
+            <a:off x="1268236" y="3057807"/>
+            <a:ext cx="1484588" cy="576064"/>
           </a:xfrm>
           <a:prstGeom prst="rect">
             <a:avLst/>
@@ -34247,7 +34451,7 @@
                 <a:ea typeface="+mn-ea"/>
                 <a:cs typeface="+mn-cs"/>
               </a:rPr>
-              <a:t>ROA</a:t>
+              <a:t>Article Management</a:t>
             </a:r>
             <a:endParaRPr kumimoji="0" lang="ru-RU" sz="1800" b="0" i="0" u="none" strike="noStrike" kern="0" cap="none" spc="0" normalizeH="0" baseline="0" noProof="0" dirty="0">
               <a:ln>
@@ -34329,7 +34533,7 @@
                 <a:ea typeface="+mn-ea"/>
                 <a:cs typeface="+mn-cs"/>
               </a:rPr>
-              <a:t>Discounts</a:t>
+              <a:t>Orders</a:t>
             </a:r>
             <a:endParaRPr kumimoji="0" lang="ru-RU" sz="1800" b="0" i="0" u="none" strike="noStrike" kern="0" cap="none" spc="0" normalizeH="0" baseline="0" noProof="0" dirty="0">
               <a:ln>
@@ -34358,7 +34562,7 @@
         </p:nvCxnSpPr>
         <p:spPr>
           <a:xfrm>
-            <a:off x="764907" y="3345839"/>
+            <a:off x="476148" y="3345839"/>
             <a:ext cx="792088" cy="0"/>
           </a:xfrm>
           <a:prstGeom prst="straightConnector1">
@@ -34389,8 +34593,8 @@
         </p:nvCxnSpPr>
         <p:spPr>
           <a:xfrm>
-            <a:off x="2471395" y="3345839"/>
-            <a:ext cx="1923325" cy="0"/>
+            <a:off x="2752824" y="3345839"/>
+            <a:ext cx="1641896" cy="0"/>
           </a:xfrm>
           <a:prstGeom prst="straightConnector1">
             <a:avLst/>
@@ -34487,8 +34691,8 @@
         </p:nvCxnSpPr>
         <p:spPr>
           <a:xfrm>
-            <a:off x="2014195" y="3633871"/>
-            <a:ext cx="0" cy="258774"/>
+            <a:off x="2010530" y="3633871"/>
+            <a:ext cx="3665" cy="258774"/>
           </a:xfrm>
           <a:prstGeom prst="straightConnector1">
             <a:avLst/>
@@ -35775,21 +35979,21 @@
 </file>
 
 <file path=customXml/item2.xml><?xml version="1.0" encoding="utf-8"?>
+<p:properties xmlns:p="http://schemas.microsoft.com/office/2006/metadata/properties" xmlns:xsi="http://www.w3.org/2001/XMLSchema-instance" xmlns:pc="http://schemas.microsoft.com/office/infopath/2007/PartnerControls">
+  <documentManagement>
+    <PublishingExpirationDate xmlns="http://schemas.microsoft.com/sharepoint/v3" xsi:nil="true"/>
+    <PublishingStartDate xmlns="http://schemas.microsoft.com/sharepoint/v3" xsi:nil="true"/>
+  </documentManagement>
+</p:properties>
+</file>
+
+<file path=customXml/item3.xml><?xml version="1.0" encoding="utf-8"?>
 <?mso-contentType ?>
 <FormTemplates xmlns="http://schemas.microsoft.com/sharepoint/v3/contenttype/forms">
   <Display>DocumentLibraryForm</Display>
   <Edit>DocumentLibraryForm</Edit>
   <New>DocumentLibraryForm</New>
 </FormTemplates>
-</file>
-
-<file path=customXml/item3.xml><?xml version="1.0" encoding="utf-8"?>
-<p:properties xmlns:p="http://schemas.microsoft.com/office/2006/metadata/properties" xmlns:xsi="http://www.w3.org/2001/XMLSchema-instance" xmlns:pc="http://schemas.microsoft.com/office/infopath/2007/PartnerControls">
-  <documentManagement>
-    <PublishingExpirationDate xmlns="http://schemas.microsoft.com/sharepoint/v3" xsi:nil="true"/>
-    <PublishingStartDate xmlns="http://schemas.microsoft.com/sharepoint/v3" xsi:nil="true"/>
-  </documentManagement>
-</p:properties>
 </file>
 
 <file path=customXml/itemProps1.xml><?xml version="1.0" encoding="utf-8"?>
@@ -35811,14 +36015,6 @@
 </file>
 
 <file path=customXml/itemProps2.xml><?xml version="1.0" encoding="utf-8"?>
-<ds:datastoreItem xmlns:ds="http://schemas.openxmlformats.org/officeDocument/2006/customXml" ds:itemID="{14883F0F-DE57-4ECA-B9BB-F22E8C5B5D82}">
-  <ds:schemaRefs>
-    <ds:schemaRef ds:uri="http://schemas.microsoft.com/sharepoint/v3/contenttype/forms"/>
-  </ds:schemaRefs>
-</ds:datastoreItem>
-</file>
-
-<file path=customXml/itemProps3.xml><?xml version="1.0" encoding="utf-8"?>
 <ds:datastoreItem xmlns:ds="http://schemas.openxmlformats.org/officeDocument/2006/customXml" ds:itemID="{D5E3C081-4081-47AD-A9A6-9F18F525DA1D}">
   <ds:schemaRefs>
     <ds:schemaRef ds:uri="http://schemas.microsoft.com/office/2006/documentManagement/types"/>
@@ -35832,4 +36028,12 @@
     <ds:schemaRef ds:uri="http://purl.org/dc/elements/1.1/"/>
   </ds:schemaRefs>
 </ds:datastoreItem>
+</file>
+
+<file path=customXml/itemProps3.xml><?xml version="1.0" encoding="utf-8"?>
+<ds:datastoreItem xmlns:ds="http://schemas.openxmlformats.org/officeDocument/2006/customXml" ds:itemID="{14883F0F-DE57-4ECA-B9BB-F22E8C5B5D82}">
+  <ds:schemaRefs>
+    <ds:schemaRef ds:uri="http://schemas.microsoft.com/sharepoint/v3/contenttype/forms"/>
+  </ds:schemaRefs>
+</ds:datastoreItem>
 </file>
--- a/MicroservicesITWeek2017.pptx
+++ b/MicroservicesITWeek2017.pptx
@@ -1224,11 +1224,7 @@
             </a:r>
             <a:r>
               <a:rPr lang="en-US" baseline="0" dirty="0" smtClean="0"/>
-              <a:t> interaction is usually used for read operation in </a:t>
-            </a:r>
-            <a:r>
-              <a:rPr lang="en-US" baseline="0" dirty="0" smtClean="0"/>
-              <a:t>because we need to show the results of right away to user</a:t>
+              <a:t> interaction is usually used for read operation in because we need to show the results of right away to user</a:t>
             </a:r>
             <a:endParaRPr lang="en-US" dirty="0" smtClean="0"/>
           </a:p>
@@ -1455,15 +1451,7 @@
             </a:r>
             <a:r>
               <a:rPr lang="en-US" baseline="0" dirty="0" smtClean="0"/>
-              <a:t> </a:t>
-            </a:r>
-            <a:r>
-              <a:rPr lang="en-US" baseline="0" dirty="0" smtClean="0"/>
-              <a:t>support in </a:t>
-            </a:r>
-            <a:r>
-              <a:rPr lang="en-US" baseline="0" dirty="0" smtClean="0"/>
-              <a:t>case of issues.</a:t>
+              <a:t> support in case of issues.</a:t>
             </a:r>
           </a:p>
           <a:p>
@@ -2078,15 +2066,7 @@
             </a:r>
             <a:r>
               <a:rPr lang="en-US" baseline="0" dirty="0" smtClean="0"/>
-              <a:t> </a:t>
-            </a:r>
-            <a:r>
-              <a:rPr lang="en-US" baseline="0" dirty="0" smtClean="0"/>
-              <a:t>client that processing is </a:t>
-            </a:r>
-            <a:r>
-              <a:rPr lang="en-US" baseline="0" dirty="0" smtClean="0"/>
-              <a:t>complete.</a:t>
+              <a:t> client that processing is complete.</a:t>
             </a:r>
           </a:p>
           <a:p>
@@ -2553,11 +2533,7 @@
             </a:r>
             <a:r>
               <a:rPr lang="en-US" baseline="0" dirty="0" smtClean="0"/>
-              <a:t>e </a:t>
-            </a:r>
-            <a:r>
-              <a:rPr lang="en-US" baseline="0" dirty="0" smtClean="0"/>
-              <a:t>should be ready for failure and design your application with expectation that if something can fail in this place, it will fail.</a:t>
+              <a:t>e should be ready for failure and design your application with expectation that if something can fail in this place, it will fail.</a:t>
             </a:r>
           </a:p>
           <a:p>
@@ -2722,15 +2698,7 @@
             </a:pPr>
             <a:r>
               <a:rPr lang="en-US" baseline="0" dirty="0" smtClean="0"/>
-              <a:t>Responsible in this case is developer, who need </a:t>
-            </a:r>
-            <a:r>
-              <a:rPr lang="en-US" baseline="0" dirty="0" smtClean="0"/>
-              <a:t>to predict and </a:t>
-            </a:r>
-            <a:r>
-              <a:rPr lang="en-US" baseline="0" dirty="0" smtClean="0"/>
-              <a:t>have ways to mitigate the issue</a:t>
+              <a:t>Responsible in this case is developer, who need to predict and have ways to mitigate the issue</a:t>
             </a:r>
             <a:endParaRPr lang="en-US" dirty="0"/>
           </a:p>
@@ -3211,11 +3179,7 @@
           <a:p>
             <a:r>
               <a:rPr lang="en-US" dirty="0" smtClean="0"/>
-              <a:t>If the processing was unsuccessful, action is executed </a:t>
-            </a:r>
-            <a:r>
-              <a:rPr lang="en-US" dirty="0" smtClean="0"/>
-              <a:t>again and again, up to X attempts</a:t>
+              <a:t>If the processing was unsuccessful, action is executed again and again, up to X attempts</a:t>
             </a:r>
             <a:endParaRPr lang="en-US" dirty="0"/>
           </a:p>
@@ -3397,19 +3361,7 @@
             </a:r>
             <a:r>
               <a:rPr lang="en-US" baseline="0" dirty="0" smtClean="0"/>
-              <a:t> is monitored by support team and </a:t>
-            </a:r>
-            <a:r>
-              <a:rPr lang="en-US" baseline="0" dirty="0" smtClean="0"/>
-              <a:t>who see the issue and tries </a:t>
-            </a:r>
-            <a:r>
-              <a:rPr lang="en-US" baseline="0" dirty="0" smtClean="0"/>
-              <a:t>to fix </a:t>
-            </a:r>
-            <a:r>
-              <a:rPr lang="en-US" baseline="0" dirty="0" smtClean="0"/>
-              <a:t>it</a:t>
+              <a:t> is monitored by support team and who see the issue and tries to fix it</a:t>
             </a:r>
             <a:endParaRPr lang="en-US" dirty="0"/>
           </a:p>
@@ -3591,11 +3543,7 @@
           <a:p>
             <a:r>
               <a:rPr lang="en-US" baseline="0" dirty="0" smtClean="0"/>
-              <a:t>One </a:t>
-            </a:r>
-            <a:r>
-              <a:rPr lang="en-US" baseline="0" dirty="0" smtClean="0"/>
-              <a:t>more good point in ensuring reliability of a system is failover.</a:t>
+              <a:t>One more good point in ensuring reliability of a system is failover.</a:t>
             </a:r>
           </a:p>
           <a:p>
@@ -3609,13 +3557,8 @@
             </a:r>
             <a:r>
               <a:rPr lang="en-US" baseline="0" dirty="0" smtClean="0"/>
-              <a:t> </a:t>
-            </a:r>
-            <a:r>
-              <a:rPr lang="en-US" baseline="0" dirty="0" smtClean="0"/>
-              <a:t>instances. And this relates to everything!</a:t>
-            </a:r>
-            <a:endParaRPr lang="en-US" baseline="0" dirty="0" smtClean="0"/>
+              <a:t> instances. And this relates to everything!</a:t>
+            </a:r>
           </a:p>
           <a:p>
             <a:r>
@@ -3862,11 +3805,7 @@
           <a:p>
             <a:r>
               <a:rPr lang="en-US" baseline="0" dirty="0" smtClean="0"/>
-              <a:t>First thing that is different – </a:t>
-            </a:r>
-            <a:r>
-              <a:rPr lang="en-US" baseline="0" dirty="0" smtClean="0"/>
-              <a:t>it is oriented</a:t>
+              <a:t>First thing that is different – it is oriented</a:t>
             </a:r>
           </a:p>
           <a:p>
@@ -3895,11 +3834,7 @@
           <a:p>
             <a:r>
               <a:rPr lang="en-US" baseline="0" dirty="0" smtClean="0"/>
-              <a:t>With </a:t>
-            </a:r>
-            <a:r>
-              <a:rPr lang="en-US" baseline="0" dirty="0" smtClean="0"/>
-              <a:t>traditional approach team split into those who works with database,  business logic level, frontend level and so on.</a:t>
+              <a:t>With traditional approach team split into those who works with database,  business logic level, frontend level and so on.</a:t>
             </a:r>
           </a:p>
           <a:p>
@@ -3919,15 +3854,7 @@
           <a:p>
             <a:r>
               <a:rPr lang="en-US" baseline="0" dirty="0" smtClean="0"/>
-              <a:t>Different </a:t>
-            </a:r>
-            <a:r>
-              <a:rPr lang="en-US" baseline="0" dirty="0" smtClean="0"/>
-              <a:t>issues raised on production, force team to create additional tools and applications to help to diagnose and maintain product. In our case, we created completely new additional application that was not even planned but helped us with </a:t>
-            </a:r>
-            <a:r>
-              <a:rPr lang="en-US" baseline="0" dirty="0" smtClean="0"/>
-              <a:t>support</a:t>
+              <a:t>Different issues raised on production, force team to create additional tools and applications to help to diagnose and maintain product. In our case, we created completely new additional application that was not even planned but helped us with support</a:t>
             </a:r>
             <a:endParaRPr lang="ru-RU" baseline="0" dirty="0" smtClean="0"/>
           </a:p>
@@ -4551,11 +4478,7 @@
           <a:p>
             <a:r>
               <a:rPr lang="en-US" baseline="0" dirty="0" smtClean="0"/>
-              <a:t>It’s </a:t>
-            </a:r>
-            <a:r>
-              <a:rPr lang="en-US" baseline="0" dirty="0" smtClean="0"/>
-              <a:t>practical to have several separate environments – for development, testing, production. At the same time, infrastructure of those </a:t>
+              <a:t>It’s practical to have several separate environments – for development, testing, production. At the same time, infrastructure of those </a:t>
             </a:r>
             <a:r>
               <a:rPr lang="en-US" baseline="0" dirty="0" err="1" smtClean="0"/>
@@ -4563,11 +4486,7 @@
             </a:r>
             <a:r>
               <a:rPr lang="en-US" baseline="0" dirty="0" smtClean="0"/>
-              <a:t> should be aligned and be similar if not the same. This means the same OS, java version, application server. This will help to avoid many different strange and hard to diagnose issues because of environment differences</a:t>
-            </a:r>
-            <a:r>
-              <a:rPr lang="en-US" baseline="0" dirty="0" smtClean="0"/>
-              <a:t>.</a:t>
+              <a:t> should be aligned and be similar if not the same. This means the same OS, java version, application server. This will help to avoid many different strange and hard to diagnose issues because of environment differences.</a:t>
             </a:r>
           </a:p>
           <a:p>
@@ -4575,7 +4494,6 @@
               <a:rPr lang="en-US" baseline="0" dirty="0" smtClean="0"/>
               <a:t>As there are many rather small services, chance one of them goes down is bigger than for one huge application. And when it happens, we’d like to know it so the monitoring is must have.</a:t>
             </a:r>
-            <a:endParaRPr lang="en-US" baseline="0" dirty="0" smtClean="0"/>
           </a:p>
           <a:p>
             <a:r>
@@ -4787,13 +4705,8 @@
             </a:pPr>
             <a:r>
               <a:rPr lang="en-US" baseline="0" dirty="0" smtClean="0"/>
-              <a:t>Jenkins </a:t>
-            </a:r>
-            <a:r>
-              <a:rPr lang="en-US" baseline="0" dirty="0" smtClean="0"/>
-              <a:t>always checks application can compile and pass tests. </a:t>
-            </a:r>
-            <a:endParaRPr lang="en-US" baseline="0" dirty="0" smtClean="0"/>
+              <a:t>Jenkins always checks application can compile and pass tests. </a:t>
+            </a:r>
           </a:p>
           <a:p>
             <a:pPr marL="514350" lvl="1" indent="-171450">
@@ -4802,15 +4715,7 @@
             </a:pPr>
             <a:r>
               <a:rPr lang="en-US" baseline="0" dirty="0" smtClean="0"/>
-              <a:t>Helps </a:t>
-            </a:r>
-            <a:r>
-              <a:rPr lang="en-US" baseline="0" dirty="0" smtClean="0"/>
-              <a:t>to </a:t>
-            </a:r>
-            <a:r>
-              <a:rPr lang="en-US" baseline="0" dirty="0" smtClean="0"/>
-              <a:t>release application and place it in </a:t>
+              <a:t>Helps to release application and place it in </a:t>
             </a:r>
             <a:r>
               <a:rPr lang="en-US" baseline="0" dirty="0" err="1" smtClean="0"/>
@@ -4825,11 +4730,7 @@
             </a:pPr>
             <a:r>
               <a:rPr lang="en-US" baseline="0" dirty="0" smtClean="0"/>
-              <a:t>Then, using chef scripts, deploy </a:t>
-            </a:r>
-            <a:r>
-              <a:rPr lang="en-US" baseline="0" dirty="0" smtClean="0"/>
-              <a:t>final application version on integration environment to check integration</a:t>
+              <a:t>Then, using chef scripts, deploy final application version on integration environment to check integration</a:t>
             </a:r>
             <a:r>
               <a:rPr lang="ru-RU" baseline="0" dirty="0" smtClean="0"/>
@@ -4844,15 +4745,7 @@
             </a:pPr>
             <a:r>
               <a:rPr lang="en-US" baseline="0" dirty="0" smtClean="0"/>
-              <a:t>Last part installed </a:t>
-            </a:r>
-            <a:r>
-              <a:rPr lang="en-US" baseline="0" dirty="0" smtClean="0"/>
-              <a:t>application is verified using automated user acceptance </a:t>
-            </a:r>
-            <a:r>
-              <a:rPr lang="en-US" baseline="0" dirty="0" smtClean="0"/>
-              <a:t>testing</a:t>
+              <a:t>Last part installed application is verified using automated user acceptance testing</a:t>
             </a:r>
           </a:p>
           <a:p>
@@ -4864,7 +4757,6 @@
               <a:rPr lang="en-US" baseline="0" dirty="0" smtClean="0"/>
               <a:t>Each this step is triggered by hitting one button only</a:t>
             </a:r>
-            <a:endParaRPr lang="en-US" baseline="0" dirty="0" smtClean="0"/>
           </a:p>
         </p:txBody>
       </p:sp>
@@ -4957,11 +4849,7 @@
           <a:p>
             <a:r>
               <a:rPr lang="en-US" baseline="0" dirty="0" smtClean="0"/>
-              <a:t>Let’s take a look at something called decentralization </a:t>
-            </a:r>
-            <a:r>
-              <a:rPr lang="en-US" baseline="0" dirty="0" smtClean="0"/>
-              <a:t>of data</a:t>
+              <a:t>Let’s take a look at something called decentralization of data</a:t>
             </a:r>
             <a:endParaRPr lang="en-US" dirty="0" smtClean="0"/>
           </a:p>
@@ -5232,7 +5120,6 @@
               <a:rPr lang="en-US" dirty="0" smtClean="0"/>
               <a:t> interact with each other</a:t>
             </a:r>
-            <a:endParaRPr lang="en-US" dirty="0" smtClean="0"/>
           </a:p>
         </p:txBody>
       </p:sp>
@@ -5323,19 +5210,7 @@
             </a:r>
             <a:r>
               <a:rPr lang="en-US" baseline="0" dirty="0" smtClean="0"/>
-              <a:t> </a:t>
-            </a:r>
-            <a:r>
-              <a:rPr lang="en-US" baseline="0" dirty="0" smtClean="0"/>
-              <a:t>of interaction </a:t>
-            </a:r>
-            <a:r>
-              <a:rPr lang="en-US" baseline="0" dirty="0" smtClean="0"/>
-              <a:t>are</a:t>
-            </a:r>
-            <a:r>
-              <a:rPr lang="en-US" baseline="0" dirty="0" smtClean="0"/>
-              <a:t>:</a:t>
+              <a:t> of interaction are:</a:t>
             </a:r>
           </a:p>
           <a:p>
@@ -5373,11 +5248,7 @@
             </a:pPr>
             <a:r>
               <a:rPr lang="en-US" baseline="0" dirty="0" smtClean="0"/>
-              <a:t>The most important point is that interaction protocol should be well documented</a:t>
-            </a:r>
-            <a:r>
-              <a:rPr lang="en-US" baseline="0" dirty="0" smtClean="0"/>
-              <a:t>.</a:t>
+              <a:t>The most important point is that interaction protocol should be well documented.</a:t>
             </a:r>
           </a:p>
           <a:p>
@@ -11224,11 +11095,7 @@
             </a:pPr>
             <a:r>
               <a:rPr lang="en-US" sz="2000" b="1" dirty="0" smtClean="0"/>
-              <a:t> </a:t>
-            </a:r>
-            <a:r>
-              <a:rPr lang="en-US" sz="2000" b="1" dirty="0" smtClean="0"/>
-              <a:t>Interaction type (sync/</a:t>
+              <a:t> Interaction type (sync/</a:t>
             </a:r>
             <a:r>
               <a:rPr lang="en-US" sz="2000" b="1" dirty="0" err="1" smtClean="0"/>
@@ -12654,7 +12521,7 @@
                   </a:schemeClr>
                 </a:solidFill>
               </a:rPr>
-              <a:t>Miscroservice</a:t>
+              <a:t>Microservice</a:t>
             </a:r>
             <a:r>
               <a:rPr lang="en-US" dirty="0" smtClean="0">
@@ -12666,6 +12533,13 @@
               </a:rPr>
               <a:t> </a:t>
             </a:r>
+            <a:endParaRPr lang="en-US" dirty="0" smtClean="0">
+              <a:solidFill>
+                <a:schemeClr val="bg1">
+                  <a:lumMod val="75000"/>
+                </a:schemeClr>
+              </a:solidFill>
+            </a:endParaRPr>
           </a:p>
           <a:p>
             <a:pPr algn="ctr"/>
@@ -13496,7 +13370,7 @@
                   <a:schemeClr val="tx1"/>
                 </a:solidFill>
               </a:rPr>
-              <a:t>Miscroservice</a:t>
+              <a:t>Microservice</a:t>
             </a:r>
             <a:r>
               <a:rPr lang="en-US" dirty="0" smtClean="0">
@@ -13506,6 +13380,11 @@
               </a:rPr>
               <a:t> </a:t>
             </a:r>
+            <a:endParaRPr lang="en-US" dirty="0" smtClean="0">
+              <a:solidFill>
+                <a:schemeClr val="tx1"/>
+              </a:solidFill>
+            </a:endParaRPr>
           </a:p>
           <a:p>
             <a:pPr algn="ctr"/>
@@ -14617,7 +14496,7 @@
                   <a:schemeClr val="tx1"/>
                 </a:solidFill>
               </a:rPr>
-              <a:t>Miscroservice</a:t>
+              <a:t>Microservice</a:t>
             </a:r>
             <a:r>
               <a:rPr lang="en-US" dirty="0" smtClean="0">
@@ -14627,6 +14506,11 @@
               </a:rPr>
               <a:t> </a:t>
             </a:r>
+            <a:endParaRPr lang="en-US" dirty="0" smtClean="0">
+              <a:solidFill>
+                <a:schemeClr val="tx1"/>
+              </a:solidFill>
+            </a:endParaRPr>
           </a:p>
           <a:p>
             <a:pPr algn="ctr"/>
@@ -15728,7 +15612,7 @@
                   <a:schemeClr val="tx1"/>
                 </a:solidFill>
               </a:rPr>
-              <a:t>Miscroservice</a:t>
+              <a:t>Microservice</a:t>
             </a:r>
             <a:r>
               <a:rPr lang="en-US" dirty="0" smtClean="0">
@@ -15738,6 +15622,11 @@
               </a:rPr>
               <a:t> </a:t>
             </a:r>
+            <a:endParaRPr lang="en-US" dirty="0" smtClean="0">
+              <a:solidFill>
+                <a:schemeClr val="tx1"/>
+              </a:solidFill>
+            </a:endParaRPr>
           </a:p>
           <a:p>
             <a:pPr algn="ctr"/>
@@ -16829,7 +16718,7 @@
                   <a:schemeClr val="tx1"/>
                 </a:solidFill>
               </a:rPr>
-              <a:t>Miscroservice</a:t>
+              <a:t>Microservice</a:t>
             </a:r>
             <a:r>
               <a:rPr lang="en-US" dirty="0" smtClean="0">
@@ -16839,6 +16728,11 @@
               </a:rPr>
               <a:t> </a:t>
             </a:r>
+            <a:endParaRPr lang="en-US" dirty="0" smtClean="0">
+              <a:solidFill>
+                <a:schemeClr val="tx1"/>
+              </a:solidFill>
+            </a:endParaRPr>
           </a:p>
           <a:p>
             <a:pPr algn="ctr"/>
@@ -17927,7 +17821,7 @@
                   <a:schemeClr val="tx1"/>
                 </a:solidFill>
               </a:rPr>
-              <a:t>Miscroservice</a:t>
+              <a:t>Microservice</a:t>
             </a:r>
             <a:r>
               <a:rPr lang="en-US" dirty="0" smtClean="0">
@@ -17937,6 +17831,11 @@
               </a:rPr>
               <a:t> </a:t>
             </a:r>
+            <a:endParaRPr lang="en-US" dirty="0" smtClean="0">
+              <a:solidFill>
+                <a:schemeClr val="tx1"/>
+              </a:solidFill>
+            </a:endParaRPr>
           </a:p>
           <a:p>
             <a:pPr algn="ctr"/>
@@ -19019,7 +18918,7 @@
                   <a:schemeClr val="tx1"/>
                 </a:solidFill>
               </a:rPr>
-              <a:t>Miscroservice</a:t>
+              <a:t>Microservice</a:t>
             </a:r>
             <a:r>
               <a:rPr lang="en-US" dirty="0" smtClean="0">
@@ -19029,6 +18928,11 @@
               </a:rPr>
               <a:t> </a:t>
             </a:r>
+            <a:endParaRPr lang="en-US" dirty="0" smtClean="0">
+              <a:solidFill>
+                <a:schemeClr val="tx1"/>
+              </a:solidFill>
+            </a:endParaRPr>
           </a:p>
           <a:p>
             <a:pPr algn="ctr"/>
@@ -20239,7 +20143,6 @@
               <a:rPr lang="en-US" sz="1800" b="1" dirty="0" smtClean="0"/>
               <a:t>Failures</a:t>
             </a:r>
-            <a:endParaRPr lang="en-US" sz="1800" b="1" dirty="0" smtClean="0"/>
           </a:p>
           <a:p>
             <a:pPr marL="285750" indent="-285750">
@@ -32846,6 +32749,13 @@
   <p:clrMapOvr>
     <a:masterClrMapping/>
   </p:clrMapOvr>
+  <p:timing>
+    <p:tnLst>
+      <p:par>
+        <p:cTn id="1" dur="indefinite" restart="never" nodeType="tmRoot"/>
+      </p:par>
+    </p:tnLst>
+  </p:timing>
 </p:sld>
 </file>
 
@@ -33154,8 +33064,8 @@
         </p:nvSpPr>
         <p:spPr>
           <a:xfrm>
-            <a:off x="1765300" y="2057400"/>
-            <a:ext cx="3621632" cy="830997"/>
+            <a:off x="2390944" y="1239253"/>
+            <a:ext cx="2075179" cy="1569660"/>
           </a:xfrm>
           <a:prstGeom prst="rect">
             <a:avLst/>
@@ -33163,11 +33073,12 @@
           <a:noFill/>
         </p:spPr>
         <p:txBody>
-          <a:bodyPr wrap="none" rtlCol="0">
+          <a:bodyPr wrap="square" rtlCol="0">
             <a:spAutoFit/>
           </a:bodyPr>
           <a:lstStyle/>
           <a:p>
+            <a:pPr algn="ctr"/>
             <a:r>
               <a:rPr lang="en-US" sz="4800" dirty="0" smtClean="0"/>
               <a:t>THANK YOU!</a:t>
@@ -33738,7 +33649,11 @@
             </a:pPr>
             <a:r>
               <a:rPr lang="en-US" sz="2400" b="1" dirty="0" smtClean="0"/>
-              <a:t> Automated migration </a:t>
+              <a:t> Automated </a:t>
+            </a:r>
+            <a:r>
+              <a:rPr lang="en-US" sz="2400" b="1" dirty="0" smtClean="0"/>
+              <a:t>data migration </a:t>
             </a:r>
             <a:endParaRPr lang="en-US" sz="2400" b="1" dirty="0" smtClean="0"/>
           </a:p>
@@ -33861,11 +33776,7 @@
             </a:r>
             <a:r>
               <a:rPr lang="en-US" sz="2000" b="1" dirty="0" smtClean="0"/>
-              <a:t>(selenium</a:t>
-            </a:r>
-            <a:r>
-              <a:rPr lang="en-US" sz="2000" b="1" dirty="0" smtClean="0"/>
-              <a:t>)</a:t>
+              <a:t>(selenium)</a:t>
             </a:r>
           </a:p>
           <a:p>
@@ -35979,21 +35890,21 @@
 </file>
 
 <file path=customXml/item2.xml><?xml version="1.0" encoding="utf-8"?>
+<?mso-contentType ?>
+<FormTemplates xmlns="http://schemas.microsoft.com/sharepoint/v3/contenttype/forms">
+  <Display>DocumentLibraryForm</Display>
+  <Edit>DocumentLibraryForm</Edit>
+  <New>DocumentLibraryForm</New>
+</FormTemplates>
+</file>
+
+<file path=customXml/item3.xml><?xml version="1.0" encoding="utf-8"?>
 <p:properties xmlns:p="http://schemas.microsoft.com/office/2006/metadata/properties" xmlns:xsi="http://www.w3.org/2001/XMLSchema-instance" xmlns:pc="http://schemas.microsoft.com/office/infopath/2007/PartnerControls">
   <documentManagement>
     <PublishingExpirationDate xmlns="http://schemas.microsoft.com/sharepoint/v3" xsi:nil="true"/>
     <PublishingStartDate xmlns="http://schemas.microsoft.com/sharepoint/v3" xsi:nil="true"/>
   </documentManagement>
 </p:properties>
-</file>
-
-<file path=customXml/item3.xml><?xml version="1.0" encoding="utf-8"?>
-<?mso-contentType ?>
-<FormTemplates xmlns="http://schemas.microsoft.com/sharepoint/v3/contenttype/forms">
-  <Display>DocumentLibraryForm</Display>
-  <Edit>DocumentLibraryForm</Edit>
-  <New>DocumentLibraryForm</New>
-</FormTemplates>
 </file>
 
 <file path=customXml/itemProps1.xml><?xml version="1.0" encoding="utf-8"?>
@@ -36015,6 +35926,14 @@
 </file>
 
 <file path=customXml/itemProps2.xml><?xml version="1.0" encoding="utf-8"?>
+<ds:datastoreItem xmlns:ds="http://schemas.openxmlformats.org/officeDocument/2006/customXml" ds:itemID="{14883F0F-DE57-4ECA-B9BB-F22E8C5B5D82}">
+  <ds:schemaRefs>
+    <ds:schemaRef ds:uri="http://schemas.microsoft.com/sharepoint/v3/contenttype/forms"/>
+  </ds:schemaRefs>
+</ds:datastoreItem>
+</file>
+
+<file path=customXml/itemProps3.xml><?xml version="1.0" encoding="utf-8"?>
 <ds:datastoreItem xmlns:ds="http://schemas.openxmlformats.org/officeDocument/2006/customXml" ds:itemID="{D5E3C081-4081-47AD-A9A6-9F18F525DA1D}">
   <ds:schemaRefs>
     <ds:schemaRef ds:uri="http://schemas.microsoft.com/office/2006/documentManagement/types"/>
@@ -36028,12 +35947,4 @@
     <ds:schemaRef ds:uri="http://purl.org/dc/elements/1.1/"/>
   </ds:schemaRefs>
 </ds:datastoreItem>
-</file>
-
-<file path=customXml/itemProps3.xml><?xml version="1.0" encoding="utf-8"?>
-<ds:datastoreItem xmlns:ds="http://schemas.openxmlformats.org/officeDocument/2006/customXml" ds:itemID="{14883F0F-DE57-4ECA-B9BB-F22E8C5B5D82}">
-  <ds:schemaRefs>
-    <ds:schemaRef ds:uri="http://schemas.microsoft.com/sharepoint/v3/contenttype/forms"/>
-  </ds:schemaRefs>
-</ds:datastoreItem>
 </file>
--- a/MicroservicesITWeek2017.pptx
+++ b/MicroservicesITWeek2017.pptx
@@ -553,7 +553,7 @@
             <a:fld id="{7F5E9BF7-95E4-A242-BA1D-05FDCF603BE6}" type="datetime1">
               <a:rPr lang="en-US" smtClean="0"/>
               <a:pPr/>
-              <a:t>3/19/2017</a:t>
+              <a:t>3/22/2017</a:t>
             </a:fld>
             <a:endParaRPr lang="en-US"/>
           </a:p>
@@ -721,7 +721,7 @@
             <a:fld id="{165DBCB1-0306-AD41-9452-11E7C08D5C04}" type="datetime1">
               <a:rPr lang="en-US" smtClean="0"/>
               <a:pPr/>
-              <a:t>3/19/2017</a:t>
+              <a:t>3/22/2017</a:t>
             </a:fld>
             <a:endParaRPr lang="en-US"/>
           </a:p>
@@ -12311,7 +12311,6 @@
               <a:rPr lang="en-US" sz="2000" b="1" dirty="0" smtClean="0"/>
               <a:t> Interaction type </a:t>
             </a:r>
-            <a:endParaRPr lang="en-US" sz="2000" b="1" dirty="0" smtClean="0"/>
           </a:p>
           <a:p>
             <a:pPr lvl="1">
@@ -12656,11 +12655,7 @@
             </a:pPr>
             <a:r>
               <a:rPr lang="en-US" sz="2000" dirty="0" smtClean="0"/>
-              <a:t>Everything what requires user </a:t>
-            </a:r>
-            <a:r>
-              <a:rPr lang="en-US" sz="2000" dirty="0" smtClean="0"/>
-              <a:t>attention</a:t>
+              <a:t>Everything what requires user attention</a:t>
             </a:r>
           </a:p>
           <a:p>
@@ -12748,13 +12743,8 @@
             </a:pPr>
             <a:r>
               <a:rPr lang="en-US" sz="2000" dirty="0" smtClean="0"/>
-              <a:t>Guava in-process </a:t>
-            </a:r>
-            <a:r>
-              <a:rPr lang="en-US" sz="2000" dirty="0" smtClean="0"/>
-              <a:t>cache</a:t>
-            </a:r>
-            <a:endParaRPr lang="en-US" sz="2000" dirty="0" smtClean="0"/>
+              <a:t>Guava in-process cache</a:t>
+            </a:r>
           </a:p>
           <a:p>
             <a:pPr marL="1371600" lvl="2" indent="-457200">
@@ -32092,6 +32082,8 @@
             <a:solidFill>
               <a:schemeClr val="tx1"/>
             </a:solidFill>
+            <a:headEnd w="lg" len="lg"/>
+            <a:tailEnd w="lg" len="lg"/>
           </a:ln>
         </p:spPr>
         <p:txBody>
@@ -32114,8 +32106,8 @@
         </p:nvSpPr>
         <p:spPr>
           <a:xfrm>
-            <a:off x="493519" y="889510"/>
-            <a:ext cx="1044575" cy="508000"/>
+            <a:off x="3034407" y="896446"/>
+            <a:ext cx="1366143" cy="508000"/>
           </a:xfrm>
           <a:prstGeom prst="rect">
             <a:avLst/>
@@ -32129,6 +32121,8 @@
             <a:solidFill>
               <a:schemeClr val="tx1"/>
             </a:solidFill>
+            <a:headEnd w="lg" len="lg"/>
+            <a:tailEnd w="lg" len="lg"/>
           </a:ln>
           <a:effectLst/>
         </p:spPr>
@@ -32167,8 +32161,8 @@
         </p:nvSpPr>
         <p:spPr>
           <a:xfrm>
-            <a:off x="5522594" y="3636234"/>
-            <a:ext cx="622300" cy="495300"/>
+            <a:off x="5492613" y="3441364"/>
+            <a:ext cx="1219338" cy="495300"/>
           </a:xfrm>
           <a:prstGeom prst="rect">
             <a:avLst/>
@@ -32180,6 +32174,8 @@
             <a:solidFill>
               <a:schemeClr val="tx1"/>
             </a:solidFill>
+            <a:headEnd w="lg" len="lg"/>
+            <a:tailEnd w="lg" len="lg"/>
           </a:ln>
           <a:effectLst/>
         </p:spPr>
@@ -32218,8 +32214,8 @@
         </p:nvSpPr>
         <p:spPr>
           <a:xfrm>
-            <a:off x="4501295" y="3471616"/>
-            <a:ext cx="635000" cy="508000"/>
+            <a:off x="4965189" y="4219138"/>
+            <a:ext cx="1254928" cy="508000"/>
           </a:xfrm>
           <a:prstGeom prst="rect">
             <a:avLst/>
@@ -32231,6 +32227,8 @@
             <a:solidFill>
               <a:schemeClr val="tx1"/>
             </a:solidFill>
+            <a:headEnd w="lg" len="lg"/>
+            <a:tailEnd w="lg" len="lg"/>
           </a:ln>
           <a:effectLst/>
         </p:spPr>
@@ -32274,7 +32272,7 @@
         <p:spPr>
           <a:xfrm>
             <a:off x="5489577" y="2883726"/>
-            <a:ext cx="927100" cy="508000"/>
+            <a:ext cx="1222374" cy="508000"/>
           </a:xfrm>
           <a:prstGeom prst="rect">
             <a:avLst/>
@@ -32286,6 +32284,8 @@
             <a:solidFill>
               <a:schemeClr val="tx1"/>
             </a:solidFill>
+            <a:headEnd w="lg" len="lg"/>
+            <a:tailEnd w="lg" len="lg"/>
           </a:ln>
           <a:effectLst/>
         </p:spPr>
@@ -32324,8 +32324,8 @@
         </p:nvSpPr>
         <p:spPr>
           <a:xfrm>
-            <a:off x="460181" y="3851590"/>
-            <a:ext cx="1111250" cy="508000"/>
+            <a:off x="460180" y="4196364"/>
+            <a:ext cx="1251763" cy="508000"/>
           </a:xfrm>
           <a:prstGeom prst="rect">
             <a:avLst/>
@@ -32337,6 +32337,8 @@
             <a:solidFill>
               <a:schemeClr val="tx1"/>
             </a:solidFill>
+            <a:headEnd w="lg" len="lg"/>
+            <a:tailEnd w="lg" len="lg"/>
           </a:ln>
           <a:effectLst/>
         </p:spPr>
@@ -32375,8 +32377,8 @@
         </p:nvSpPr>
         <p:spPr>
           <a:xfrm>
-            <a:off x="5480057" y="2324832"/>
-            <a:ext cx="927100" cy="508000"/>
+            <a:off x="5480056" y="2324832"/>
+            <a:ext cx="1231895" cy="508000"/>
           </a:xfrm>
           <a:prstGeom prst="rect">
             <a:avLst/>
@@ -32388,6 +32390,8 @@
             <a:solidFill>
               <a:schemeClr val="tx1"/>
             </a:solidFill>
+            <a:headEnd w="lg" len="lg"/>
+            <a:tailEnd w="lg" len="lg"/>
           </a:ln>
           <a:effectLst/>
         </p:spPr>
@@ -32426,8 +32430,8 @@
         </p:nvSpPr>
         <p:spPr>
           <a:xfrm>
-            <a:off x="2533476" y="1754091"/>
-            <a:ext cx="927100" cy="508000"/>
+            <a:off x="2688377" y="1788567"/>
+            <a:ext cx="1337253" cy="508000"/>
           </a:xfrm>
           <a:prstGeom prst="rect">
             <a:avLst/>
@@ -32439,6 +32443,8 @@
             <a:solidFill>
               <a:schemeClr val="tx1"/>
             </a:solidFill>
+            <a:headEnd w="lg" len="lg"/>
+            <a:tailEnd w="lg" len="lg"/>
           </a:ln>
           <a:effectLst/>
         </p:spPr>
@@ -32477,7 +32483,7 @@
         </p:nvSpPr>
         <p:spPr>
           <a:xfrm>
-            <a:off x="4714877" y="1750568"/>
+            <a:off x="4909752" y="1705598"/>
             <a:ext cx="1238250" cy="508000"/>
           </a:xfrm>
           <a:prstGeom prst="rect">
@@ -32490,6 +32496,8 @@
             <a:solidFill>
               <a:schemeClr val="tx1"/>
             </a:solidFill>
+            <a:headEnd w="lg" len="lg"/>
+            <a:tailEnd w="lg" len="lg"/>
           </a:ln>
           <a:effectLst/>
         </p:spPr>
@@ -32528,7 +32536,7 @@
         </p:nvSpPr>
         <p:spPr>
           <a:xfrm>
-            <a:off x="4400550" y="1057021"/>
+            <a:off x="4714877" y="892940"/>
             <a:ext cx="1238250" cy="508000"/>
           </a:xfrm>
           <a:prstGeom prst="rect">
@@ -32541,6 +32549,8 @@
             <a:solidFill>
               <a:schemeClr val="tx1"/>
             </a:solidFill>
+            <a:headEnd w="lg" len="lg"/>
+            <a:tailEnd w="lg" len="lg"/>
           </a:ln>
           <a:effectLst/>
         </p:spPr>
@@ -32579,7 +32589,7 @@
         </p:nvSpPr>
         <p:spPr>
           <a:xfrm>
-            <a:off x="440139" y="1784858"/>
+            <a:off x="196656" y="896446"/>
             <a:ext cx="1222375" cy="508000"/>
           </a:xfrm>
           <a:prstGeom prst="rect">
@@ -32594,6 +32604,8 @@
             <a:solidFill>
               <a:schemeClr val="tx1"/>
             </a:solidFill>
+            <a:headEnd w="lg" len="lg"/>
+            <a:tailEnd w="lg" len="lg"/>
           </a:ln>
           <a:effectLst/>
         </p:spPr>
@@ -32632,7 +32644,7 @@
         </p:nvSpPr>
         <p:spPr>
           <a:xfrm>
-            <a:off x="440139" y="2818224"/>
+            <a:off x="1658940" y="896446"/>
             <a:ext cx="1222375" cy="508000"/>
           </a:xfrm>
           <a:prstGeom prst="rect">
@@ -32647,6 +32659,8 @@
             <a:solidFill>
               <a:schemeClr val="tx1"/>
             </a:solidFill>
+            <a:headEnd w="lg" len="lg"/>
+            <a:tailEnd w="lg" len="lg"/>
           </a:ln>
           <a:effectLst/>
         </p:spPr>
@@ -32685,7 +32699,7 @@
         </p:nvSpPr>
         <p:spPr>
           <a:xfrm>
-            <a:off x="3259541" y="2344103"/>
+            <a:off x="3492502" y="2704424"/>
             <a:ext cx="1222375" cy="508000"/>
           </a:xfrm>
           <a:prstGeom prst="rect">
@@ -32700,6 +32714,8 @@
             <a:solidFill>
               <a:schemeClr val="tx1"/>
             </a:solidFill>
+            <a:headEnd w="lg" len="lg"/>
+            <a:tailEnd w="lg" len="lg"/>
           </a:ln>
           <a:effectLst/>
         </p:spPr>
@@ -32738,7 +32754,7 @@
         </p:nvSpPr>
         <p:spPr>
           <a:xfrm>
-            <a:off x="2058711" y="2914594"/>
+            <a:off x="1773901" y="3304338"/>
             <a:ext cx="1222375" cy="508000"/>
           </a:xfrm>
           <a:prstGeom prst="rect">
@@ -32753,6 +32769,8 @@
             <a:solidFill>
               <a:schemeClr val="tx1"/>
             </a:solidFill>
+            <a:headEnd w="lg" len="lg"/>
+            <a:tailEnd w="lg" len="lg"/>
           </a:ln>
           <a:effectLst/>
         </p:spPr>
@@ -32795,7 +32813,7 @@
         </p:nvSpPr>
         <p:spPr>
           <a:xfrm>
-            <a:off x="1978770" y="871610"/>
+            <a:off x="265875" y="2666217"/>
             <a:ext cx="1222375" cy="508000"/>
           </a:xfrm>
           <a:prstGeom prst="rect">
@@ -32810,6 +32828,8 @@
             <a:solidFill>
               <a:schemeClr val="tx1"/>
             </a:solidFill>
+            <a:headEnd w="lg" len="lg"/>
+            <a:tailEnd w="lg" len="lg"/>
           </a:ln>
           <a:effectLst/>
         </p:spPr>
@@ -32851,8 +32871,8 @@
         </p:nvCxnSpPr>
         <p:spPr>
           <a:xfrm flipH="1" flipV="1">
-            <a:off x="2997026" y="2262091"/>
-            <a:ext cx="873703" cy="82012"/>
+            <a:off x="3357004" y="2296567"/>
+            <a:ext cx="746686" cy="407857"/>
           </a:xfrm>
           <a:prstGeom prst="straightConnector1">
             <a:avLst/>
@@ -32861,7 +32881,8 @@
             <a:solidFill>
               <a:schemeClr val="tx1"/>
             </a:solidFill>
-            <a:tailEnd type="triangle"/>
+            <a:headEnd w="lg" len="lg"/>
+            <a:tailEnd type="triangle" w="lg" len="lg"/>
           </a:ln>
         </p:spPr>
         <p:style>
@@ -32883,15 +32904,15 @@
         <p:nvCxnSpPr>
           <p:cNvPr id="36" name="Прямая со стрелкой 35"/>
           <p:cNvCxnSpPr>
-            <a:stCxn id="16" idx="3"/>
+            <a:stCxn id="16" idx="2"/>
             <a:endCxn id="11" idx="1"/>
           </p:cNvCxnSpPr>
           <p:nvPr/>
         </p:nvCxnSpPr>
         <p:spPr>
-          <a:xfrm flipV="1">
-            <a:off x="1662514" y="2008091"/>
-            <a:ext cx="870962" cy="1064133"/>
+          <a:xfrm>
+            <a:off x="2270128" y="1404446"/>
+            <a:ext cx="418249" cy="638121"/>
           </a:xfrm>
           <a:prstGeom prst="straightConnector1">
             <a:avLst/>
@@ -32900,7 +32921,8 @@
             <a:solidFill>
               <a:schemeClr val="tx1"/>
             </a:solidFill>
-            <a:tailEnd type="triangle"/>
+            <a:headEnd w="lg" len="lg"/>
+            <a:tailEnd type="triangle" w="lg" len="lg"/>
           </a:ln>
         </p:spPr>
         <p:style>
@@ -32922,15 +32944,15 @@
         <p:nvCxnSpPr>
           <p:cNvPr id="38" name="Прямая со стрелкой 37"/>
           <p:cNvCxnSpPr>
-            <a:stCxn id="15" idx="3"/>
+            <a:stCxn id="15" idx="2"/>
             <a:endCxn id="11" idx="1"/>
           </p:cNvCxnSpPr>
           <p:nvPr/>
         </p:nvCxnSpPr>
         <p:spPr>
-          <a:xfrm flipV="1">
-            <a:off x="1662514" y="2008091"/>
-            <a:ext cx="870962" cy="30767"/>
+          <a:xfrm>
+            <a:off x="807844" y="1404446"/>
+            <a:ext cx="1880533" cy="638121"/>
           </a:xfrm>
           <a:prstGeom prst="straightConnector1">
             <a:avLst/>
@@ -32939,7 +32961,8 @@
             <a:solidFill>
               <a:schemeClr val="tx1"/>
             </a:solidFill>
-            <a:tailEnd type="triangle"/>
+            <a:headEnd w="lg" len="lg"/>
+            <a:tailEnd type="triangle" w="lg" len="lg"/>
           </a:ln>
         </p:spPr>
         <p:style>
@@ -32962,14 +32985,14 @@
           <p:cNvPr id="41" name="Прямая со стрелкой 40"/>
           <p:cNvCxnSpPr>
             <a:stCxn id="19" idx="3"/>
-            <a:endCxn id="17" idx="0"/>
+            <a:endCxn id="17" idx="1"/>
           </p:cNvCxnSpPr>
           <p:nvPr/>
         </p:nvCxnSpPr>
         <p:spPr>
           <a:xfrm>
-            <a:off x="3201145" y="1125610"/>
-            <a:ext cx="669584" cy="1218493"/>
+            <a:off x="1488250" y="2920217"/>
+            <a:ext cx="2004252" cy="38207"/>
           </a:xfrm>
           <a:prstGeom prst="straightConnector1">
             <a:avLst/>
@@ -32978,7 +33001,8 @@
             <a:solidFill>
               <a:schemeClr val="tx1"/>
             </a:solidFill>
-            <a:tailEnd type="triangle"/>
+            <a:headEnd w="lg" len="lg"/>
+            <a:tailEnd type="triangle" w="lg" len="lg"/>
           </a:ln>
         </p:spPr>
         <p:style>
@@ -33000,15 +33024,15 @@
         <p:nvCxnSpPr>
           <p:cNvPr id="43" name="Прямая со стрелкой 42"/>
           <p:cNvCxnSpPr>
-            <a:stCxn id="19" idx="1"/>
-            <a:endCxn id="15" idx="3"/>
+            <a:stCxn id="19" idx="0"/>
+            <a:endCxn id="15" idx="2"/>
           </p:cNvCxnSpPr>
           <p:nvPr/>
         </p:nvCxnSpPr>
         <p:spPr>
-          <a:xfrm flipH="1">
-            <a:off x="1662514" y="1125610"/>
-            <a:ext cx="316256" cy="913248"/>
+          <a:xfrm flipH="1" flipV="1">
+            <a:off x="807844" y="1404446"/>
+            <a:ext cx="69219" cy="1261771"/>
           </a:xfrm>
           <a:prstGeom prst="straightConnector1">
             <a:avLst/>
@@ -33017,7 +33041,8 @@
             <a:solidFill>
               <a:schemeClr val="tx1"/>
             </a:solidFill>
-            <a:tailEnd type="triangle"/>
+            <a:headEnd w="lg" len="lg"/>
+            <a:tailEnd type="triangle" w="lg" len="lg"/>
           </a:ln>
         </p:spPr>
         <p:style>
@@ -33039,15 +33064,15 @@
         <p:nvCxnSpPr>
           <p:cNvPr id="45" name="Прямая со стрелкой 44"/>
           <p:cNvCxnSpPr>
-            <a:stCxn id="19" idx="1"/>
-            <a:endCxn id="16" idx="3"/>
+            <a:stCxn id="19" idx="0"/>
+            <a:endCxn id="16" idx="2"/>
           </p:cNvCxnSpPr>
           <p:nvPr/>
         </p:nvCxnSpPr>
         <p:spPr>
-          <a:xfrm flipH="1">
-            <a:off x="1662514" y="1125610"/>
-            <a:ext cx="316256" cy="1946614"/>
+          <a:xfrm flipV="1">
+            <a:off x="877063" y="1404446"/>
+            <a:ext cx="1393065" cy="1261771"/>
           </a:xfrm>
           <a:prstGeom prst="straightConnector1">
             <a:avLst/>
@@ -33056,7 +33081,8 @@
             <a:solidFill>
               <a:schemeClr val="tx1"/>
             </a:solidFill>
-            <a:tailEnd type="triangle"/>
+            <a:headEnd w="lg" len="lg"/>
+            <a:tailEnd type="triangle" w="lg" len="lg"/>
           </a:ln>
         </p:spPr>
         <p:style>
@@ -33078,15 +33104,14 @@
         <p:nvCxnSpPr>
           <p:cNvPr id="47" name="Прямая со стрелкой 46"/>
           <p:cNvCxnSpPr>
-            <a:stCxn id="17" idx="3"/>
             <a:endCxn id="13" idx="1"/>
           </p:cNvCxnSpPr>
           <p:nvPr/>
         </p:nvCxnSpPr>
         <p:spPr>
-          <a:xfrm flipH="1" flipV="1">
-            <a:off x="4400550" y="1311021"/>
-            <a:ext cx="81366" cy="1287082"/>
+          <a:xfrm flipV="1">
+            <a:off x="4074515" y="1146940"/>
+            <a:ext cx="640362" cy="1591400"/>
           </a:xfrm>
           <a:prstGeom prst="straightConnector1">
             <a:avLst/>
@@ -33095,7 +33120,8 @@
             <a:solidFill>
               <a:schemeClr val="tx1"/>
             </a:solidFill>
-            <a:tailEnd type="triangle"/>
+            <a:headEnd w="lg" len="lg"/>
+            <a:tailEnd type="triangle" w="lg" len="lg"/>
           </a:ln>
         </p:spPr>
         <p:style>
@@ -33124,8 +33150,8 @@
         </p:nvCxnSpPr>
         <p:spPr>
           <a:xfrm>
-            <a:off x="4481916" y="2598103"/>
-            <a:ext cx="1007661" cy="539623"/>
+            <a:off x="4714877" y="2958424"/>
+            <a:ext cx="774700" cy="179302"/>
           </a:xfrm>
           <a:prstGeom prst="straightConnector1">
             <a:avLst/>
@@ -33134,7 +33160,8 @@
             <a:solidFill>
               <a:schemeClr val="tx1"/>
             </a:solidFill>
-            <a:tailEnd type="triangle"/>
+            <a:headEnd w="lg" len="lg"/>
+            <a:tailEnd type="triangle" w="lg" len="lg"/>
           </a:ln>
         </p:spPr>
         <p:style>
@@ -33156,15 +33183,15 @@
         <p:nvCxnSpPr>
           <p:cNvPr id="51" name="Прямая со стрелкой 50"/>
           <p:cNvCxnSpPr>
-            <a:stCxn id="17" idx="3"/>
+            <a:stCxn id="17" idx="0"/>
             <a:endCxn id="12" idx="1"/>
           </p:cNvCxnSpPr>
           <p:nvPr/>
         </p:nvCxnSpPr>
         <p:spPr>
           <a:xfrm flipV="1">
-            <a:off x="4481916" y="2004568"/>
-            <a:ext cx="232961" cy="593535"/>
+            <a:off x="4103690" y="1959598"/>
+            <a:ext cx="806062" cy="744826"/>
           </a:xfrm>
           <a:prstGeom prst="straightConnector1">
             <a:avLst/>
@@ -33173,7 +33200,8 @@
             <a:solidFill>
               <a:schemeClr val="tx1"/>
             </a:solidFill>
-            <a:tailEnd type="triangle"/>
+            <a:headEnd w="lg" len="lg"/>
+            <a:tailEnd type="triangle" w="lg" len="lg"/>
           </a:ln>
         </p:spPr>
         <p:style>
@@ -33202,8 +33230,8 @@
         </p:nvCxnSpPr>
         <p:spPr>
           <a:xfrm>
-            <a:off x="3870729" y="2852103"/>
-            <a:ext cx="948066" cy="619513"/>
+            <a:off x="4103690" y="3212424"/>
+            <a:ext cx="1488963" cy="1006714"/>
           </a:xfrm>
           <a:prstGeom prst="straightConnector1">
             <a:avLst/>
@@ -33212,7 +33240,8 @@
             <a:solidFill>
               <a:schemeClr val="tx1"/>
             </a:solidFill>
-            <a:tailEnd type="triangle"/>
+            <a:headEnd w="lg" len="lg"/>
+            <a:tailEnd type="triangle" w="lg" len="lg"/>
           </a:ln>
         </p:spPr>
         <p:style>
@@ -33234,15 +33263,15 @@
         <p:nvCxnSpPr>
           <p:cNvPr id="66" name="Прямая со стрелкой 65"/>
           <p:cNvCxnSpPr>
-            <a:stCxn id="17" idx="2"/>
-            <a:endCxn id="6" idx="0"/>
+            <a:stCxn id="17" idx="3"/>
+            <a:endCxn id="6" idx="1"/>
           </p:cNvCxnSpPr>
           <p:nvPr/>
         </p:nvCxnSpPr>
         <p:spPr>
           <a:xfrm>
-            <a:off x="3870729" y="2852103"/>
-            <a:ext cx="1963015" cy="784131"/>
+            <a:off x="4714877" y="2958424"/>
+            <a:ext cx="777736" cy="730590"/>
           </a:xfrm>
           <a:prstGeom prst="straightConnector1">
             <a:avLst/>
@@ -33251,7 +33280,8 @@
             <a:solidFill>
               <a:schemeClr val="tx1"/>
             </a:solidFill>
-            <a:tailEnd type="triangle"/>
+            <a:headEnd w="lg" len="lg"/>
+            <a:tailEnd type="triangle" w="lg" len="lg"/>
           </a:ln>
         </p:spPr>
         <p:style>
@@ -33280,7 +33310,7 @@
         </p:nvCxnSpPr>
         <p:spPr>
           <a:xfrm>
-            <a:off x="4481916" y="2598103"/>
+            <a:off x="4714877" y="2958424"/>
             <a:ext cx="0" cy="0"/>
           </a:xfrm>
           <a:prstGeom prst="straightConnector1">
@@ -33290,7 +33320,8 @@
             <a:solidFill>
               <a:schemeClr val="tx1"/>
             </a:solidFill>
-            <a:tailEnd type="triangle"/>
+            <a:headEnd w="lg" len="lg"/>
+            <a:tailEnd type="triangle" w="lg" len="lg"/>
           </a:ln>
         </p:spPr>
         <p:style>
@@ -33319,8 +33350,8 @@
         </p:nvCxnSpPr>
         <p:spPr>
           <a:xfrm flipH="1">
-            <a:off x="1015806" y="3422594"/>
-            <a:ext cx="1654093" cy="428996"/>
+            <a:off x="1086062" y="3812338"/>
+            <a:ext cx="1299027" cy="384026"/>
           </a:xfrm>
           <a:prstGeom prst="straightConnector1">
             <a:avLst/>
@@ -33329,7 +33360,8 @@
             <a:solidFill>
               <a:schemeClr val="tx1"/>
             </a:solidFill>
-            <a:tailEnd type="triangle"/>
+            <a:headEnd w="lg" len="lg"/>
+            <a:tailEnd type="triangle" w="lg" len="lg"/>
           </a:ln>
         </p:spPr>
         <p:style>
@@ -33358,8 +33390,8 @@
         </p:nvCxnSpPr>
         <p:spPr>
           <a:xfrm flipV="1">
-            <a:off x="2669899" y="2262091"/>
-            <a:ext cx="327127" cy="652503"/>
+            <a:off x="2385089" y="2296567"/>
+            <a:ext cx="971915" cy="1007771"/>
           </a:xfrm>
           <a:prstGeom prst="straightConnector1">
             <a:avLst/>
@@ -33368,7 +33400,8 @@
             <a:solidFill>
               <a:schemeClr val="tx1"/>
             </a:solidFill>
-            <a:tailEnd type="triangle"/>
+            <a:headEnd w="lg" len="lg"/>
+            <a:tailEnd type="triangle" w="lg" len="lg"/>
           </a:ln>
         </p:spPr>
         <p:style>
@@ -33397,8 +33430,8 @@
         </p:nvCxnSpPr>
         <p:spPr>
           <a:xfrm flipV="1">
-            <a:off x="4481916" y="2578832"/>
-            <a:ext cx="998141" cy="19271"/>
+            <a:off x="4714877" y="2578832"/>
+            <a:ext cx="765179" cy="379592"/>
           </a:xfrm>
           <a:prstGeom prst="straightConnector1">
             <a:avLst/>
@@ -33407,7 +33440,8 @@
             <a:solidFill>
               <a:schemeClr val="tx1"/>
             </a:solidFill>
-            <a:tailEnd type="triangle"/>
+            <a:headEnd w="lg" len="lg"/>
+            <a:tailEnd type="triangle" w="lg" len="lg"/>
           </a:ln>
         </p:spPr>
         <p:style>
@@ -33433,7 +33467,7 @@
         </p:nvSpPr>
         <p:spPr>
           <a:xfrm>
-            <a:off x="2056483" y="4105306"/>
+            <a:off x="2056483" y="4210236"/>
             <a:ext cx="1222375" cy="508000"/>
           </a:xfrm>
           <a:prstGeom prst="rect">
@@ -33446,6 +33480,8 @@
             <a:solidFill>
               <a:schemeClr val="tx1"/>
             </a:solidFill>
+            <a:headEnd w="lg" len="lg"/>
+            <a:tailEnd w="lg" len="lg"/>
           </a:ln>
           <a:effectLst/>
         </p:spPr>
@@ -33486,9 +33522,9 @@
           <p:nvPr/>
         </p:nvCxnSpPr>
         <p:spPr>
-          <a:xfrm flipH="1">
-            <a:off x="2667671" y="3422594"/>
-            <a:ext cx="2228" cy="682712"/>
+          <a:xfrm>
+            <a:off x="2385089" y="3812338"/>
+            <a:ext cx="282582" cy="397898"/>
           </a:xfrm>
           <a:prstGeom prst="straightConnector1">
             <a:avLst/>
@@ -33497,7 +33533,8 @@
             <a:solidFill>
               <a:schemeClr val="tx1"/>
             </a:solidFill>
-            <a:tailEnd type="triangle"/>
+            <a:headEnd w="lg" len="lg"/>
+            <a:tailEnd type="triangle" w="lg" len="lg"/>
           </a:ln>
         </p:spPr>
         <p:style>
@@ -33526,8 +33563,8 @@
         </p:nvCxnSpPr>
         <p:spPr>
           <a:xfrm flipH="1">
-            <a:off x="2667671" y="2852103"/>
-            <a:ext cx="1203058" cy="1253203"/>
+            <a:off x="2667671" y="3212424"/>
+            <a:ext cx="1436019" cy="997812"/>
           </a:xfrm>
           <a:prstGeom prst="straightConnector1">
             <a:avLst/>
@@ -33536,7 +33573,8 @@
             <a:solidFill>
               <a:schemeClr val="tx1"/>
             </a:solidFill>
-            <a:tailEnd type="triangle"/>
+            <a:headEnd w="lg" len="lg"/>
+            <a:tailEnd type="triangle" w="lg" len="lg"/>
           </a:ln>
         </p:spPr>
         <p:style>
@@ -33575,6 +33613,8 @@
             <a:solidFill>
               <a:schemeClr val="tx1"/>
             </a:solidFill>
+            <a:headEnd w="lg" len="lg"/>
+            <a:tailEnd w="lg" len="lg"/>
           </a:ln>
           <a:effectLst/>
         </p:spPr>
@@ -33616,8 +33656,8 @@
         </p:nvCxnSpPr>
         <p:spPr>
           <a:xfrm>
-            <a:off x="3870729" y="2852103"/>
-            <a:ext cx="272845" cy="1362362"/>
+            <a:off x="4103690" y="3212424"/>
+            <a:ext cx="39884" cy="1002041"/>
           </a:xfrm>
           <a:prstGeom prst="straightConnector1">
             <a:avLst/>
@@ -33626,7 +33666,8 @@
             <a:solidFill>
               <a:schemeClr val="tx1"/>
             </a:solidFill>
-            <a:tailEnd type="triangle"/>
+            <a:headEnd w="lg" len="lg"/>
+            <a:tailEnd type="triangle" w="lg" len="lg"/>
           </a:ln>
         </p:spPr>
         <p:style>
@@ -35153,11 +35194,7 @@
             </a:pPr>
             <a:r>
               <a:rPr lang="en-US" sz="2400" b="1" dirty="0" smtClean="0"/>
-              <a:t> </a:t>
-            </a:r>
-            <a:r>
-              <a:rPr lang="en-US" sz="2400" b="1" dirty="0" smtClean="0"/>
-              <a:t>Workflow</a:t>
+              <a:t> Workflow</a:t>
             </a:r>
             <a:endParaRPr lang="en-US" sz="2400" b="1" dirty="0"/>
           </a:p>
@@ -36375,6 +36412,15 @@
 </file>
 
 <file path=customXml/item1.xml><?xml version="1.0" encoding="utf-8"?>
+<p:properties xmlns:p="http://schemas.microsoft.com/office/2006/metadata/properties" xmlns:xsi="http://www.w3.org/2001/XMLSchema-instance" xmlns:pc="http://schemas.microsoft.com/office/infopath/2007/PartnerControls">
+  <documentManagement>
+    <PublishingExpirationDate xmlns="http://schemas.microsoft.com/sharepoint/v3" xsi:nil="true"/>
+    <PublishingStartDate xmlns="http://schemas.microsoft.com/sharepoint/v3" xsi:nil="true"/>
+  </documentManagement>
+</p:properties>
+</file>
+
+<file path=customXml/item2.xml><?xml version="1.0" encoding="utf-8"?>
 <ct:contentTypeSchema xmlns:ct="http://schemas.microsoft.com/office/2006/metadata/contentType" xmlns:ma="http://schemas.microsoft.com/office/2006/metadata/properties/metaAttributes" ct:_="" ma:_="" ma:contentTypeName="Document" ma:contentTypeID="0x010100B0E9A4A7D20EA84CAA39F80EA2A19865" ma:contentTypeVersion="1" ma:contentTypeDescription="Create a new document." ma:contentTypeScope="" ma:versionID="4ed0c655cf5595f31b06ef1418ca28bf">
   <xsd:schema xmlns:xsd="http://www.w3.org/2001/XMLSchema" xmlns:xs="http://www.w3.org/2001/XMLSchema" xmlns:p="http://schemas.microsoft.com/office/2006/metadata/properties" xmlns:ns1="http://schemas.microsoft.com/sharepoint/v3" targetNamespace="http://schemas.microsoft.com/office/2006/metadata/properties" ma:root="true" ma:fieldsID="4dcce58c87e9fcebab8021569449a8d0" ns1:_="">
     <xsd:import namespace="http://schemas.microsoft.com/sharepoint/v3"/>
@@ -36506,15 +36552,6 @@
 </ct:contentTypeSchema>
 </file>
 
-<file path=customXml/item2.xml><?xml version="1.0" encoding="utf-8"?>
-<p:properties xmlns:p="http://schemas.microsoft.com/office/2006/metadata/properties" xmlns:xsi="http://www.w3.org/2001/XMLSchema-instance" xmlns:pc="http://schemas.microsoft.com/office/infopath/2007/PartnerControls">
-  <documentManagement>
-    <PublishingExpirationDate xmlns="http://schemas.microsoft.com/sharepoint/v3" xsi:nil="true"/>
-    <PublishingStartDate xmlns="http://schemas.microsoft.com/sharepoint/v3" xsi:nil="true"/>
-  </documentManagement>
-</p:properties>
-</file>
-
 <file path=customXml/item3.xml><?xml version="1.0" encoding="utf-8"?>
 <?mso-contentType ?>
 <FormTemplates xmlns="http://schemas.microsoft.com/sharepoint/v3/contenttype/forms">
@@ -36525,6 +36562,22 @@
 </file>
 
 <file path=customXml/itemProps1.xml><?xml version="1.0" encoding="utf-8"?>
+<ds:datastoreItem xmlns:ds="http://schemas.openxmlformats.org/officeDocument/2006/customXml" ds:itemID="{D5E3C081-4081-47AD-A9A6-9F18F525DA1D}">
+  <ds:schemaRefs>
+    <ds:schemaRef ds:uri="http://schemas.microsoft.com/office/2006/documentManagement/types"/>
+    <ds:schemaRef ds:uri="http://schemas.openxmlformats.org/package/2006/metadata/core-properties"/>
+    <ds:schemaRef ds:uri="http://schemas.microsoft.com/office/infopath/2007/PartnerControls"/>
+    <ds:schemaRef ds:uri="http://schemas.microsoft.com/office/2006/metadata/properties"/>
+    <ds:schemaRef ds:uri="http://schemas.microsoft.com/sharepoint/v3"/>
+    <ds:schemaRef ds:uri="http://www.w3.org/XML/1998/namespace"/>
+    <ds:schemaRef ds:uri="http://purl.org/dc/dcmitype/"/>
+    <ds:schemaRef ds:uri="http://purl.org/dc/terms/"/>
+    <ds:schemaRef ds:uri="http://purl.org/dc/elements/1.1/"/>
+  </ds:schemaRefs>
+</ds:datastoreItem>
+</file>
+
+<file path=customXml/itemProps2.xml><?xml version="1.0" encoding="utf-8"?>
 <ds:datastoreItem xmlns:ds="http://schemas.openxmlformats.org/officeDocument/2006/customXml" ds:itemID="{C3A1A37E-F8E3-427A-BCE9-B1DDB8B96CDF}">
   <ds:schemaRefs>
     <ds:schemaRef ds:uri="http://schemas.microsoft.com/office/2006/metadata/contentType"/>
@@ -36542,22 +36595,6 @@
 </ds:datastoreItem>
 </file>
 
-<file path=customXml/itemProps2.xml><?xml version="1.0" encoding="utf-8"?>
-<ds:datastoreItem xmlns:ds="http://schemas.openxmlformats.org/officeDocument/2006/customXml" ds:itemID="{D5E3C081-4081-47AD-A9A6-9F18F525DA1D}">
-  <ds:schemaRefs>
-    <ds:schemaRef ds:uri="http://schemas.microsoft.com/office/2006/documentManagement/types"/>
-    <ds:schemaRef ds:uri="http://schemas.openxmlformats.org/package/2006/metadata/core-properties"/>
-    <ds:schemaRef ds:uri="http://schemas.microsoft.com/office/infopath/2007/PartnerControls"/>
-    <ds:schemaRef ds:uri="http://schemas.microsoft.com/office/2006/metadata/properties"/>
-    <ds:schemaRef ds:uri="http://schemas.microsoft.com/sharepoint/v3"/>
-    <ds:schemaRef ds:uri="http://www.w3.org/XML/1998/namespace"/>
-    <ds:schemaRef ds:uri="http://purl.org/dc/dcmitype/"/>
-    <ds:schemaRef ds:uri="http://purl.org/dc/terms/"/>
-    <ds:schemaRef ds:uri="http://purl.org/dc/elements/1.1/"/>
-  </ds:schemaRefs>
-</ds:datastoreItem>
-</file>
-
 <file path=customXml/itemProps3.xml><?xml version="1.0" encoding="utf-8"?>
 <ds:datastoreItem xmlns:ds="http://schemas.openxmlformats.org/officeDocument/2006/customXml" ds:itemID="{14883F0F-DE57-4ECA-B9BB-F22E8C5B5D82}">
   <ds:schemaRefs>

--- a/MicroservicesITWeek2017.pptx
+++ b/MicroservicesITWeek2017.pptx
@@ -12,8 +12,8 @@
   </p:handoutMasterIdLst>
   <p:sldIdLst>
     <p:sldId id="478" r:id="rId5"/>
-    <p:sldId id="464" r:id="rId6"/>
-    <p:sldId id="529" r:id="rId7"/>
+    <p:sldId id="529" r:id="rId6"/>
+    <p:sldId id="464" r:id="rId7"/>
     <p:sldId id="497" r:id="rId8"/>
     <p:sldId id="498" r:id="rId9"/>
     <p:sldId id="499" r:id="rId10"/>
@@ -553,7 +553,7 @@
             <a:fld id="{7F5E9BF7-95E4-A242-BA1D-05FDCF603BE6}" type="datetime1">
               <a:rPr lang="en-US" smtClean="0"/>
               <a:pPr/>
-              <a:t>3/22/2017</a:t>
+              <a:t>4/2/2017</a:t>
             </a:fld>
             <a:endParaRPr lang="en-US"/>
           </a:p>
@@ -721,7 +721,7 @@
             <a:fld id="{165DBCB1-0306-AD41-9452-11E7C08D5C04}" type="datetime1">
               <a:rPr lang="en-US" smtClean="0"/>
               <a:pPr/>
-              <a:t>3/22/2017</a:t>
+              <a:t>4/2/2017</a:t>
             </a:fld>
             <a:endParaRPr lang="en-US"/>
           </a:p>
@@ -1211,7 +1211,11 @@
             </a:r>
             <a:r>
               <a:rPr lang="en-US" baseline="0" dirty="0" smtClean="0"/>
-              <a:t>) should be chosen wisely depending on scenario</a:t>
+              <a:t>) should be chosen wisely depending on </a:t>
+            </a:r>
+            <a:r>
+              <a:rPr lang="en-US" baseline="0" dirty="0" smtClean="0"/>
+              <a:t>scenario</a:t>
             </a:r>
           </a:p>
           <a:p>
@@ -1221,9 +1225,9 @@
             </a:pPr>
             <a:r>
               <a:rPr lang="en-US" baseline="0" dirty="0" smtClean="0"/>
-              <a:t>Be ready for failures – it’s such a huge topic that we will return to it.</a:t>
-            </a:r>
-            <a:endParaRPr lang="en-US" dirty="0" smtClean="0"/>
+              <a:t>INTERACTIVE: Which one would you use for which purpose</a:t>
+            </a:r>
+            <a:endParaRPr lang="en-US" baseline="0" dirty="0" smtClean="0"/>
           </a:p>
         </p:txBody>
       </p:sp>
@@ -4959,79 +4963,13 @@
             </a:r>
             <a:r>
               <a:rPr lang="en-US" baseline="0" dirty="0" smtClean="0"/>
-              <a:t> scripts to do data migration or separate run-and-throw-away java tool</a:t>
+              <a:t> scripts to do data migration or separate run-and-throw-away java </a:t>
+            </a:r>
+            <a:r>
+              <a:rPr lang="en-US" baseline="0" dirty="0" smtClean="0"/>
+              <a:t>tool</a:t>
             </a:r>
             <a:endParaRPr lang="ru-RU" baseline="0" dirty="0" smtClean="0"/>
-          </a:p>
-          <a:p>
-            <a:pPr marL="171450" indent="-171450">
-              <a:buFontTx/>
-              <a:buChar char="-"/>
-            </a:pPr>
-            <a:r>
-              <a:rPr lang="en-US" baseline="0" dirty="0" smtClean="0"/>
-              <a:t>The whole lifecycle is automated using CI server (Jenkins in our case).</a:t>
-            </a:r>
-          </a:p>
-          <a:p>
-            <a:pPr marL="514350" lvl="1" indent="-171450">
-              <a:buFontTx/>
-              <a:buChar char="-"/>
-            </a:pPr>
-            <a:r>
-              <a:rPr lang="en-US" baseline="0" dirty="0" smtClean="0"/>
-              <a:t>Jenkins always checks application can compile and pass tests. </a:t>
-            </a:r>
-          </a:p>
-          <a:p>
-            <a:pPr marL="514350" lvl="1" indent="-171450">
-              <a:buFontTx/>
-              <a:buChar char="-"/>
-            </a:pPr>
-            <a:r>
-              <a:rPr lang="en-US" baseline="0" dirty="0" smtClean="0"/>
-              <a:t>Helps to release application and place it in </a:t>
-            </a:r>
-            <a:r>
-              <a:rPr lang="en-US" baseline="0" dirty="0" err="1" smtClean="0"/>
-              <a:t>artifactory</a:t>
-            </a:r>
-            <a:endParaRPr lang="en-US" baseline="0" dirty="0" smtClean="0"/>
-          </a:p>
-          <a:p>
-            <a:pPr marL="514350" lvl="1" indent="-171450">
-              <a:buFontTx/>
-              <a:buChar char="-"/>
-            </a:pPr>
-            <a:r>
-              <a:rPr lang="en-US" baseline="0" dirty="0" smtClean="0"/>
-              <a:t>Then, using chef scripts, deploy final application version on integration environment to check integration</a:t>
-            </a:r>
-            <a:r>
-              <a:rPr lang="ru-RU" baseline="0" dirty="0" smtClean="0"/>
-              <a:t>.</a:t>
-            </a:r>
-            <a:endParaRPr lang="en-US" baseline="0" dirty="0" smtClean="0"/>
-          </a:p>
-          <a:p>
-            <a:pPr marL="514350" lvl="1" indent="-171450">
-              <a:buFontTx/>
-              <a:buChar char="-"/>
-            </a:pPr>
-            <a:r>
-              <a:rPr lang="en-US" baseline="0" dirty="0" smtClean="0"/>
-              <a:t>Last part installed application is verified using automated user acceptance testing</a:t>
-            </a:r>
-          </a:p>
-          <a:p>
-            <a:pPr marL="171450" lvl="0" indent="-171450">
-              <a:buFontTx/>
-              <a:buChar char="-"/>
-            </a:pPr>
-            <a:r>
-              <a:rPr lang="en-US" baseline="0" dirty="0" smtClean="0"/>
-              <a:t>Each this step is triggered by hitting one button only</a:t>
-            </a:r>
           </a:p>
         </p:txBody>
       </p:sp>
@@ -5116,118 +5054,17 @@
           <a:bodyPr/>
           <a:lstStyle/>
           <a:p>
-            <a:r>
-              <a:rPr lang="en-US" dirty="0" smtClean="0"/>
-              <a:t>Automation is so important for </a:t>
-            </a:r>
-            <a:r>
-              <a:rPr lang="en-US" dirty="0" err="1" smtClean="0"/>
-              <a:t>microservices</a:t>
-            </a:r>
-            <a:r>
-              <a:rPr lang="en-US" baseline="0" dirty="0" smtClean="0"/>
-              <a:t> because of amount of services and their deployment complexity</a:t>
-            </a:r>
-            <a:r>
-              <a:rPr lang="ru-RU" baseline="0" dirty="0" smtClean="0"/>
-              <a:t>.</a:t>
-            </a:r>
-          </a:p>
-          <a:p>
-            <a:r>
-              <a:rPr lang="en-US" baseline="0" dirty="0" smtClean="0"/>
-              <a:t>Our team uses following practices</a:t>
-            </a:r>
-            <a:r>
-              <a:rPr lang="ru-RU" baseline="0" dirty="0" smtClean="0"/>
-              <a:t>:</a:t>
-            </a:r>
-            <a:endParaRPr lang="en-US" baseline="0" dirty="0" smtClean="0"/>
-          </a:p>
-          <a:p>
-            <a:pPr marL="171450" marR="0" indent="-171450" algn="l" defTabSz="342900" rtl="0" eaLnBrk="1" fontAlgn="auto" latinLnBrk="0" hangingPunct="1">
-              <a:lnSpc>
-                <a:spcPct val="100000"/>
-              </a:lnSpc>
-              <a:spcBef>
-                <a:spcPts val="0"/>
-              </a:spcBef>
-              <a:spcAft>
-                <a:spcPts val="0"/>
-              </a:spcAft>
-              <a:buClrTx/>
-              <a:buSzTx/>
-              <a:buFontTx/>
-              <a:buChar char="-"/>
-              <a:tabLst/>
-              <a:defRPr/>
-            </a:pPr>
-            <a:r>
-              <a:rPr lang="en-US" baseline="0" dirty="0" smtClean="0"/>
-              <a:t>Database structures are created and changed evolutionary, according to demands of currently deployed application</a:t>
-            </a:r>
-            <a:r>
-              <a:rPr lang="ru-RU" baseline="0" dirty="0" smtClean="0"/>
-              <a:t>. </a:t>
-            </a:r>
-            <a:r>
-              <a:rPr lang="en-US" baseline="0" dirty="0" smtClean="0"/>
-              <a:t>Each time, during deploy, new portion of scripts (we are using such tool as </a:t>
-            </a:r>
-            <a:r>
-              <a:rPr lang="en-US" baseline="0" dirty="0" err="1" smtClean="0"/>
-              <a:t>liquibase</a:t>
-            </a:r>
-            <a:r>
-              <a:rPr lang="en-US" baseline="0" dirty="0" smtClean="0"/>
-              <a:t>) runs over database</a:t>
-            </a:r>
-            <a:r>
-              <a:rPr lang="ru-RU" baseline="0" dirty="0" smtClean="0"/>
-              <a:t>.</a:t>
-            </a:r>
-            <a:endParaRPr lang="en-US" baseline="0" dirty="0" smtClean="0"/>
-          </a:p>
-          <a:p>
-            <a:pPr marL="171450" marR="0" indent="-171450" algn="l" defTabSz="342900" rtl="0" eaLnBrk="1" fontAlgn="auto" latinLnBrk="0" hangingPunct="1">
-              <a:lnSpc>
-                <a:spcPct val="100000"/>
-              </a:lnSpc>
-              <a:spcBef>
-                <a:spcPts val="0"/>
-              </a:spcBef>
-              <a:spcAft>
-                <a:spcPts val="0"/>
-              </a:spcAft>
-              <a:buClrTx/>
-              <a:buSzTx/>
-              <a:buFontTx/>
-              <a:buChar char="-"/>
-              <a:tabLst/>
-              <a:defRPr/>
-            </a:pPr>
-            <a:r>
-              <a:rPr lang="en-US" baseline="0" dirty="0" smtClean="0"/>
-              <a:t>But already existing data in database should be migrated too. We need to transform them according to changed database tables – and we write either </a:t>
-            </a:r>
-            <a:r>
-              <a:rPr lang="en-US" baseline="0" dirty="0" err="1" smtClean="0"/>
-              <a:t>liquibase</a:t>
-            </a:r>
-            <a:r>
-              <a:rPr lang="en-US" baseline="0" dirty="0" smtClean="0"/>
-              <a:t> scripts to do data migration or separate run-and-throw-away java tool</a:t>
-            </a:r>
-            <a:endParaRPr lang="ru-RU" baseline="0" dirty="0" smtClean="0"/>
-          </a:p>
-          <a:p>
             <a:pPr marL="171450" indent="-171450">
               <a:buFontTx/>
               <a:buChar char="-"/>
             </a:pPr>
             <a:r>
               <a:rPr lang="en-US" baseline="0" dirty="0" smtClean="0"/>
-              <a:t>The whole lifecycle is automated using CI server (Jenkins in our case).</a:t>
+              <a:t>The </a:t>
+            </a:r>
+            <a:r>
+              <a:rPr lang="en-US" baseline="0" dirty="0" smtClean="0"/>
+              <a:t>whole lifecycle is automated using CI server (Jenkins in our case).</a:t>
             </a:r>
           </a:p>
           <a:p>
@@ -11203,8 +11040,13 @@
           <a:p>
             <a:r>
               <a:rPr lang="en-US" sz="3200" dirty="0" smtClean="0"/>
-              <a:t>On</a:t>
-            </a:r>
+              <a:t>i</a:t>
+            </a:r>
+            <a:r>
+              <a:rPr lang="en-US" sz="3200" dirty="0" smtClean="0"/>
+              <a:t>n</a:t>
+            </a:r>
+            <a:endParaRPr lang="en-US" sz="3200" dirty="0" smtClean="0"/>
           </a:p>
           <a:p>
             <a:r>
@@ -18942,224 +18784,57 @@
           <a:chExt cx="0" cy="0"/>
         </a:xfrm>
       </p:grpSpPr>
-      <p:sp>
-        <p:nvSpPr>
-          <p:cNvPr id="3" name="Text Placeholder 2"/>
-          <p:cNvSpPr>
-            <a:spLocks noGrp="1"/>
-          </p:cNvSpPr>
-          <p:nvPr>
-            <p:ph type="body" sz="quarter" idx="11"/>
-          </p:nvPr>
-        </p:nvSpPr>
-        <p:spPr/>
-        <p:txBody>
-          <a:bodyPr/>
-          <a:lstStyle/>
-          <a:p>
-            <a:r>
-              <a:rPr lang="en-US" dirty="0" smtClean="0"/>
-              <a:t>AGENDA</a:t>
-            </a:r>
-            <a:endParaRPr lang="en-US" dirty="0"/>
-          </a:p>
-        </p:txBody>
-      </p:sp>
-      <p:sp>
-        <p:nvSpPr>
-          <p:cNvPr id="8" name="Content Placeholder 7"/>
-          <p:cNvSpPr>
-            <a:spLocks noGrp="1"/>
-          </p:cNvSpPr>
-          <p:nvPr>
-            <p:ph idx="1"/>
-          </p:nvPr>
-        </p:nvSpPr>
-        <p:spPr>
-          <a:xfrm>
-            <a:off x="203201" y="868217"/>
-            <a:ext cx="6520872" cy="3870038"/>
-          </a:xfrm>
-        </p:spPr>
-        <p:txBody>
-          <a:bodyPr>
-            <a:noAutofit/>
-          </a:bodyPr>
-          <a:lstStyle/>
-          <a:p>
-            <a:pPr marL="285750" indent="-285750">
-              <a:lnSpc>
-                <a:spcPct val="150000"/>
-              </a:lnSpc>
-              <a:buClr>
-                <a:schemeClr val="accent3">
-                  <a:lumMod val="75000"/>
-                </a:schemeClr>
-              </a:buClr>
-              <a:buFont typeface="Arial" pitchFamily="34" charset="0"/>
-              <a:buChar char="•"/>
-            </a:pPr>
-            <a:r>
-              <a:rPr lang="en-US" sz="1800" dirty="0" smtClean="0"/>
-              <a:t>Intro</a:t>
-            </a:r>
-            <a:endParaRPr lang="ru-RU" sz="1800" dirty="0"/>
-          </a:p>
-          <a:p>
-            <a:pPr marL="285750" indent="-285750">
-              <a:lnSpc>
-                <a:spcPct val="150000"/>
-              </a:lnSpc>
-              <a:buClr>
-                <a:schemeClr val="accent3">
-                  <a:lumMod val="75000"/>
-                </a:schemeClr>
-              </a:buClr>
-              <a:buFont typeface="Arial" pitchFamily="34" charset="0"/>
-              <a:buChar char="•"/>
-            </a:pPr>
-            <a:r>
-              <a:rPr lang="en-US" sz="1800" dirty="0" smtClean="0"/>
-              <a:t>Team</a:t>
-            </a:r>
-            <a:endParaRPr lang="ru-RU" sz="1800" dirty="0"/>
-          </a:p>
-          <a:p>
-            <a:pPr marL="285750" indent="-285750">
-              <a:lnSpc>
-                <a:spcPct val="150000"/>
-              </a:lnSpc>
-              <a:buClr>
-                <a:schemeClr val="accent3">
-                  <a:lumMod val="75000"/>
-                </a:schemeClr>
-              </a:buClr>
-              <a:buFont typeface="Arial" pitchFamily="34" charset="0"/>
-              <a:buChar char="•"/>
-            </a:pPr>
-            <a:r>
-              <a:rPr lang="en-US" sz="1800" dirty="0" smtClean="0"/>
-              <a:t>Infrastructure</a:t>
-            </a:r>
-            <a:endParaRPr lang="ru-RU" sz="1800" dirty="0"/>
-          </a:p>
-          <a:p>
-            <a:pPr marL="285750" indent="-285750">
-              <a:lnSpc>
-                <a:spcPct val="150000"/>
-              </a:lnSpc>
-              <a:buClr>
-                <a:schemeClr val="accent3">
-                  <a:lumMod val="75000"/>
-                </a:schemeClr>
-              </a:buClr>
-              <a:buFont typeface="Arial" pitchFamily="34" charset="0"/>
-              <a:buChar char="•"/>
-            </a:pPr>
-            <a:r>
-              <a:rPr lang="en-US" sz="1800" b="1" dirty="0" err="1" smtClean="0"/>
-              <a:t>Microservices</a:t>
-            </a:r>
-            <a:r>
-              <a:rPr lang="en-US" sz="1800" b="1" dirty="0" smtClean="0"/>
-              <a:t> Design</a:t>
-            </a:r>
-          </a:p>
-          <a:p>
-            <a:pPr marL="1028700" lvl="1">
-              <a:lnSpc>
-                <a:spcPct val="150000"/>
-              </a:lnSpc>
-              <a:spcBef>
-                <a:spcPts val="0"/>
-              </a:spcBef>
-              <a:buClr>
-                <a:schemeClr val="accent3">
-                  <a:lumMod val="75000"/>
-                </a:schemeClr>
-              </a:buClr>
-              <a:buFont typeface="Arial" pitchFamily="34" charset="0"/>
-              <a:buChar char="•"/>
-            </a:pPr>
-            <a:r>
-              <a:rPr lang="en-US" sz="1800" b="1" dirty="0" smtClean="0"/>
-              <a:t>Data</a:t>
-            </a:r>
-          </a:p>
-          <a:p>
-            <a:pPr marL="1028700" lvl="1">
-              <a:lnSpc>
-                <a:spcPct val="150000"/>
-              </a:lnSpc>
-              <a:buClr>
-                <a:schemeClr val="accent3">
-                  <a:lumMod val="75000"/>
-                </a:schemeClr>
-              </a:buClr>
-              <a:buFont typeface="Arial" pitchFamily="34" charset="0"/>
-              <a:buChar char="•"/>
-            </a:pPr>
-            <a:r>
-              <a:rPr lang="en-US" sz="1800" b="1" dirty="0" smtClean="0"/>
-              <a:t>Interaction</a:t>
-            </a:r>
-          </a:p>
-          <a:p>
-            <a:pPr marL="1028700" lvl="1">
-              <a:lnSpc>
-                <a:spcPct val="150000"/>
-              </a:lnSpc>
-              <a:buClr>
-                <a:schemeClr val="accent3">
-                  <a:lumMod val="75000"/>
-                </a:schemeClr>
-              </a:buClr>
-              <a:buFont typeface="Arial" pitchFamily="34" charset="0"/>
-              <a:buChar char="•"/>
-            </a:pPr>
-            <a:r>
-              <a:rPr lang="en-US" sz="1800" b="1" dirty="0" smtClean="0"/>
-              <a:t>Failures</a:t>
-            </a:r>
-          </a:p>
-          <a:p>
-            <a:pPr marL="285750" indent="-285750">
-              <a:lnSpc>
-                <a:spcPct val="150000"/>
-              </a:lnSpc>
-              <a:buClr>
-                <a:schemeClr val="accent3">
-                  <a:lumMod val="75000"/>
-                </a:schemeClr>
-              </a:buClr>
-              <a:buFont typeface="Arial" pitchFamily="34" charset="0"/>
-              <a:buChar char="•"/>
-            </a:pPr>
-            <a:r>
-              <a:rPr lang="en-US" sz="1800" dirty="0" smtClean="0"/>
-              <a:t>When to use</a:t>
-            </a:r>
-            <a:endParaRPr lang="ru-RU" sz="1800" dirty="0"/>
-          </a:p>
-        </p:txBody>
-      </p:sp>
+      <p:pic>
+        <p:nvPicPr>
+          <p:cNvPr id="3074" name="Picture 2" descr="Картинки по запросу microservices everywhere"/>
+          <p:cNvPicPr>
+            <a:picLocks noChangeAspect="1" noChangeArrowheads="1"/>
+          </p:cNvPicPr>
+          <p:nvPr/>
+        </p:nvPicPr>
+        <p:blipFill>
+          <a:blip r:embed="rId2">
+            <a:extLst>
+              <a:ext uri="{28A0092B-C50C-407E-A947-70E740481C1C}">
+                <a14:useLocalDpi xmlns:a14="http://schemas.microsoft.com/office/drawing/2010/main" val="0"/>
+              </a:ext>
+            </a:extLst>
+          </a:blip>
+          <a:srcRect/>
+          <a:stretch>
+            <a:fillRect/>
+          </a:stretch>
+        </p:blipFill>
+        <p:spPr bwMode="auto">
+          <a:xfrm>
+            <a:off x="414536" y="175585"/>
+            <a:ext cx="6028928" cy="4584791"/>
+          </a:xfrm>
+          <a:prstGeom prst="rect">
+            <a:avLst/>
+          </a:prstGeom>
+          <a:noFill/>
+          <a:extLst>
+            <a:ext uri="{909E8E84-426E-40DD-AFC4-6F175D3DCCD1}">
+              <a14:hiddenFill xmlns:a14="http://schemas.microsoft.com/office/drawing/2010/main">
+                <a:solidFill>
+                  <a:srgbClr val="FFFFFF"/>
+                </a:solidFill>
+              </a14:hiddenFill>
+            </a:ext>
+          </a:extLst>
+        </p:spPr>
+      </p:pic>
     </p:spTree>
     <p:extLst>
       <p:ext uri="{BB962C8B-B14F-4D97-AF65-F5344CB8AC3E}">
-        <p14:creationId xmlns:p14="http://schemas.microsoft.com/office/powerpoint/2010/main" val="3993976752"/>
+        <p14:creationId xmlns:p14="http://schemas.microsoft.com/office/powerpoint/2010/main" val="2066781938"/>
       </p:ext>
     </p:extLst>
   </p:cSld>
   <p:clrMapOvr>
     <a:masterClrMapping/>
   </p:clrMapOvr>
-  <p:timing>
-    <p:tnLst>
-      <p:par>
-        <p:cTn id="1" dur="indefinite" restart="never" nodeType="tmRoot"/>
-      </p:par>
-    </p:tnLst>
-  </p:timing>
 </p:sld>
 </file>
 
@@ -29259,7 +28934,30 @@
       </p:grpSpPr>
       <p:sp>
         <p:nvSpPr>
-          <p:cNvPr id="2" name="Объект 1"/>
+          <p:cNvPr id="3" name="Text Placeholder 2"/>
+          <p:cNvSpPr>
+            <a:spLocks noGrp="1"/>
+          </p:cNvSpPr>
+          <p:nvPr>
+            <p:ph type="body" sz="quarter" idx="11"/>
+          </p:nvPr>
+        </p:nvSpPr>
+        <p:spPr/>
+        <p:txBody>
+          <a:bodyPr/>
+          <a:lstStyle/>
+          <a:p>
+            <a:r>
+              <a:rPr lang="en-US" dirty="0" smtClean="0"/>
+              <a:t>AGENDA</a:t>
+            </a:r>
+            <a:endParaRPr lang="en-US" dirty="0"/>
+          </a:p>
+        </p:txBody>
+      </p:sp>
+      <p:sp>
+        <p:nvSpPr>
+          <p:cNvPr id="8" name="Content Placeholder 7"/>
           <p:cNvSpPr>
             <a:spLocks noGrp="1"/>
           </p:cNvSpPr>
@@ -29267,104 +28965,191 @@
             <p:ph idx="1"/>
           </p:nvPr>
         </p:nvSpPr>
-        <p:spPr/>
-        <p:txBody>
-          <a:bodyPr/>
+        <p:spPr>
+          <a:xfrm>
+            <a:off x="203201" y="868217"/>
+            <a:ext cx="6520872" cy="3870038"/>
+          </a:xfrm>
+        </p:spPr>
+        <p:txBody>
+          <a:bodyPr>
+            <a:noAutofit/>
+          </a:bodyPr>
           <a:lstStyle/>
           <a:p>
-            <a:endParaRPr lang="ru-RU"/>
-          </a:p>
-        </p:txBody>
-      </p:sp>
-      <p:sp>
-        <p:nvSpPr>
-          <p:cNvPr id="3" name="Текст 2"/>
-          <p:cNvSpPr>
-            <a:spLocks noGrp="1"/>
-          </p:cNvSpPr>
-          <p:nvPr>
-            <p:ph type="body" sz="quarter" idx="11"/>
-          </p:nvPr>
-        </p:nvSpPr>
-        <p:spPr/>
-        <p:txBody>
-          <a:bodyPr/>
-          <a:lstStyle/>
-          <a:p>
-            <a:endParaRPr lang="ru-RU"/>
-          </a:p>
-        </p:txBody>
-      </p:sp>
-      <p:sp>
-        <p:nvSpPr>
-          <p:cNvPr id="4" name="Текст 3"/>
-          <p:cNvSpPr>
-            <a:spLocks noGrp="1"/>
-          </p:cNvSpPr>
-          <p:nvPr>
-            <p:ph type="body" sz="quarter" idx="12"/>
-          </p:nvPr>
-        </p:nvSpPr>
-        <p:spPr/>
-        <p:txBody>
-          <a:bodyPr/>
-          <a:lstStyle/>
-          <a:p>
-            <a:endParaRPr lang="ru-RU"/>
-          </a:p>
-        </p:txBody>
-      </p:sp>
-      <p:pic>
-        <p:nvPicPr>
-          <p:cNvPr id="3074" name="Picture 2" descr="Картинки по запросу microservices everywhere"/>
-          <p:cNvPicPr>
-            <a:picLocks noChangeAspect="1" noChangeArrowheads="1"/>
-          </p:cNvPicPr>
-          <p:nvPr/>
-        </p:nvPicPr>
-        <p:blipFill>
-          <a:blip r:embed="rId2">
-            <a:extLst>
-              <a:ext uri="{28A0092B-C50C-407E-A947-70E740481C1C}">
-                <a14:useLocalDpi xmlns:a14="http://schemas.microsoft.com/office/drawing/2010/main" val="0"/>
-              </a:ext>
-            </a:extLst>
-          </a:blip>
-          <a:srcRect/>
-          <a:stretch>
-            <a:fillRect/>
-          </a:stretch>
-        </p:blipFill>
-        <p:spPr bwMode="auto">
-          <a:xfrm>
-            <a:off x="414536" y="175585"/>
-            <a:ext cx="6028928" cy="4584791"/>
-          </a:xfrm>
-          <a:prstGeom prst="rect">
-            <a:avLst/>
-          </a:prstGeom>
-          <a:noFill/>
-          <a:extLst>
-            <a:ext uri="{909E8E84-426E-40DD-AFC4-6F175D3DCCD1}">
-              <a14:hiddenFill xmlns:a14="http://schemas.microsoft.com/office/drawing/2010/main">
-                <a:solidFill>
-                  <a:srgbClr val="FFFFFF"/>
-                </a:solidFill>
-              </a14:hiddenFill>
-            </a:ext>
-          </a:extLst>
-        </p:spPr>
-      </p:pic>
+            <a:pPr marL="285750" indent="-285750">
+              <a:lnSpc>
+                <a:spcPct val="150000"/>
+              </a:lnSpc>
+              <a:buClr>
+                <a:schemeClr val="accent3">
+                  <a:lumMod val="75000"/>
+                </a:schemeClr>
+              </a:buClr>
+              <a:buFont typeface="Arial" pitchFamily="34" charset="0"/>
+              <a:buChar char="•"/>
+            </a:pPr>
+            <a:r>
+              <a:rPr lang="en-US" sz="1800" dirty="0" smtClean="0"/>
+              <a:t>Intro</a:t>
+            </a:r>
+            <a:endParaRPr lang="ru-RU" sz="1800" dirty="0"/>
+          </a:p>
+          <a:p>
+            <a:pPr marL="285750" indent="-285750">
+              <a:lnSpc>
+                <a:spcPct val="150000"/>
+              </a:lnSpc>
+              <a:buClr>
+                <a:schemeClr val="accent3">
+                  <a:lumMod val="75000"/>
+                </a:schemeClr>
+              </a:buClr>
+              <a:buFont typeface="Arial" pitchFamily="34" charset="0"/>
+              <a:buChar char="•"/>
+            </a:pPr>
+            <a:r>
+              <a:rPr lang="en-US" sz="1800" dirty="0" smtClean="0"/>
+              <a:t>Team</a:t>
+            </a:r>
+            <a:endParaRPr lang="ru-RU" sz="1800" dirty="0"/>
+          </a:p>
+          <a:p>
+            <a:pPr marL="285750" indent="-285750">
+              <a:lnSpc>
+                <a:spcPct val="150000"/>
+              </a:lnSpc>
+              <a:buClr>
+                <a:schemeClr val="accent3">
+                  <a:lumMod val="75000"/>
+                </a:schemeClr>
+              </a:buClr>
+              <a:buFont typeface="Arial" pitchFamily="34" charset="0"/>
+              <a:buChar char="•"/>
+            </a:pPr>
+            <a:r>
+              <a:rPr lang="en-US" sz="1800" dirty="0" smtClean="0"/>
+              <a:t>Infrastructure</a:t>
+            </a:r>
+            <a:endParaRPr lang="ru-RU" sz="1800" dirty="0"/>
+          </a:p>
+          <a:p>
+            <a:pPr marL="285750" indent="-285750">
+              <a:lnSpc>
+                <a:spcPct val="150000"/>
+              </a:lnSpc>
+              <a:buClr>
+                <a:schemeClr val="accent3">
+                  <a:lumMod val="75000"/>
+                </a:schemeClr>
+              </a:buClr>
+              <a:buFont typeface="Arial" pitchFamily="34" charset="0"/>
+              <a:buChar char="•"/>
+            </a:pPr>
+            <a:r>
+              <a:rPr lang="en-US" sz="1800" b="1" dirty="0" err="1" smtClean="0"/>
+              <a:t>Microservices</a:t>
+            </a:r>
+            <a:r>
+              <a:rPr lang="en-US" sz="1800" b="1" dirty="0" smtClean="0"/>
+              <a:t> Design</a:t>
+            </a:r>
+          </a:p>
+          <a:p>
+            <a:pPr marL="1028700" lvl="1">
+              <a:lnSpc>
+                <a:spcPct val="150000"/>
+              </a:lnSpc>
+              <a:spcBef>
+                <a:spcPts val="0"/>
+              </a:spcBef>
+              <a:buClr>
+                <a:schemeClr val="accent3">
+                  <a:lumMod val="75000"/>
+                </a:schemeClr>
+              </a:buClr>
+              <a:buFont typeface="Arial" pitchFamily="34" charset="0"/>
+              <a:buChar char="•"/>
+            </a:pPr>
+            <a:r>
+              <a:rPr lang="en-US" sz="1800" b="1" dirty="0" smtClean="0"/>
+              <a:t>Data</a:t>
+            </a:r>
+          </a:p>
+          <a:p>
+            <a:pPr marL="1028700" lvl="1">
+              <a:lnSpc>
+                <a:spcPct val="150000"/>
+              </a:lnSpc>
+              <a:buClr>
+                <a:schemeClr val="accent3">
+                  <a:lumMod val="75000"/>
+                </a:schemeClr>
+              </a:buClr>
+              <a:buFont typeface="Arial" pitchFamily="34" charset="0"/>
+              <a:buChar char="•"/>
+            </a:pPr>
+            <a:r>
+              <a:rPr lang="en-US" sz="1800" b="1" dirty="0" smtClean="0"/>
+              <a:t>Interaction</a:t>
+            </a:r>
+          </a:p>
+          <a:p>
+            <a:pPr marL="1028700" lvl="1">
+              <a:lnSpc>
+                <a:spcPct val="150000"/>
+              </a:lnSpc>
+              <a:buClr>
+                <a:schemeClr val="accent3">
+                  <a:lumMod val="75000"/>
+                </a:schemeClr>
+              </a:buClr>
+              <a:buFont typeface="Arial" pitchFamily="34" charset="0"/>
+              <a:buChar char="•"/>
+            </a:pPr>
+            <a:r>
+              <a:rPr lang="en-US" sz="1800" b="1" dirty="0" smtClean="0"/>
+              <a:t>Failures</a:t>
+            </a:r>
+          </a:p>
+          <a:p>
+            <a:pPr marL="285750" indent="-285750">
+              <a:lnSpc>
+                <a:spcPct val="150000"/>
+              </a:lnSpc>
+              <a:buClr>
+                <a:schemeClr val="accent3">
+                  <a:lumMod val="75000"/>
+                </a:schemeClr>
+              </a:buClr>
+              <a:buFont typeface="Arial" pitchFamily="34" charset="0"/>
+              <a:buChar char="•"/>
+            </a:pPr>
+            <a:r>
+              <a:rPr lang="en-US" sz="1800" dirty="0" smtClean="0"/>
+              <a:t>When to use</a:t>
+            </a:r>
+            <a:endParaRPr lang="ru-RU" sz="1800" dirty="0"/>
+          </a:p>
+        </p:txBody>
+      </p:sp>
     </p:spTree>
     <p:extLst>
       <p:ext uri="{BB962C8B-B14F-4D97-AF65-F5344CB8AC3E}">
-        <p14:creationId xmlns:p14="http://schemas.microsoft.com/office/powerpoint/2010/main" val="2066781938"/>
+        <p14:creationId xmlns:p14="http://schemas.microsoft.com/office/powerpoint/2010/main" val="3993976752"/>
       </p:ext>
     </p:extLst>
   </p:cSld>
   <p:clrMapOvr>
     <a:masterClrMapping/>
   </p:clrMapOvr>
+  <p:timing>
+    <p:tnLst>
+      <p:par>
+        <p:cTn id="1" dur="indefinite" restart="never" nodeType="tmRoot"/>
+      </p:par>
+    </p:tnLst>
+  </p:timing>
 </p:sld>
 </file>
 
@@ -33763,44 +33548,6 @@
           </a:extLst>
         </p:spPr>
       </p:pic>
-      <p:sp>
-        <p:nvSpPr>
-          <p:cNvPr id="2" name="Объект 1"/>
-          <p:cNvSpPr>
-            <a:spLocks noGrp="1"/>
-          </p:cNvSpPr>
-          <p:nvPr>
-            <p:ph idx="1"/>
-          </p:nvPr>
-        </p:nvSpPr>
-        <p:spPr/>
-        <p:txBody>
-          <a:bodyPr/>
-          <a:lstStyle/>
-          <a:p>
-            <a:endParaRPr lang="ru-RU" dirty="0"/>
-          </a:p>
-        </p:txBody>
-      </p:sp>
-      <p:sp>
-        <p:nvSpPr>
-          <p:cNvPr id="4" name="Текст 3"/>
-          <p:cNvSpPr>
-            <a:spLocks noGrp="1"/>
-          </p:cNvSpPr>
-          <p:nvPr>
-            <p:ph type="body" sz="quarter" idx="12"/>
-          </p:nvPr>
-        </p:nvSpPr>
-        <p:spPr/>
-        <p:txBody>
-          <a:bodyPr/>
-          <a:lstStyle/>
-          <a:p>
-            <a:endParaRPr lang="ru-RU"/>
-          </a:p>
-        </p:txBody>
-      </p:sp>
     </p:spTree>
     <p:extLst>
       <p:ext uri="{BB962C8B-B14F-4D97-AF65-F5344CB8AC3E}">
@@ -36412,15 +36159,6 @@
 </file>
 
 <file path=customXml/item1.xml><?xml version="1.0" encoding="utf-8"?>
-<p:properties xmlns:p="http://schemas.microsoft.com/office/2006/metadata/properties" xmlns:xsi="http://www.w3.org/2001/XMLSchema-instance" xmlns:pc="http://schemas.microsoft.com/office/infopath/2007/PartnerControls">
-  <documentManagement>
-    <PublishingExpirationDate xmlns="http://schemas.microsoft.com/sharepoint/v3" xsi:nil="true"/>
-    <PublishingStartDate xmlns="http://schemas.microsoft.com/sharepoint/v3" xsi:nil="true"/>
-  </documentManagement>
-</p:properties>
-</file>
-
-<file path=customXml/item2.xml><?xml version="1.0" encoding="utf-8"?>
 <ct:contentTypeSchema xmlns:ct="http://schemas.microsoft.com/office/2006/metadata/contentType" xmlns:ma="http://schemas.microsoft.com/office/2006/metadata/properties/metaAttributes" ct:_="" ma:_="" ma:contentTypeName="Document" ma:contentTypeID="0x010100B0E9A4A7D20EA84CAA39F80EA2A19865" ma:contentTypeVersion="1" ma:contentTypeDescription="Create a new document." ma:contentTypeScope="" ma:versionID="4ed0c655cf5595f31b06ef1418ca28bf">
   <xsd:schema xmlns:xsd="http://www.w3.org/2001/XMLSchema" xmlns:xs="http://www.w3.org/2001/XMLSchema" xmlns:p="http://schemas.microsoft.com/office/2006/metadata/properties" xmlns:ns1="http://schemas.microsoft.com/sharepoint/v3" targetNamespace="http://schemas.microsoft.com/office/2006/metadata/properties" ma:root="true" ma:fieldsID="4dcce58c87e9fcebab8021569449a8d0" ns1:_="">
     <xsd:import namespace="http://schemas.microsoft.com/sharepoint/v3"/>
@@ -36552,6 +36290,15 @@
 </ct:contentTypeSchema>
 </file>
 
+<file path=customXml/item2.xml><?xml version="1.0" encoding="utf-8"?>
+<p:properties xmlns:p="http://schemas.microsoft.com/office/2006/metadata/properties" xmlns:xsi="http://www.w3.org/2001/XMLSchema-instance" xmlns:pc="http://schemas.microsoft.com/office/infopath/2007/PartnerControls">
+  <documentManagement>
+    <PublishingExpirationDate xmlns="http://schemas.microsoft.com/sharepoint/v3" xsi:nil="true"/>
+    <PublishingStartDate xmlns="http://schemas.microsoft.com/sharepoint/v3" xsi:nil="true"/>
+  </documentManagement>
+</p:properties>
+</file>
+
 <file path=customXml/item3.xml><?xml version="1.0" encoding="utf-8"?>
 <?mso-contentType ?>
 <FormTemplates xmlns="http://schemas.microsoft.com/sharepoint/v3/contenttype/forms">
@@ -36562,22 +36309,6 @@
 </file>
 
 <file path=customXml/itemProps1.xml><?xml version="1.0" encoding="utf-8"?>
-<ds:datastoreItem xmlns:ds="http://schemas.openxmlformats.org/officeDocument/2006/customXml" ds:itemID="{D5E3C081-4081-47AD-A9A6-9F18F525DA1D}">
-  <ds:schemaRefs>
-    <ds:schemaRef ds:uri="http://schemas.microsoft.com/office/2006/documentManagement/types"/>
-    <ds:schemaRef ds:uri="http://schemas.openxmlformats.org/package/2006/metadata/core-properties"/>
-    <ds:schemaRef ds:uri="http://schemas.microsoft.com/office/infopath/2007/PartnerControls"/>
-    <ds:schemaRef ds:uri="http://schemas.microsoft.com/office/2006/metadata/properties"/>
-    <ds:schemaRef ds:uri="http://schemas.microsoft.com/sharepoint/v3"/>
-    <ds:schemaRef ds:uri="http://www.w3.org/XML/1998/namespace"/>
-    <ds:schemaRef ds:uri="http://purl.org/dc/dcmitype/"/>
-    <ds:schemaRef ds:uri="http://purl.org/dc/terms/"/>
-    <ds:schemaRef ds:uri="http://purl.org/dc/elements/1.1/"/>
-  </ds:schemaRefs>
-</ds:datastoreItem>
-</file>
-
-<file path=customXml/itemProps2.xml><?xml version="1.0" encoding="utf-8"?>
 <ds:datastoreItem xmlns:ds="http://schemas.openxmlformats.org/officeDocument/2006/customXml" ds:itemID="{C3A1A37E-F8E3-427A-BCE9-B1DDB8B96CDF}">
   <ds:schemaRefs>
     <ds:schemaRef ds:uri="http://schemas.microsoft.com/office/2006/metadata/contentType"/>
@@ -36595,6 +36326,22 @@
 </ds:datastoreItem>
 </file>
 
+<file path=customXml/itemProps2.xml><?xml version="1.0" encoding="utf-8"?>
+<ds:datastoreItem xmlns:ds="http://schemas.openxmlformats.org/officeDocument/2006/customXml" ds:itemID="{D5E3C081-4081-47AD-A9A6-9F18F525DA1D}">
+  <ds:schemaRefs>
+    <ds:schemaRef ds:uri="http://schemas.microsoft.com/office/2006/documentManagement/types"/>
+    <ds:schemaRef ds:uri="http://schemas.openxmlformats.org/package/2006/metadata/core-properties"/>
+    <ds:schemaRef ds:uri="http://schemas.microsoft.com/office/infopath/2007/PartnerControls"/>
+    <ds:schemaRef ds:uri="http://schemas.microsoft.com/office/2006/metadata/properties"/>
+    <ds:schemaRef ds:uri="http://schemas.microsoft.com/sharepoint/v3"/>
+    <ds:schemaRef ds:uri="http://www.w3.org/XML/1998/namespace"/>
+    <ds:schemaRef ds:uri="http://purl.org/dc/dcmitype/"/>
+    <ds:schemaRef ds:uri="http://purl.org/dc/terms/"/>
+    <ds:schemaRef ds:uri="http://purl.org/dc/elements/1.1/"/>
+  </ds:schemaRefs>
+</ds:datastoreItem>
+</file>
+
 <file path=customXml/itemProps3.xml><?xml version="1.0" encoding="utf-8"?>
 <ds:datastoreItem xmlns:ds="http://schemas.openxmlformats.org/officeDocument/2006/customXml" ds:itemID="{14883F0F-DE57-4ECA-B9BB-F22E8C5B5D82}">
   <ds:schemaRefs>
